--- a/Presentation.pptx
+++ b/Presentation.pptx
@@ -20,7 +20,7 @@
     <p:sldId id="322" r:id="rId14"/>
     <p:sldId id="323" r:id="rId15"/>
     <p:sldId id="324" r:id="rId16"/>
-    <p:sldId id="260" r:id="rId17"/>
+    <p:sldId id="325" r:id="rId17"/>
     <p:sldId id="262" r:id="rId18"/>
   </p:sldIdLst>
   <p:sldSz cx="12192000" cy="6858000"/>
@@ -6266,120 +6266,10 @@
       </p:grpSpPr>
       <p:sp>
         <p:nvSpPr>
-          <p:cNvPr id="4" name="文本框 3">
+          <p:cNvPr id="38" name="文本框 37">
             <a:extLst>
               <a:ext uri="{FF2B5EF4-FFF2-40B4-BE49-F238E27FC236}">
-                <a16:creationId xmlns:a16="http://schemas.microsoft.com/office/drawing/2014/main" id="{63E0357F-1709-486B-AB3E-68B0DDDBB5D6}"/>
-              </a:ext>
-            </a:extLst>
-          </p:cNvPr>
-          <p:cNvSpPr txBox="1"/>
-          <p:nvPr/>
-        </p:nvSpPr>
-        <p:spPr>
-          <a:xfrm>
-            <a:off x="1498963" y="293195"/>
-            <a:ext cx="2618024" cy="5386090"/>
-          </a:xfrm>
-          <a:prstGeom prst="rect">
-            <a:avLst/>
-          </a:prstGeom>
-          <a:noFill/>
-        </p:spPr>
-        <p:txBody>
-          <a:bodyPr wrap="none" rtlCol="0">
-            <a:spAutoFit/>
-          </a:bodyPr>
-          <a:lstStyle/>
-          <a:p>
-            <a:r>
-              <a:rPr lang="en-US" altLang="zh-CN" sz="34400" dirty="0">
-                <a:solidFill>
-                  <a:schemeClr val="accent5">
-                    <a:lumMod val="40000"/>
-                    <a:lumOff val="60000"/>
-                  </a:schemeClr>
-                </a:solidFill>
-                <a:effectLst/>
-                <a:latin typeface="+mj-ea"/>
-                <a:ea typeface="+mj-ea"/>
-              </a:rPr>
-              <a:t>P</a:t>
-            </a:r>
-            <a:endParaRPr lang="zh-CN" altLang="en-US" sz="34400" dirty="0">
-              <a:solidFill>
-                <a:schemeClr val="accent5">
-                  <a:lumMod val="40000"/>
-                  <a:lumOff val="60000"/>
-                </a:schemeClr>
-              </a:solidFill>
-              <a:effectLst/>
-              <a:latin typeface="+mj-ea"/>
-              <a:ea typeface="+mj-ea"/>
-            </a:endParaRPr>
-          </a:p>
-        </p:txBody>
-      </p:sp>
-      <p:sp>
-        <p:nvSpPr>
-          <p:cNvPr id="5" name="文本框 4">
-            <a:extLst>
-              <a:ext uri="{FF2B5EF4-FFF2-40B4-BE49-F238E27FC236}">
-                <a16:creationId xmlns:a16="http://schemas.microsoft.com/office/drawing/2014/main" id="{FE2EEF87-8A1E-4EFB-A4C4-D80249EE3487}"/>
-              </a:ext>
-            </a:extLst>
-          </p:cNvPr>
-          <p:cNvSpPr txBox="1"/>
-          <p:nvPr/>
-        </p:nvSpPr>
-        <p:spPr>
-          <a:xfrm>
-            <a:off x="3689021" y="2986240"/>
-            <a:ext cx="1414170" cy="461665"/>
-          </a:xfrm>
-          <a:prstGeom prst="rect">
-            <a:avLst/>
-          </a:prstGeom>
-          <a:noFill/>
-        </p:spPr>
-        <p:txBody>
-          <a:bodyPr wrap="none" rtlCol="0">
-            <a:spAutoFit/>
-          </a:bodyPr>
-          <a:lstStyle/>
-          <a:p>
-            <a:r>
-              <a:rPr lang="en-US" altLang="zh-CN" sz="2400" dirty="0">
-                <a:solidFill>
-                  <a:schemeClr val="bg1">
-                    <a:lumMod val="65000"/>
-                  </a:schemeClr>
-                </a:solidFill>
-                <a:effectLst/>
-                <a:latin typeface="+mj-ea"/>
-                <a:ea typeface="+mj-ea"/>
-              </a:rPr>
-              <a:t>ART ONE</a:t>
-            </a:r>
-            <a:endParaRPr lang="zh-CN" altLang="en-US" sz="2400" dirty="0">
-              <a:solidFill>
-                <a:schemeClr val="bg1">
-                  <a:lumMod val="65000"/>
-                </a:schemeClr>
-              </a:solidFill>
-              <a:effectLst/>
-              <a:latin typeface="+mj-ea"/>
-              <a:ea typeface="+mj-ea"/>
-            </a:endParaRPr>
-          </a:p>
-        </p:txBody>
-      </p:sp>
-      <p:sp>
-        <p:nvSpPr>
-          <p:cNvPr id="6" name="文本框 5">
-            <a:extLst>
-              <a:ext uri="{FF2B5EF4-FFF2-40B4-BE49-F238E27FC236}">
-                <a16:creationId xmlns:a16="http://schemas.microsoft.com/office/drawing/2014/main" id="{AEE26C23-1DAA-4D1E-AB6A-7F1EC55E485D}"/>
+                <a16:creationId xmlns:a16="http://schemas.microsoft.com/office/drawing/2014/main" id="{DA24AF7C-A39D-47AD-9B92-2B4E7DA2873A}"/>
               </a:ext>
             </a:extLst>
           </p:cNvPr>
@@ -6390,8 +6280,8 @@
         </p:nvSpPr>
         <p:spPr>
           <a:xfrm>
-            <a:off x="2636344" y="3432426"/>
-            <a:ext cx="7479930" cy="1200329"/>
+            <a:off x="660400" y="780278"/>
+            <a:ext cx="8026400" cy="646331"/>
           </a:xfrm>
           <a:prstGeom prst="rect">
             <a:avLst/>
@@ -6570,7 +6460,7 @@
               <a:buNone/>
             </a:pPr>
             <a:r>
-              <a:rPr lang="en-GB" sz="8000" b="1" dirty="0">
+              <a:rPr lang="en-US" altLang="zh-CN" sz="4000" b="1" dirty="0">
                 <a:solidFill>
                   <a:schemeClr val="bg1">
                     <a:lumMod val="65000"/>
@@ -6579,63 +6469,26 @@
                 <a:latin typeface="+mj-ea"/>
                 <a:ea typeface="+mj-ea"/>
               </a:rPr>
-              <a:t>MANAGEMENT</a:t>
+              <a:t>THIRD PARTY INTEGRATIONS</a:t>
             </a:r>
+            <a:endParaRPr lang="en-GB" sz="4000" b="1" dirty="0">
+              <a:solidFill>
+                <a:schemeClr val="bg1">
+                  <a:lumMod val="65000"/>
+                </a:schemeClr>
+              </a:solidFill>
+              <a:latin typeface="+mj-ea"/>
+              <a:ea typeface="+mj-ea"/>
+            </a:endParaRPr>
           </a:p>
         </p:txBody>
       </p:sp>
-      <p:cxnSp>
-        <p:nvCxnSpPr>
-          <p:cNvPr id="8" name="直接连接符 7">
+      <p:sp>
+        <p:nvSpPr>
+          <p:cNvPr id="2" name="文本框 1">
             <a:extLst>
               <a:ext uri="{FF2B5EF4-FFF2-40B4-BE49-F238E27FC236}">
-                <a16:creationId xmlns:a16="http://schemas.microsoft.com/office/drawing/2014/main" id="{7BE615C5-3315-4DD9-B87F-92693E266A42}"/>
-              </a:ext>
-            </a:extLst>
-          </p:cNvPr>
-          <p:cNvCxnSpPr>
-            <a:cxnSpLocks/>
-          </p:cNvCxnSpPr>
-          <p:nvPr/>
-        </p:nvCxnSpPr>
-        <p:spPr>
-          <a:xfrm>
-            <a:off x="5369624" y="3217073"/>
-            <a:ext cx="4465320" cy="0"/>
-          </a:xfrm>
-          <a:prstGeom prst="line">
-            <a:avLst/>
-          </a:prstGeom>
-          <a:ln w="25400">
-            <a:solidFill>
-              <a:schemeClr val="accent5">
-                <a:lumMod val="40000"/>
-                <a:lumOff val="60000"/>
-              </a:schemeClr>
-            </a:solidFill>
-          </a:ln>
-        </p:spPr>
-        <p:style>
-          <a:lnRef idx="1">
-            <a:schemeClr val="accent1"/>
-          </a:lnRef>
-          <a:fillRef idx="0">
-            <a:schemeClr val="accent1"/>
-          </a:fillRef>
-          <a:effectRef idx="0">
-            <a:schemeClr val="accent1"/>
-          </a:effectRef>
-          <a:fontRef idx="minor">
-            <a:schemeClr val="tx1"/>
-          </a:fontRef>
-        </p:style>
-      </p:cxnSp>
-      <p:sp>
-        <p:nvSpPr>
-          <p:cNvPr id="11" name="文本框 10">
-            <a:extLst>
-              <a:ext uri="{FF2B5EF4-FFF2-40B4-BE49-F238E27FC236}">
-                <a16:creationId xmlns:a16="http://schemas.microsoft.com/office/drawing/2014/main" id="{420B9879-708C-419F-BFEF-9AAB405DFF6C}"/>
+                <a16:creationId xmlns:a16="http://schemas.microsoft.com/office/drawing/2014/main" id="{91B30BA7-74AF-4614-AA48-FF4622AD5F4A}"/>
               </a:ext>
             </a:extLst>
           </p:cNvPr>
@@ -6643,9 +6496,9 @@
           <p:nvPr/>
         </p:nvSpPr>
         <p:spPr>
-          <a:xfrm flipH="1">
-            <a:off x="5329658" y="2918553"/>
-            <a:ext cx="4678006" cy="276999"/>
+          <a:xfrm>
+            <a:off x="949325" y="1426609"/>
+            <a:ext cx="10293350" cy="5246308"/>
           </a:xfrm>
           <a:prstGeom prst="rect">
             <a:avLst/>
@@ -6658,174 +6511,200 @@
           </a:bodyPr>
           <a:lstStyle/>
           <a:p>
-            <a:pPr latinLnBrk="1"/>
-            <a:r>
-              <a:rPr lang="en-US" altLang="zh-CN" sz="1200" dirty="0">
-                <a:solidFill>
-                  <a:schemeClr val="bg1">
-                    <a:lumMod val="65000"/>
-                  </a:schemeClr>
-                </a:solidFill>
-              </a:rPr>
-              <a:t>Lorem ipsum dolor sit amet, consectetuer adipiscing elit. Maecenas</a:t>
-            </a:r>
-          </a:p>
-        </p:txBody>
-      </p:sp>
-      <p:sp>
-        <p:nvSpPr>
-          <p:cNvPr id="12" name="文本框 11">
-            <a:extLst>
-              <a:ext uri="{FF2B5EF4-FFF2-40B4-BE49-F238E27FC236}">
-                <a16:creationId xmlns:a16="http://schemas.microsoft.com/office/drawing/2014/main" id="{3AA38847-EF25-4C9F-B0DA-8BE91FA12E88}"/>
-              </a:ext>
-            </a:extLst>
-          </p:cNvPr>
-          <p:cNvSpPr txBox="1"/>
-          <p:nvPr/>
-        </p:nvSpPr>
-        <p:spPr>
-          <a:xfrm>
-            <a:off x="11370942" y="1881998"/>
-            <a:ext cx="726481" cy="707886"/>
-          </a:xfrm>
-          <a:prstGeom prst="rect">
-            <a:avLst/>
-          </a:prstGeom>
-          <a:noFill/>
-        </p:spPr>
-        <p:txBody>
-          <a:bodyPr wrap="none" rtlCol="0">
-            <a:spAutoFit/>
-          </a:bodyPr>
-          <a:lstStyle/>
-          <a:p>
-            <a:r>
-              <a:rPr lang="en-US" altLang="zh-CN" sz="4000" dirty="0">
-                <a:solidFill>
-                  <a:schemeClr val="bg1"/>
-                </a:solidFill>
-              </a:rPr>
-              <a:t>03</a:t>
-            </a:r>
-            <a:endParaRPr lang="zh-CN" altLang="en-US" sz="4000" dirty="0">
-              <a:solidFill>
-                <a:schemeClr val="bg1"/>
-              </a:solidFill>
-            </a:endParaRPr>
-          </a:p>
-        </p:txBody>
-      </p:sp>
-      <p:sp>
-        <p:nvSpPr>
-          <p:cNvPr id="9" name="文本框 8">
-            <a:extLst>
-              <a:ext uri="{FF2B5EF4-FFF2-40B4-BE49-F238E27FC236}">
-                <a16:creationId xmlns:a16="http://schemas.microsoft.com/office/drawing/2014/main" id="{10ACEA49-B6C8-44F5-B175-3E239F051711}"/>
-              </a:ext>
-            </a:extLst>
-          </p:cNvPr>
-          <p:cNvSpPr txBox="1"/>
-          <p:nvPr/>
-        </p:nvSpPr>
-        <p:spPr>
-          <a:xfrm flipH="1">
-            <a:off x="1887193" y="4589220"/>
-            <a:ext cx="8055460" cy="618183"/>
-          </a:xfrm>
-          <a:prstGeom prst="rect">
-            <a:avLst/>
-          </a:prstGeom>
-          <a:noFill/>
-        </p:spPr>
-        <p:txBody>
-          <a:bodyPr wrap="square" rtlCol="0">
-            <a:spAutoFit/>
-          </a:bodyPr>
-          <a:lstStyle/>
-          <a:p>
-            <a:pPr latinLnBrk="1">
-              <a:lnSpc>
-                <a:spcPct val="150000"/>
-              </a:lnSpc>
+            <a:pPr marL="342900" indent="-342900" algn="just" latinLnBrk="1">
+              <a:lnSpc>
+                <a:spcPct val="120000"/>
+              </a:lnSpc>
+              <a:buFont typeface="+mj-lt"/>
+              <a:buAutoNum type="arabicPeriod"/>
             </a:pPr>
             <a:r>
-              <a:rPr lang="en-US" altLang="zh-CN" sz="1200" dirty="0">
-                <a:solidFill>
-                  <a:schemeClr val="bg1">
-                    <a:lumMod val="65000"/>
-                  </a:schemeClr>
-                </a:solidFill>
+              <a:rPr lang="en-US" altLang="zh-CN" sz="1400" dirty="0">
+                <a:latin typeface="+mn-ea"/>
               </a:rPr>
-              <a:t>Lorem ipsum dolor sit amet, consectetuer adipiscing elit. Maecenas porttitor congue massa. </a:t>
+              <a:t>Sklearn: Permission has been granted to use Scikit-learn (Sklearn) library, an open-source machine learning library for Python. Scikit-learn is distributed under the BSD 3-Clause "New" or "Revised" License, which allows for redistribution and usage for both commercial and non-commercial purposes, given the proper attribution is maintained.</a:t>
+            </a:r>
+          </a:p>
+          <a:p>
+            <a:pPr marL="342900" indent="-342900" algn="just" latinLnBrk="1">
+              <a:lnSpc>
+                <a:spcPct val="120000"/>
+              </a:lnSpc>
+              <a:buFont typeface="+mj-lt"/>
+              <a:buAutoNum type="arabicPeriod"/>
+            </a:pPr>
+            <a:endParaRPr lang="en-US" altLang="zh-CN" sz="1400" dirty="0">
+              <a:latin typeface="+mn-ea"/>
+            </a:endParaRPr>
+          </a:p>
+          <a:p>
+            <a:pPr marL="342900" indent="-342900" algn="just" latinLnBrk="1">
+              <a:lnSpc>
+                <a:spcPct val="120000"/>
+              </a:lnSpc>
+              <a:buFont typeface="+mj-lt"/>
+              <a:buAutoNum type="arabicPeriod"/>
+            </a:pPr>
+            <a:r>
+              <a:rPr lang="en-US" altLang="zh-CN" sz="1400" dirty="0">
+                <a:latin typeface="+mn-ea"/>
+              </a:rPr>
+              <a:t>Pandas: Permission has been granted to use pandas library. The pandas library is released under the terms of the BSD 3-Clause License. This license permits usage and redistribution, including for commercial purposes, provided the copyright notice and disclaimers of warranty are maintained. </a:t>
+            </a:r>
+          </a:p>
+          <a:p>
+            <a:pPr marL="342900" indent="-342900" algn="just" latinLnBrk="1">
+              <a:lnSpc>
+                <a:spcPct val="120000"/>
+              </a:lnSpc>
+              <a:buFont typeface="+mj-lt"/>
+              <a:buAutoNum type="arabicPeriod"/>
+            </a:pPr>
+            <a:endParaRPr lang="en-US" altLang="zh-CN" sz="1400" dirty="0">
+              <a:latin typeface="+mn-ea"/>
+            </a:endParaRPr>
+          </a:p>
+          <a:p>
+            <a:pPr marL="342900" indent="-342900" algn="just" latinLnBrk="1">
+              <a:lnSpc>
+                <a:spcPct val="120000"/>
+              </a:lnSpc>
+              <a:buFont typeface="+mj-lt"/>
+              <a:buAutoNum type="arabicPeriod"/>
+            </a:pPr>
+            <a:r>
+              <a:rPr lang="en-US" altLang="zh-CN" sz="1400" dirty="0">
+                <a:latin typeface="+mn-ea"/>
+              </a:rPr>
+              <a:t>NumPy: Permission has been granted to use NumPy library. The NumPy library is released under the terms of the BSD 3-Clause License. This license permits usage and redistribution, including for commercial purposes, provided the copyright notice and disclaimers of warranty are maintained. </a:t>
+            </a:r>
+          </a:p>
+          <a:p>
+            <a:pPr marL="342900" indent="-342900" algn="just" latinLnBrk="1">
+              <a:lnSpc>
+                <a:spcPct val="120000"/>
+              </a:lnSpc>
+              <a:buFont typeface="+mj-lt"/>
+              <a:buAutoNum type="arabicPeriod"/>
+            </a:pPr>
+            <a:endParaRPr lang="en-US" altLang="zh-CN" sz="1400" dirty="0">
+              <a:latin typeface="+mn-ea"/>
+            </a:endParaRPr>
+          </a:p>
+          <a:p>
+            <a:pPr marL="342900" indent="-342900" algn="just" latinLnBrk="1">
+              <a:lnSpc>
+                <a:spcPct val="120000"/>
+              </a:lnSpc>
+              <a:buFont typeface="+mj-lt"/>
+              <a:buAutoNum type="arabicPeriod"/>
+            </a:pPr>
+            <a:r>
+              <a:rPr lang="en-US" altLang="zh-CN" sz="1400" dirty="0" err="1">
+                <a:latin typeface="+mn-ea"/>
+              </a:rPr>
+              <a:t>Joblib</a:t>
             </a:r>
             <a:r>
-              <a:rPr lang="en-US" altLang="zh-CN" sz="1200" dirty="0" err="1">
-                <a:solidFill>
-                  <a:schemeClr val="bg1">
-                    <a:lumMod val="65000"/>
-                  </a:schemeClr>
-                </a:solidFill>
+              <a:rPr lang="en-US" altLang="zh-CN" sz="1400" dirty="0">
+                <a:latin typeface="+mn-ea"/>
               </a:rPr>
-              <a:t>Fusce</a:t>
+              <a:t>: Permission has been granted to use </a:t>
             </a:r>
             <a:r>
-              <a:rPr lang="en-US" altLang="zh-CN" sz="1200" dirty="0">
-                <a:solidFill>
-                  <a:schemeClr val="bg1">
-                    <a:lumMod val="65000"/>
-                  </a:schemeClr>
-                </a:solidFill>
+              <a:rPr lang="en-US" altLang="zh-CN" sz="1400" dirty="0" err="1">
+                <a:latin typeface="+mn-ea"/>
               </a:rPr>
-              <a:t> </a:t>
+              <a:t>Joblib</a:t>
             </a:r>
             <a:r>
-              <a:rPr lang="en-US" altLang="zh-CN" sz="1200" dirty="0" err="1">
-                <a:solidFill>
-                  <a:schemeClr val="bg1">
-                    <a:lumMod val="65000"/>
-                  </a:schemeClr>
-                </a:solidFill>
+              <a:rPr lang="en-US" altLang="zh-CN" sz="1400" dirty="0">
+                <a:latin typeface="+mn-ea"/>
               </a:rPr>
-              <a:t>posuere</a:t>
+              <a:t> library. The </a:t>
             </a:r>
             <a:r>
-              <a:rPr lang="en-US" altLang="zh-CN" sz="1200" dirty="0">
-                <a:solidFill>
-                  <a:schemeClr val="bg1">
-                    <a:lumMod val="65000"/>
-                  </a:schemeClr>
-                </a:solidFill>
+              <a:rPr lang="en-US" altLang="zh-CN" sz="1400" dirty="0" err="1">
+                <a:latin typeface="+mn-ea"/>
               </a:rPr>
-              <a:t> magna sed pulvinar ultricies, purus lectus malesuada libero, sit amet commodo magna eros quis </a:t>
+              <a:t>Joblib</a:t>
             </a:r>
             <a:r>
-              <a:rPr lang="en-US" altLang="zh-CN" sz="1200" dirty="0" err="1">
-                <a:solidFill>
-                  <a:schemeClr val="bg1">
-                    <a:lumMod val="65000"/>
-                  </a:schemeClr>
-                </a:solidFill>
+              <a:rPr lang="en-US" altLang="zh-CN" sz="1400" dirty="0">
+                <a:latin typeface="+mn-ea"/>
               </a:rPr>
-              <a:t>urna</a:t>
+              <a:t> library is released under the terms of the BSD 3-Clause License. This license permits usage and redistribution, including for commercial purposes, provided the copyright notice and disclaimers of warranty are maintained. </a:t>
+            </a:r>
+          </a:p>
+          <a:p>
+            <a:pPr marL="342900" indent="-342900" algn="just" latinLnBrk="1">
+              <a:lnSpc>
+                <a:spcPct val="120000"/>
+              </a:lnSpc>
+              <a:buFont typeface="+mj-lt"/>
+              <a:buAutoNum type="arabicPeriod"/>
+            </a:pPr>
+            <a:endParaRPr lang="en-US" altLang="zh-CN" sz="1400" dirty="0">
+              <a:latin typeface="+mn-ea"/>
+            </a:endParaRPr>
+          </a:p>
+          <a:p>
+            <a:pPr marL="342900" indent="-342900" algn="just" latinLnBrk="1">
+              <a:lnSpc>
+                <a:spcPct val="120000"/>
+              </a:lnSpc>
+              <a:buFont typeface="+mj-lt"/>
+              <a:buAutoNum type="arabicPeriod"/>
+            </a:pPr>
+            <a:r>
+              <a:rPr lang="en-US" altLang="zh-CN" sz="1400" dirty="0">
+                <a:latin typeface="+mn-ea"/>
+              </a:rPr>
+              <a:t>Weatherbit.io (API): Permission has been granted to use the </a:t>
             </a:r>
             <a:r>
-              <a:rPr lang="en-US" altLang="zh-CN" sz="1200" dirty="0">
-                <a:solidFill>
-                  <a:schemeClr val="bg1">
-                    <a:lumMod val="65000"/>
-                  </a:schemeClr>
-                </a:solidFill>
+              <a:rPr lang="en-US" altLang="zh-CN" sz="1400" dirty="0" err="1">
+                <a:latin typeface="+mn-ea"/>
               </a:rPr>
-              <a:t>.</a:t>
+              <a:t>Weatherbit</a:t>
             </a:r>
+            <a:r>
+              <a:rPr lang="en-US" altLang="zh-CN" sz="1400" dirty="0">
+                <a:latin typeface="+mn-ea"/>
+              </a:rPr>
+              <a:t> API under the terms of the free version subscription. This subscription is specifically intended for non-commercial use. The usage of this API within this project follow to all the terms and conditions specified by </a:t>
+            </a:r>
+            <a:r>
+              <a:rPr lang="en-US" altLang="zh-CN" sz="1400" dirty="0" err="1">
+                <a:latin typeface="+mn-ea"/>
+              </a:rPr>
+              <a:t>Weatherbit</a:t>
+            </a:r>
+            <a:r>
+              <a:rPr lang="en-US" altLang="zh-CN" sz="1400" dirty="0">
+                <a:latin typeface="+mn-ea"/>
+              </a:rPr>
+              <a:t> for non-commercial usage.</a:t>
+            </a:r>
+          </a:p>
+          <a:p>
+            <a:pPr marL="800100" lvl="1" indent="-342900" algn="just" latinLnBrk="1">
+              <a:lnSpc>
+                <a:spcPct val="120000"/>
+              </a:lnSpc>
+              <a:buFont typeface="Arial" panose="020B0604020202020204" pitchFamily="34" charset="0"/>
+              <a:buChar char="•"/>
+            </a:pPr>
+            <a:endParaRPr lang="en-US" altLang="zh-CN" sz="1400" dirty="0">
+              <a:latin typeface="+mn-ea"/>
+            </a:endParaRPr>
           </a:p>
         </p:txBody>
       </p:sp>
     </p:spTree>
     <p:extLst>
       <p:ext uri="{BB962C8B-B14F-4D97-AF65-F5344CB8AC3E}">
-        <p14:creationId xmlns:p14="http://schemas.microsoft.com/office/powerpoint/2010/main" val="2038625835"/>
+        <p14:creationId xmlns:p14="http://schemas.microsoft.com/office/powerpoint/2010/main" val="1309168774"/>
       </p:ext>
     </p:extLst>
   </p:cSld>

--- a/Presentation.pptx
+++ b/Presentation.pptx
@@ -20,13 +20,14 @@
     <p:sldId id="322" r:id="rId14"/>
     <p:sldId id="323" r:id="rId15"/>
     <p:sldId id="324" r:id="rId16"/>
-    <p:sldId id="325" r:id="rId17"/>
-    <p:sldId id="262" r:id="rId18"/>
+    <p:sldId id="326" r:id="rId17"/>
+    <p:sldId id="325" r:id="rId18"/>
+    <p:sldId id="262" r:id="rId19"/>
   </p:sldIdLst>
   <p:sldSz cx="12192000" cy="6858000"/>
   <p:notesSz cx="6858000" cy="9144000"/>
   <p:custDataLst>
-    <p:tags r:id="rId19"/>
+    <p:tags r:id="rId20"/>
   </p:custDataLst>
   <p:defaultTextStyle>
     <a:defPPr>
@@ -7885,6 +7886,389 @@
         </p:nvSpPr>
         <p:spPr>
           <a:xfrm>
+            <a:off x="660400" y="824728"/>
+            <a:ext cx="8026400" cy="646331"/>
+          </a:xfrm>
+          <a:prstGeom prst="rect">
+            <a:avLst/>
+          </a:prstGeom>
+        </p:spPr>
+        <p:txBody>
+          <a:bodyPr wrap="square">
+            <a:spAutoFit/>
+          </a:bodyPr>
+          <a:lstStyle>
+            <a:lvl1pPr marL="228600" indent="-228600" algn="l" defTabSz="914400" rtl="0" eaLnBrk="1" latinLnBrk="0" hangingPunct="1">
+              <a:lnSpc>
+                <a:spcPct val="90000"/>
+              </a:lnSpc>
+              <a:spcBef>
+                <a:spcPts val="1000"/>
+              </a:spcBef>
+              <a:buFont typeface="Arial" panose="020B0604020202020204" pitchFamily="34" charset="0"/>
+              <a:buChar char="•"/>
+              <a:defRPr sz="2800" kern="1200">
+                <a:solidFill>
+                  <a:schemeClr val="tx1"/>
+                </a:solidFill>
+                <a:latin typeface="+mn-lt"/>
+                <a:ea typeface="+mn-ea"/>
+                <a:cs typeface="+mn-cs"/>
+              </a:defRPr>
+            </a:lvl1pPr>
+            <a:lvl2pPr marL="685800" indent="-228600" algn="l" defTabSz="914400" rtl="0" eaLnBrk="1" latinLnBrk="0" hangingPunct="1">
+              <a:lnSpc>
+                <a:spcPct val="90000"/>
+              </a:lnSpc>
+              <a:spcBef>
+                <a:spcPts val="500"/>
+              </a:spcBef>
+              <a:buFont typeface="Arial" panose="020B0604020202020204" pitchFamily="34" charset="0"/>
+              <a:buChar char="•"/>
+              <a:defRPr sz="2400" kern="1200">
+                <a:solidFill>
+                  <a:schemeClr val="tx1"/>
+                </a:solidFill>
+                <a:latin typeface="+mn-lt"/>
+                <a:ea typeface="+mn-ea"/>
+                <a:cs typeface="+mn-cs"/>
+              </a:defRPr>
+            </a:lvl2pPr>
+            <a:lvl3pPr marL="1143000" indent="-228600" algn="l" defTabSz="914400" rtl="0" eaLnBrk="1" latinLnBrk="0" hangingPunct="1">
+              <a:lnSpc>
+                <a:spcPct val="90000"/>
+              </a:lnSpc>
+              <a:spcBef>
+                <a:spcPts val="500"/>
+              </a:spcBef>
+              <a:buFont typeface="Arial" panose="020B0604020202020204" pitchFamily="34" charset="0"/>
+              <a:buChar char="•"/>
+              <a:defRPr sz="2000" kern="1200">
+                <a:solidFill>
+                  <a:schemeClr val="tx1"/>
+                </a:solidFill>
+                <a:latin typeface="+mn-lt"/>
+                <a:ea typeface="+mn-ea"/>
+                <a:cs typeface="+mn-cs"/>
+              </a:defRPr>
+            </a:lvl3pPr>
+            <a:lvl4pPr marL="1600200" indent="-228600" algn="l" defTabSz="914400" rtl="0" eaLnBrk="1" latinLnBrk="0" hangingPunct="1">
+              <a:lnSpc>
+                <a:spcPct val="90000"/>
+              </a:lnSpc>
+              <a:spcBef>
+                <a:spcPts val="500"/>
+              </a:spcBef>
+              <a:buFont typeface="Arial" panose="020B0604020202020204" pitchFamily="34" charset="0"/>
+              <a:buChar char="•"/>
+              <a:defRPr sz="1800" kern="1200">
+                <a:solidFill>
+                  <a:schemeClr val="tx1"/>
+                </a:solidFill>
+                <a:latin typeface="+mn-lt"/>
+                <a:ea typeface="+mn-ea"/>
+                <a:cs typeface="+mn-cs"/>
+              </a:defRPr>
+            </a:lvl4pPr>
+            <a:lvl5pPr marL="2057400" indent="-228600" algn="l" defTabSz="914400" rtl="0" eaLnBrk="1" latinLnBrk="0" hangingPunct="1">
+              <a:lnSpc>
+                <a:spcPct val="90000"/>
+              </a:lnSpc>
+              <a:spcBef>
+                <a:spcPts val="500"/>
+              </a:spcBef>
+              <a:buFont typeface="Arial" panose="020B0604020202020204" pitchFamily="34" charset="0"/>
+              <a:buChar char="•"/>
+              <a:defRPr sz="1800" kern="1200">
+                <a:solidFill>
+                  <a:schemeClr val="tx1"/>
+                </a:solidFill>
+                <a:latin typeface="+mn-lt"/>
+                <a:ea typeface="+mn-ea"/>
+                <a:cs typeface="+mn-cs"/>
+              </a:defRPr>
+            </a:lvl5pPr>
+            <a:lvl6pPr marL="2514600" indent="-228600" algn="l" defTabSz="914400" rtl="0" eaLnBrk="1" latinLnBrk="0" hangingPunct="1">
+              <a:lnSpc>
+                <a:spcPct val="90000"/>
+              </a:lnSpc>
+              <a:spcBef>
+                <a:spcPts val="500"/>
+              </a:spcBef>
+              <a:buFont typeface="Arial" panose="020B0604020202020204" pitchFamily="34" charset="0"/>
+              <a:buChar char="•"/>
+              <a:defRPr sz="1800" kern="1200">
+                <a:solidFill>
+                  <a:schemeClr val="tx1"/>
+                </a:solidFill>
+                <a:latin typeface="+mn-lt"/>
+                <a:ea typeface="+mn-ea"/>
+                <a:cs typeface="+mn-cs"/>
+              </a:defRPr>
+            </a:lvl6pPr>
+            <a:lvl7pPr marL="2971800" indent="-228600" algn="l" defTabSz="914400" rtl="0" eaLnBrk="1" latinLnBrk="0" hangingPunct="1">
+              <a:lnSpc>
+                <a:spcPct val="90000"/>
+              </a:lnSpc>
+              <a:spcBef>
+                <a:spcPts val="500"/>
+              </a:spcBef>
+              <a:buFont typeface="Arial" panose="020B0604020202020204" pitchFamily="34" charset="0"/>
+              <a:buChar char="•"/>
+              <a:defRPr sz="1800" kern="1200">
+                <a:solidFill>
+                  <a:schemeClr val="tx1"/>
+                </a:solidFill>
+                <a:latin typeface="+mn-lt"/>
+                <a:ea typeface="+mn-ea"/>
+                <a:cs typeface="+mn-cs"/>
+              </a:defRPr>
+            </a:lvl7pPr>
+            <a:lvl8pPr marL="3429000" indent="-228600" algn="l" defTabSz="914400" rtl="0" eaLnBrk="1" latinLnBrk="0" hangingPunct="1">
+              <a:lnSpc>
+                <a:spcPct val="90000"/>
+              </a:lnSpc>
+              <a:spcBef>
+                <a:spcPts val="500"/>
+              </a:spcBef>
+              <a:buFont typeface="Arial" panose="020B0604020202020204" pitchFamily="34" charset="0"/>
+              <a:buChar char="•"/>
+              <a:defRPr sz="1800" kern="1200">
+                <a:solidFill>
+                  <a:schemeClr val="tx1"/>
+                </a:solidFill>
+                <a:latin typeface="+mn-lt"/>
+                <a:ea typeface="+mn-ea"/>
+                <a:cs typeface="+mn-cs"/>
+              </a:defRPr>
+            </a:lvl8pPr>
+            <a:lvl9pPr marL="3886200" indent="-228600" algn="l" defTabSz="914400" rtl="0" eaLnBrk="1" latinLnBrk="0" hangingPunct="1">
+              <a:lnSpc>
+                <a:spcPct val="90000"/>
+              </a:lnSpc>
+              <a:spcBef>
+                <a:spcPts val="500"/>
+              </a:spcBef>
+              <a:buFont typeface="Arial" panose="020B0604020202020204" pitchFamily="34" charset="0"/>
+              <a:buChar char="•"/>
+              <a:defRPr sz="1800" kern="1200">
+                <a:solidFill>
+                  <a:schemeClr val="tx1"/>
+                </a:solidFill>
+                <a:latin typeface="+mn-lt"/>
+                <a:ea typeface="+mn-ea"/>
+                <a:cs typeface="+mn-cs"/>
+              </a:defRPr>
+            </a:lvl9pPr>
+          </a:lstStyle>
+          <a:p>
+            <a:pPr marL="0" indent="0">
+              <a:buNone/>
+            </a:pPr>
+            <a:r>
+              <a:rPr lang="en-US" altLang="zh-CN" sz="4000" b="1" dirty="0">
+                <a:solidFill>
+                  <a:schemeClr val="bg1">
+                    <a:lumMod val="65000"/>
+                  </a:schemeClr>
+                </a:solidFill>
+                <a:latin typeface="+mj-ea"/>
+                <a:ea typeface="+mj-ea"/>
+              </a:rPr>
+              <a:t>DEPLOYMENT</a:t>
+            </a:r>
+            <a:endParaRPr lang="en-GB" sz="4000" b="1" dirty="0">
+              <a:solidFill>
+                <a:schemeClr val="bg1">
+                  <a:lumMod val="65000"/>
+                </a:schemeClr>
+              </a:solidFill>
+              <a:latin typeface="+mj-ea"/>
+              <a:ea typeface="+mj-ea"/>
+            </a:endParaRPr>
+          </a:p>
+        </p:txBody>
+      </p:sp>
+      <p:sp>
+        <p:nvSpPr>
+          <p:cNvPr id="2" name="文本框 1">
+            <a:extLst>
+              <a:ext uri="{FF2B5EF4-FFF2-40B4-BE49-F238E27FC236}">
+                <a16:creationId xmlns:a16="http://schemas.microsoft.com/office/drawing/2014/main" id="{91B30BA7-74AF-4614-AA48-FF4622AD5F4A}"/>
+              </a:ext>
+            </a:extLst>
+          </p:cNvPr>
+          <p:cNvSpPr txBox="1"/>
+          <p:nvPr/>
+        </p:nvSpPr>
+        <p:spPr>
+          <a:xfrm>
+            <a:off x="949325" y="1793707"/>
+            <a:ext cx="10293350" cy="2660985"/>
+          </a:xfrm>
+          <a:prstGeom prst="rect">
+            <a:avLst/>
+          </a:prstGeom>
+          <a:noFill/>
+        </p:spPr>
+        <p:txBody>
+          <a:bodyPr wrap="square" rtlCol="0">
+            <a:spAutoFit/>
+          </a:bodyPr>
+          <a:lstStyle/>
+          <a:p>
+            <a:pPr marL="800100" lvl="1" indent="-342900" algn="just" latinLnBrk="1">
+              <a:lnSpc>
+                <a:spcPct val="120000"/>
+              </a:lnSpc>
+              <a:buFont typeface="Arial" panose="020B0604020202020204" pitchFamily="34" charset="0"/>
+              <a:buChar char="•"/>
+            </a:pPr>
+            <a:r>
+              <a:rPr lang="en-US" altLang="zh-CN" sz="1400" dirty="0">
+                <a:latin typeface="+mn-ea"/>
+              </a:rPr>
+              <a:t>Used Docker to containerize the project</a:t>
+            </a:r>
+          </a:p>
+          <a:p>
+            <a:pPr marL="1257300" lvl="2" indent="-342900" algn="just" latinLnBrk="1">
+              <a:lnSpc>
+                <a:spcPct val="120000"/>
+              </a:lnSpc>
+              <a:buFont typeface="Arial" panose="020B0604020202020204" pitchFamily="34" charset="0"/>
+              <a:buChar char="•"/>
+            </a:pPr>
+            <a:r>
+              <a:rPr lang="en-US" altLang="zh-CN" sz="1400" dirty="0">
+                <a:latin typeface="+mn-ea"/>
+              </a:rPr>
+              <a:t>Consistent Environment: ensure that the application runs the same way in every environment</a:t>
+            </a:r>
+          </a:p>
+          <a:p>
+            <a:pPr marL="1257300" lvl="2" indent="-342900" algn="just" latinLnBrk="1">
+              <a:lnSpc>
+                <a:spcPct val="120000"/>
+              </a:lnSpc>
+              <a:buFont typeface="Arial" panose="020B0604020202020204" pitchFamily="34" charset="0"/>
+              <a:buChar char="•"/>
+            </a:pPr>
+            <a:r>
+              <a:rPr lang="en-US" altLang="zh-CN" sz="1400" dirty="0">
+                <a:latin typeface="+mn-ea"/>
+              </a:rPr>
+              <a:t>Isolation: Docker isolates our application and its dependencies into separate containers. </a:t>
+            </a:r>
+          </a:p>
+          <a:p>
+            <a:pPr marL="1257300" lvl="2" indent="-342900" algn="just" latinLnBrk="1">
+              <a:lnSpc>
+                <a:spcPct val="120000"/>
+              </a:lnSpc>
+              <a:buFont typeface="Arial" panose="020B0604020202020204" pitchFamily="34" charset="0"/>
+              <a:buChar char="•"/>
+            </a:pPr>
+            <a:r>
+              <a:rPr lang="en-US" altLang="zh-CN" sz="1400" dirty="0">
+                <a:latin typeface="+mn-ea"/>
+              </a:rPr>
+              <a:t>Portability: Docker containers can be run on any system that supports Docker, regardless of the underlying operating system. </a:t>
+            </a:r>
+          </a:p>
+          <a:p>
+            <a:pPr marL="800100" lvl="1" indent="-342900" algn="just" latinLnBrk="1">
+              <a:lnSpc>
+                <a:spcPct val="120000"/>
+              </a:lnSpc>
+              <a:buFont typeface="Arial" panose="020B0604020202020204" pitchFamily="34" charset="0"/>
+              <a:buChar char="•"/>
+            </a:pPr>
+            <a:r>
+              <a:rPr lang="en-US" altLang="zh-CN" sz="1400" dirty="0">
+                <a:latin typeface="+mn-ea"/>
+              </a:rPr>
+              <a:t>Deployed on Heroku Platform</a:t>
+            </a:r>
+          </a:p>
+          <a:p>
+            <a:pPr marL="1257300" lvl="2" indent="-342900" algn="just" latinLnBrk="1">
+              <a:lnSpc>
+                <a:spcPct val="120000"/>
+              </a:lnSpc>
+              <a:buFont typeface="Arial" panose="020B0604020202020204" pitchFamily="34" charset="0"/>
+              <a:buChar char="•"/>
+            </a:pPr>
+            <a:r>
+              <a:rPr lang="en-US" altLang="zh-CN" sz="1400" dirty="0">
+                <a:latin typeface="+mn-ea"/>
+              </a:rPr>
+              <a:t>Developer-Friendly Platform: Heroku is a fully managed platform that automates the process of deployment, scaling, and managing apps, thus allowing us to focus on the coding part.</a:t>
+            </a:r>
+          </a:p>
+          <a:p>
+            <a:pPr marL="1257300" lvl="2" indent="-342900" algn="just" latinLnBrk="1">
+              <a:lnSpc>
+                <a:spcPct val="120000"/>
+              </a:lnSpc>
+              <a:buFont typeface="Arial" panose="020B0604020202020204" pitchFamily="34" charset="0"/>
+              <a:buChar char="•"/>
+            </a:pPr>
+            <a:r>
+              <a:rPr lang="en-US" altLang="zh-CN" sz="1400" dirty="0">
+                <a:latin typeface="+mn-ea"/>
+              </a:rPr>
+              <a:t>Platform Independence: By using Docker containers, we can ensure that our application runs identically in every environment, from our local development machine to the Heroku cloud platform.</a:t>
+            </a:r>
+          </a:p>
+        </p:txBody>
+      </p:sp>
+    </p:spTree>
+    <p:extLst>
+      <p:ext uri="{BB962C8B-B14F-4D97-AF65-F5344CB8AC3E}">
+        <p14:creationId xmlns:p14="http://schemas.microsoft.com/office/powerpoint/2010/main" val="4153744113"/>
+      </p:ext>
+    </p:extLst>
+  </p:cSld>
+  <p:clrMapOvr>
+    <a:masterClrMapping/>
+  </p:clrMapOvr>
+</p:sld>
+</file>
+
+<file path=ppt/slides/slide17.xml><?xml version="1.0" encoding="utf-8"?>
+<p:sld xmlns:a="http://schemas.openxmlformats.org/drawingml/2006/main" xmlns:r="http://schemas.openxmlformats.org/officeDocument/2006/relationships" xmlns:p="http://schemas.openxmlformats.org/presentationml/2006/main">
+  <p:cSld>
+    <p:spTree>
+      <p:nvGrpSpPr>
+        <p:cNvPr id="1" name=""/>
+        <p:cNvGrpSpPr/>
+        <p:nvPr/>
+      </p:nvGrpSpPr>
+      <p:grpSpPr>
+        <a:xfrm>
+          <a:off x="0" y="0"/>
+          <a:ext cx="0" cy="0"/>
+          <a:chOff x="0" y="0"/>
+          <a:chExt cx="0" cy="0"/>
+        </a:xfrm>
+      </p:grpSpPr>
+      <p:sp>
+        <p:nvSpPr>
+          <p:cNvPr id="38" name="文本框 37">
+            <a:extLst>
+              <a:ext uri="{FF2B5EF4-FFF2-40B4-BE49-F238E27FC236}">
+                <a16:creationId xmlns:a16="http://schemas.microsoft.com/office/drawing/2014/main" id="{DA24AF7C-A39D-47AD-9B92-2B4E7DA2873A}"/>
+              </a:ext>
+            </a:extLst>
+          </p:cNvPr>
+          <p:cNvSpPr txBox="1">
+            <a:spLocks/>
+          </p:cNvSpPr>
+          <p:nvPr/>
+        </p:nvSpPr>
+        <p:spPr>
+          <a:xfrm>
             <a:off x="660400" y="780278"/>
             <a:ext cx="8026400" cy="646331"/>
           </a:xfrm>
@@ -8319,7 +8703,7 @@
 </p:sld>
 </file>
 
-<file path=ppt/slides/slide17.xml><?xml version="1.0" encoding="utf-8"?>
+<file path=ppt/slides/slide18.xml><?xml version="1.0" encoding="utf-8"?>
 <p:sld xmlns:a="http://schemas.openxmlformats.org/drawingml/2006/main" xmlns:r="http://schemas.openxmlformats.org/officeDocument/2006/relationships" xmlns:p="http://schemas.openxmlformats.org/presentationml/2006/main">
   <p:cSld>
     <p:spTree>

--- a/Presentation.pptx
+++ b/Presentation.pptx
@@ -6,28 +6,29 @@
   </p:sldMasterIdLst>
   <p:sldIdLst>
     <p:sldId id="256" r:id="rId2"/>
-    <p:sldId id="257" r:id="rId3"/>
-    <p:sldId id="258" r:id="rId4"/>
-    <p:sldId id="264" r:id="rId5"/>
-    <p:sldId id="265" r:id="rId6"/>
-    <p:sldId id="316" r:id="rId7"/>
-    <p:sldId id="315" r:id="rId8"/>
-    <p:sldId id="317" r:id="rId9"/>
-    <p:sldId id="318" r:id="rId10"/>
-    <p:sldId id="319" r:id="rId11"/>
-    <p:sldId id="320" r:id="rId12"/>
-    <p:sldId id="321" r:id="rId13"/>
-    <p:sldId id="322" r:id="rId14"/>
-    <p:sldId id="323" r:id="rId15"/>
-    <p:sldId id="324" r:id="rId16"/>
-    <p:sldId id="326" r:id="rId17"/>
-    <p:sldId id="325" r:id="rId18"/>
-    <p:sldId id="262" r:id="rId19"/>
+    <p:sldId id="327" r:id="rId3"/>
+    <p:sldId id="257" r:id="rId4"/>
+    <p:sldId id="258" r:id="rId5"/>
+    <p:sldId id="264" r:id="rId6"/>
+    <p:sldId id="265" r:id="rId7"/>
+    <p:sldId id="316" r:id="rId8"/>
+    <p:sldId id="315" r:id="rId9"/>
+    <p:sldId id="317" r:id="rId10"/>
+    <p:sldId id="318" r:id="rId11"/>
+    <p:sldId id="319" r:id="rId12"/>
+    <p:sldId id="320" r:id="rId13"/>
+    <p:sldId id="321" r:id="rId14"/>
+    <p:sldId id="322" r:id="rId15"/>
+    <p:sldId id="323" r:id="rId16"/>
+    <p:sldId id="324" r:id="rId17"/>
+    <p:sldId id="326" r:id="rId18"/>
+    <p:sldId id="325" r:id="rId19"/>
+    <p:sldId id="262" r:id="rId20"/>
   </p:sldIdLst>
   <p:sldSz cx="12192000" cy="6858000"/>
   <p:notesSz cx="6858000" cy="9144000"/>
   <p:custDataLst>
-    <p:tags r:id="rId20"/>
+    <p:tags r:id="rId21"/>
   </p:custDataLst>
   <p:defaultTextStyle>
     <a:defPPr>
@@ -2056,6 +2057,1166 @@
         </p:nvSpPr>
         <p:spPr>
           <a:xfrm>
+            <a:off x="1980926" y="1745484"/>
+            <a:ext cx="4115074" cy="369332"/>
+          </a:xfrm>
+          <a:prstGeom prst="rect">
+            <a:avLst/>
+          </a:prstGeom>
+        </p:spPr>
+        <p:txBody>
+          <a:bodyPr wrap="square">
+            <a:spAutoFit/>
+          </a:bodyPr>
+          <a:lstStyle>
+            <a:lvl1pPr marL="228600" indent="-228600" algn="l" defTabSz="914400" rtl="0" eaLnBrk="1" latinLnBrk="0" hangingPunct="1">
+              <a:lnSpc>
+                <a:spcPct val="90000"/>
+              </a:lnSpc>
+              <a:spcBef>
+                <a:spcPts val="1000"/>
+              </a:spcBef>
+              <a:buFont typeface="Arial" panose="020B0604020202020204" pitchFamily="34" charset="0"/>
+              <a:buChar char="•"/>
+              <a:defRPr sz="2800" kern="1200">
+                <a:solidFill>
+                  <a:schemeClr val="tx1"/>
+                </a:solidFill>
+                <a:latin typeface="+mn-lt"/>
+                <a:ea typeface="+mn-ea"/>
+                <a:cs typeface="+mn-cs"/>
+              </a:defRPr>
+            </a:lvl1pPr>
+            <a:lvl2pPr marL="685800" indent="-228600" algn="l" defTabSz="914400" rtl="0" eaLnBrk="1" latinLnBrk="0" hangingPunct="1">
+              <a:lnSpc>
+                <a:spcPct val="90000"/>
+              </a:lnSpc>
+              <a:spcBef>
+                <a:spcPts val="500"/>
+              </a:spcBef>
+              <a:buFont typeface="Arial" panose="020B0604020202020204" pitchFamily="34" charset="0"/>
+              <a:buChar char="•"/>
+              <a:defRPr sz="2400" kern="1200">
+                <a:solidFill>
+                  <a:schemeClr val="tx1"/>
+                </a:solidFill>
+                <a:latin typeface="+mn-lt"/>
+                <a:ea typeface="+mn-ea"/>
+                <a:cs typeface="+mn-cs"/>
+              </a:defRPr>
+            </a:lvl2pPr>
+            <a:lvl3pPr marL="1143000" indent="-228600" algn="l" defTabSz="914400" rtl="0" eaLnBrk="1" latinLnBrk="0" hangingPunct="1">
+              <a:lnSpc>
+                <a:spcPct val="90000"/>
+              </a:lnSpc>
+              <a:spcBef>
+                <a:spcPts val="500"/>
+              </a:spcBef>
+              <a:buFont typeface="Arial" panose="020B0604020202020204" pitchFamily="34" charset="0"/>
+              <a:buChar char="•"/>
+              <a:defRPr sz="2000" kern="1200">
+                <a:solidFill>
+                  <a:schemeClr val="tx1"/>
+                </a:solidFill>
+                <a:latin typeface="+mn-lt"/>
+                <a:ea typeface="+mn-ea"/>
+                <a:cs typeface="+mn-cs"/>
+              </a:defRPr>
+            </a:lvl3pPr>
+            <a:lvl4pPr marL="1600200" indent="-228600" algn="l" defTabSz="914400" rtl="0" eaLnBrk="1" latinLnBrk="0" hangingPunct="1">
+              <a:lnSpc>
+                <a:spcPct val="90000"/>
+              </a:lnSpc>
+              <a:spcBef>
+                <a:spcPts val="500"/>
+              </a:spcBef>
+              <a:buFont typeface="Arial" panose="020B0604020202020204" pitchFamily="34" charset="0"/>
+              <a:buChar char="•"/>
+              <a:defRPr sz="1800" kern="1200">
+                <a:solidFill>
+                  <a:schemeClr val="tx1"/>
+                </a:solidFill>
+                <a:latin typeface="+mn-lt"/>
+                <a:ea typeface="+mn-ea"/>
+                <a:cs typeface="+mn-cs"/>
+              </a:defRPr>
+            </a:lvl4pPr>
+            <a:lvl5pPr marL="2057400" indent="-228600" algn="l" defTabSz="914400" rtl="0" eaLnBrk="1" latinLnBrk="0" hangingPunct="1">
+              <a:lnSpc>
+                <a:spcPct val="90000"/>
+              </a:lnSpc>
+              <a:spcBef>
+                <a:spcPts val="500"/>
+              </a:spcBef>
+              <a:buFont typeface="Arial" panose="020B0604020202020204" pitchFamily="34" charset="0"/>
+              <a:buChar char="•"/>
+              <a:defRPr sz="1800" kern="1200">
+                <a:solidFill>
+                  <a:schemeClr val="tx1"/>
+                </a:solidFill>
+                <a:latin typeface="+mn-lt"/>
+                <a:ea typeface="+mn-ea"/>
+                <a:cs typeface="+mn-cs"/>
+              </a:defRPr>
+            </a:lvl5pPr>
+            <a:lvl6pPr marL="2514600" indent="-228600" algn="l" defTabSz="914400" rtl="0" eaLnBrk="1" latinLnBrk="0" hangingPunct="1">
+              <a:lnSpc>
+                <a:spcPct val="90000"/>
+              </a:lnSpc>
+              <a:spcBef>
+                <a:spcPts val="500"/>
+              </a:spcBef>
+              <a:buFont typeface="Arial" panose="020B0604020202020204" pitchFamily="34" charset="0"/>
+              <a:buChar char="•"/>
+              <a:defRPr sz="1800" kern="1200">
+                <a:solidFill>
+                  <a:schemeClr val="tx1"/>
+                </a:solidFill>
+                <a:latin typeface="+mn-lt"/>
+                <a:ea typeface="+mn-ea"/>
+                <a:cs typeface="+mn-cs"/>
+              </a:defRPr>
+            </a:lvl6pPr>
+            <a:lvl7pPr marL="2971800" indent="-228600" algn="l" defTabSz="914400" rtl="0" eaLnBrk="1" latinLnBrk="0" hangingPunct="1">
+              <a:lnSpc>
+                <a:spcPct val="90000"/>
+              </a:lnSpc>
+              <a:spcBef>
+                <a:spcPts val="500"/>
+              </a:spcBef>
+              <a:buFont typeface="Arial" panose="020B0604020202020204" pitchFamily="34" charset="0"/>
+              <a:buChar char="•"/>
+              <a:defRPr sz="1800" kern="1200">
+                <a:solidFill>
+                  <a:schemeClr val="tx1"/>
+                </a:solidFill>
+                <a:latin typeface="+mn-lt"/>
+                <a:ea typeface="+mn-ea"/>
+                <a:cs typeface="+mn-cs"/>
+              </a:defRPr>
+            </a:lvl7pPr>
+            <a:lvl8pPr marL="3429000" indent="-228600" algn="l" defTabSz="914400" rtl="0" eaLnBrk="1" latinLnBrk="0" hangingPunct="1">
+              <a:lnSpc>
+                <a:spcPct val="90000"/>
+              </a:lnSpc>
+              <a:spcBef>
+                <a:spcPts val="500"/>
+              </a:spcBef>
+              <a:buFont typeface="Arial" panose="020B0604020202020204" pitchFamily="34" charset="0"/>
+              <a:buChar char="•"/>
+              <a:defRPr sz="1800" kern="1200">
+                <a:solidFill>
+                  <a:schemeClr val="tx1"/>
+                </a:solidFill>
+                <a:latin typeface="+mn-lt"/>
+                <a:ea typeface="+mn-ea"/>
+                <a:cs typeface="+mn-cs"/>
+              </a:defRPr>
+            </a:lvl8pPr>
+            <a:lvl9pPr marL="3886200" indent="-228600" algn="l" defTabSz="914400" rtl="0" eaLnBrk="1" latinLnBrk="0" hangingPunct="1">
+              <a:lnSpc>
+                <a:spcPct val="90000"/>
+              </a:lnSpc>
+              <a:spcBef>
+                <a:spcPts val="500"/>
+              </a:spcBef>
+              <a:buFont typeface="Arial" panose="020B0604020202020204" pitchFamily="34" charset="0"/>
+              <a:buChar char="•"/>
+              <a:defRPr sz="1800" kern="1200">
+                <a:solidFill>
+                  <a:schemeClr val="tx1"/>
+                </a:solidFill>
+                <a:latin typeface="+mn-lt"/>
+                <a:ea typeface="+mn-ea"/>
+                <a:cs typeface="+mn-cs"/>
+              </a:defRPr>
+            </a:lvl9pPr>
+          </a:lstStyle>
+          <a:p>
+            <a:pPr marL="0" indent="0">
+              <a:buNone/>
+            </a:pPr>
+            <a:r>
+              <a:rPr lang="en-US" altLang="zh-CN" sz="2000" dirty="0">
+                <a:solidFill>
+                  <a:schemeClr val="accent5"/>
+                </a:solidFill>
+                <a:latin typeface="+mj-ea"/>
+                <a:ea typeface="+mj-ea"/>
+              </a:rPr>
+              <a:t>RECOMMENDATION MODEL</a:t>
+            </a:r>
+            <a:endParaRPr lang="en-GB" sz="2000" dirty="0">
+              <a:solidFill>
+                <a:schemeClr val="accent5"/>
+              </a:solidFill>
+              <a:latin typeface="+mj-ea"/>
+              <a:ea typeface="+mj-ea"/>
+            </a:endParaRPr>
+          </a:p>
+        </p:txBody>
+      </p:sp>
+      <p:sp>
+        <p:nvSpPr>
+          <p:cNvPr id="2" name="文本框 1">
+            <a:extLst>
+              <a:ext uri="{FF2B5EF4-FFF2-40B4-BE49-F238E27FC236}">
+                <a16:creationId xmlns:a16="http://schemas.microsoft.com/office/drawing/2014/main" id="{91B30BA7-74AF-4614-AA48-FF4622AD5F4A}"/>
+              </a:ext>
+            </a:extLst>
+          </p:cNvPr>
+          <p:cNvSpPr txBox="1"/>
+          <p:nvPr/>
+        </p:nvSpPr>
+        <p:spPr>
+          <a:xfrm>
+            <a:off x="1905000" y="2433691"/>
+            <a:ext cx="8324222" cy="2893100"/>
+          </a:xfrm>
+          <a:prstGeom prst="rect">
+            <a:avLst/>
+          </a:prstGeom>
+          <a:noFill/>
+        </p:spPr>
+        <p:txBody>
+          <a:bodyPr wrap="square" rtlCol="0">
+            <a:spAutoFit/>
+          </a:bodyPr>
+          <a:lstStyle/>
+          <a:p>
+            <a:pPr marL="285750" indent="-285750" algn="just" latinLnBrk="1">
+              <a:lnSpc>
+                <a:spcPct val="120000"/>
+              </a:lnSpc>
+              <a:buFont typeface="Arial" panose="020B0604020202020204" pitchFamily="34" charset="0"/>
+              <a:buChar char="•"/>
+            </a:pPr>
+            <a:r>
+              <a:rPr lang="en-US" altLang="zh-CN" sz="1400" dirty="0">
+                <a:latin typeface="+mn-ea"/>
+              </a:rPr>
+              <a:t>Created a recommendation model with 3 inputs: Total Occurrence for a landmark, Neighbor Occurrence for a landmark, transportation Time for a landmark</a:t>
+            </a:r>
+          </a:p>
+          <a:p>
+            <a:pPr marL="285750" indent="-285750" algn="just" latinLnBrk="1">
+              <a:lnSpc>
+                <a:spcPct val="120000"/>
+              </a:lnSpc>
+              <a:buFont typeface="Arial" panose="020B0604020202020204" pitchFamily="34" charset="0"/>
+              <a:buChar char="•"/>
+            </a:pPr>
+            <a:endParaRPr lang="en-US" altLang="zh-CN" sz="1400" dirty="0">
+              <a:latin typeface="+mn-ea"/>
+            </a:endParaRPr>
+          </a:p>
+          <a:p>
+            <a:pPr marL="285750" indent="-285750" algn="just" latinLnBrk="1">
+              <a:lnSpc>
+                <a:spcPct val="120000"/>
+              </a:lnSpc>
+              <a:buFont typeface="Arial" panose="020B0604020202020204" pitchFamily="34" charset="0"/>
+              <a:buChar char="•"/>
+            </a:pPr>
+            <a:r>
+              <a:rPr lang="en-US" altLang="zh-CN" sz="1400" dirty="0">
+                <a:latin typeface="+mn-ea"/>
+              </a:rPr>
+              <a:t>Developed a heuristic benchmark formula for calculating a landmark’s rating: total + 0.5 * neighbor + 0.5 * 1/transportation</a:t>
+            </a:r>
+          </a:p>
+          <a:p>
+            <a:pPr marL="285750" indent="-285750" algn="just" latinLnBrk="1">
+              <a:lnSpc>
+                <a:spcPct val="120000"/>
+              </a:lnSpc>
+              <a:buFont typeface="Arial" panose="020B0604020202020204" pitchFamily="34" charset="0"/>
+              <a:buChar char="•"/>
+            </a:pPr>
+            <a:endParaRPr lang="en-US" altLang="zh-CN" sz="1400" dirty="0">
+              <a:latin typeface="+mn-ea"/>
+            </a:endParaRPr>
+          </a:p>
+          <a:p>
+            <a:pPr marL="285750" indent="-285750" latinLnBrk="1">
+              <a:lnSpc>
+                <a:spcPct val="120000"/>
+              </a:lnSpc>
+              <a:buFont typeface="Arial" panose="020B0604020202020204" pitchFamily="34" charset="0"/>
+              <a:buChar char="•"/>
+            </a:pPr>
+            <a:r>
+              <a:rPr lang="en-US" altLang="zh-CN" sz="1400" dirty="0">
+                <a:latin typeface="+mn-ea"/>
+              </a:rPr>
+              <a:t>Trained four machine learning models including Decision Trees, Logistic Regression, Random Forests, and SVM to predict the scores. The mode score among these models is selected as the final score for a parti-</a:t>
+            </a:r>
+            <a:r>
+              <a:rPr lang="en-US" altLang="zh-CN" sz="1400" dirty="0" err="1">
+                <a:latin typeface="+mn-ea"/>
+              </a:rPr>
+              <a:t>cular</a:t>
+            </a:r>
+            <a:r>
+              <a:rPr lang="en-US" altLang="zh-CN" sz="1400" dirty="0">
+                <a:latin typeface="+mn-ea"/>
+              </a:rPr>
+              <a:t> landmark.</a:t>
+            </a:r>
+            <a:br>
+              <a:rPr lang="en-US" altLang="zh-CN" sz="1400" dirty="0">
+                <a:latin typeface="+mn-ea"/>
+              </a:rPr>
+            </a:br>
+            <a:endParaRPr lang="en-US" altLang="zh-CN" sz="1400" dirty="0">
+              <a:latin typeface="+mn-ea"/>
+            </a:endParaRPr>
+          </a:p>
+          <a:p>
+            <a:endParaRPr lang="zh-CN" altLang="en-US" sz="1400" dirty="0"/>
+          </a:p>
+        </p:txBody>
+      </p:sp>
+      <p:sp>
+        <p:nvSpPr>
+          <p:cNvPr id="3" name="矩形 2">
+            <a:extLst>
+              <a:ext uri="{FF2B5EF4-FFF2-40B4-BE49-F238E27FC236}">
+                <a16:creationId xmlns:a16="http://schemas.microsoft.com/office/drawing/2014/main" id="{7E18D193-4A80-48F8-3CD2-8AB1E7FE5B5F}"/>
+              </a:ext>
+            </a:extLst>
+          </p:cNvPr>
+          <p:cNvSpPr/>
+          <p:nvPr/>
+        </p:nvSpPr>
+        <p:spPr>
+          <a:xfrm>
+            <a:off x="5390121" y="1937270"/>
+            <a:ext cx="67467" cy="67467"/>
+          </a:xfrm>
+          <a:prstGeom prst="rect">
+            <a:avLst/>
+          </a:prstGeom>
+          <a:solidFill>
+            <a:schemeClr val="accent5">
+              <a:lumMod val="40000"/>
+              <a:lumOff val="60000"/>
+            </a:schemeClr>
+          </a:solidFill>
+          <a:ln>
+            <a:noFill/>
+          </a:ln>
+        </p:spPr>
+        <p:style>
+          <a:lnRef idx="2">
+            <a:schemeClr val="accent1">
+              <a:shade val="50000"/>
+            </a:schemeClr>
+          </a:lnRef>
+          <a:fillRef idx="1">
+            <a:schemeClr val="accent1"/>
+          </a:fillRef>
+          <a:effectRef idx="0">
+            <a:schemeClr val="accent1"/>
+          </a:effectRef>
+          <a:fontRef idx="minor">
+            <a:schemeClr val="lt1"/>
+          </a:fontRef>
+        </p:style>
+        <p:txBody>
+          <a:bodyPr rtlCol="0" anchor="ctr">
+            <a:spAutoFit/>
+          </a:bodyPr>
+          <a:lstStyle/>
+          <a:p>
+            <a:pPr algn="ctr"/>
+            <a:endParaRPr lang="zh-CN" altLang="en-US"/>
+          </a:p>
+        </p:txBody>
+      </p:sp>
+      <p:sp>
+        <p:nvSpPr>
+          <p:cNvPr id="4" name="矩形 3">
+            <a:extLst>
+              <a:ext uri="{FF2B5EF4-FFF2-40B4-BE49-F238E27FC236}">
+                <a16:creationId xmlns:a16="http://schemas.microsoft.com/office/drawing/2014/main" id="{2B8B631C-7A18-5E04-8A35-C12049578033}"/>
+              </a:ext>
+            </a:extLst>
+          </p:cNvPr>
+          <p:cNvSpPr/>
+          <p:nvPr/>
+        </p:nvSpPr>
+        <p:spPr>
+          <a:xfrm>
+            <a:off x="5530208" y="1937269"/>
+            <a:ext cx="67467" cy="67467"/>
+          </a:xfrm>
+          <a:prstGeom prst="rect">
+            <a:avLst/>
+          </a:prstGeom>
+          <a:solidFill>
+            <a:schemeClr val="accent5">
+              <a:lumMod val="40000"/>
+              <a:lumOff val="60000"/>
+            </a:schemeClr>
+          </a:solidFill>
+          <a:ln>
+            <a:noFill/>
+          </a:ln>
+        </p:spPr>
+        <p:style>
+          <a:lnRef idx="2">
+            <a:schemeClr val="accent1">
+              <a:shade val="50000"/>
+            </a:schemeClr>
+          </a:lnRef>
+          <a:fillRef idx="1">
+            <a:schemeClr val="accent1"/>
+          </a:fillRef>
+          <a:effectRef idx="0">
+            <a:schemeClr val="accent1"/>
+          </a:effectRef>
+          <a:fontRef idx="minor">
+            <a:schemeClr val="lt1"/>
+          </a:fontRef>
+        </p:style>
+        <p:txBody>
+          <a:bodyPr rtlCol="0" anchor="ctr">
+            <a:spAutoFit/>
+          </a:bodyPr>
+          <a:lstStyle/>
+          <a:p>
+            <a:pPr algn="ctr"/>
+            <a:endParaRPr lang="zh-CN" altLang="en-US"/>
+          </a:p>
+        </p:txBody>
+      </p:sp>
+      <p:sp>
+        <p:nvSpPr>
+          <p:cNvPr id="5" name="矩形 4">
+            <a:extLst>
+              <a:ext uri="{FF2B5EF4-FFF2-40B4-BE49-F238E27FC236}">
+                <a16:creationId xmlns:a16="http://schemas.microsoft.com/office/drawing/2014/main" id="{1E273586-BC3E-61CF-5FF3-521A32CDDF0C}"/>
+              </a:ext>
+            </a:extLst>
+          </p:cNvPr>
+          <p:cNvSpPr/>
+          <p:nvPr/>
+        </p:nvSpPr>
+        <p:spPr>
+          <a:xfrm>
+            <a:off x="5670295" y="1937269"/>
+            <a:ext cx="67467" cy="67467"/>
+          </a:xfrm>
+          <a:prstGeom prst="rect">
+            <a:avLst/>
+          </a:prstGeom>
+          <a:solidFill>
+            <a:schemeClr val="accent5">
+              <a:lumMod val="40000"/>
+              <a:lumOff val="60000"/>
+            </a:schemeClr>
+          </a:solidFill>
+          <a:ln>
+            <a:noFill/>
+          </a:ln>
+        </p:spPr>
+        <p:style>
+          <a:lnRef idx="2">
+            <a:schemeClr val="accent1">
+              <a:shade val="50000"/>
+            </a:schemeClr>
+          </a:lnRef>
+          <a:fillRef idx="1">
+            <a:schemeClr val="accent1"/>
+          </a:fillRef>
+          <a:effectRef idx="0">
+            <a:schemeClr val="accent1"/>
+          </a:effectRef>
+          <a:fontRef idx="minor">
+            <a:schemeClr val="lt1"/>
+          </a:fontRef>
+        </p:style>
+        <p:txBody>
+          <a:bodyPr rtlCol="0" anchor="ctr">
+            <a:spAutoFit/>
+          </a:bodyPr>
+          <a:lstStyle/>
+          <a:p>
+            <a:pPr algn="ctr"/>
+            <a:endParaRPr lang="zh-CN" altLang="en-US"/>
+          </a:p>
+        </p:txBody>
+      </p:sp>
+      <p:sp>
+        <p:nvSpPr>
+          <p:cNvPr id="6" name="任意多边形: 形状 5">
+            <a:extLst>
+              <a:ext uri="{FF2B5EF4-FFF2-40B4-BE49-F238E27FC236}">
+                <a16:creationId xmlns:a16="http://schemas.microsoft.com/office/drawing/2014/main" id="{6677F700-0429-281B-F100-9363382EA496}"/>
+              </a:ext>
+            </a:extLst>
+          </p:cNvPr>
+          <p:cNvSpPr/>
+          <p:nvPr/>
+        </p:nvSpPr>
+        <p:spPr>
+          <a:xfrm>
+            <a:off x="1147731" y="1625307"/>
+            <a:ext cx="532174" cy="609685"/>
+          </a:xfrm>
+          <a:custGeom>
+            <a:avLst/>
+            <a:gdLst>
+              <a:gd name="T0" fmla="*/ 228 w 11085"/>
+              <a:gd name="T1" fmla="*/ 3017 h 12699"/>
+              <a:gd name="T2" fmla="*/ 5314 w 11085"/>
+              <a:gd name="T3" fmla="*/ 81 h 12699"/>
+              <a:gd name="T4" fmla="*/ 5771 w 11085"/>
+              <a:gd name="T5" fmla="*/ 81 h 12699"/>
+              <a:gd name="T6" fmla="*/ 10856 w 11085"/>
+              <a:gd name="T7" fmla="*/ 3017 h 12699"/>
+              <a:gd name="T8" fmla="*/ 11085 w 11085"/>
+              <a:gd name="T9" fmla="*/ 3413 h 12699"/>
+              <a:gd name="T10" fmla="*/ 11085 w 11085"/>
+              <a:gd name="T11" fmla="*/ 9285 h 12699"/>
+              <a:gd name="T12" fmla="*/ 10856 w 11085"/>
+              <a:gd name="T13" fmla="*/ 9681 h 12699"/>
+              <a:gd name="T14" fmla="*/ 5771 w 11085"/>
+              <a:gd name="T15" fmla="*/ 12617 h 12699"/>
+              <a:gd name="T16" fmla="*/ 5314 w 11085"/>
+              <a:gd name="T17" fmla="*/ 12617 h 12699"/>
+              <a:gd name="T18" fmla="*/ 228 w 11085"/>
+              <a:gd name="T19" fmla="*/ 9681 h 12699"/>
+              <a:gd name="T20" fmla="*/ 0 w 11085"/>
+              <a:gd name="T21" fmla="*/ 9285 h 12699"/>
+              <a:gd name="T22" fmla="*/ 0 w 11085"/>
+              <a:gd name="T23" fmla="*/ 3413 h 12699"/>
+              <a:gd name="T24" fmla="*/ 228 w 11085"/>
+              <a:gd name="T25" fmla="*/ 3017 h 12699"/>
+              <a:gd name="T26" fmla="*/ 973 w 11085"/>
+              <a:gd name="T27" fmla="*/ 3645 h 12699"/>
+              <a:gd name="T28" fmla="*/ 915 w 11085"/>
+              <a:gd name="T29" fmla="*/ 3744 h 12699"/>
+              <a:gd name="T30" fmla="*/ 915 w 11085"/>
+              <a:gd name="T31" fmla="*/ 8955 h 12699"/>
+              <a:gd name="T32" fmla="*/ 973 w 11085"/>
+              <a:gd name="T33" fmla="*/ 9054 h 12699"/>
+              <a:gd name="T34" fmla="*/ 5485 w 11085"/>
+              <a:gd name="T35" fmla="*/ 11659 h 12699"/>
+              <a:gd name="T36" fmla="*/ 5600 w 11085"/>
+              <a:gd name="T37" fmla="*/ 11659 h 12699"/>
+              <a:gd name="T38" fmla="*/ 10112 w 11085"/>
+              <a:gd name="T39" fmla="*/ 9054 h 12699"/>
+              <a:gd name="T40" fmla="*/ 10170 w 11085"/>
+              <a:gd name="T41" fmla="*/ 8955 h 12699"/>
+              <a:gd name="T42" fmla="*/ 10170 w 11085"/>
+              <a:gd name="T43" fmla="*/ 3744 h 12699"/>
+              <a:gd name="T44" fmla="*/ 10112 w 11085"/>
+              <a:gd name="T45" fmla="*/ 3645 h 12699"/>
+              <a:gd name="T46" fmla="*/ 5600 w 11085"/>
+              <a:gd name="T47" fmla="*/ 1039 h 12699"/>
+              <a:gd name="T48" fmla="*/ 5485 w 11085"/>
+              <a:gd name="T49" fmla="*/ 1039 h 12699"/>
+              <a:gd name="T50" fmla="*/ 973 w 11085"/>
+              <a:gd name="T51" fmla="*/ 3645 h 12699"/>
+              <a:gd name="T52" fmla="*/ 5538 w 11085"/>
+              <a:gd name="T53" fmla="*/ 5880 h 12699"/>
+              <a:gd name="T54" fmla="*/ 9058 w 11085"/>
+              <a:gd name="T55" fmla="*/ 3848 h 12699"/>
+              <a:gd name="T56" fmla="*/ 9682 w 11085"/>
+              <a:gd name="T57" fmla="*/ 4015 h 12699"/>
+              <a:gd name="T58" fmla="*/ 9515 w 11085"/>
+              <a:gd name="T59" fmla="*/ 4639 h 12699"/>
+              <a:gd name="T60" fmla="*/ 6004 w 11085"/>
+              <a:gd name="T61" fmla="*/ 6666 h 12699"/>
+              <a:gd name="T62" fmla="*/ 6004 w 11085"/>
+              <a:gd name="T63" fmla="*/ 10685 h 12699"/>
+              <a:gd name="T64" fmla="*/ 5547 w 11085"/>
+              <a:gd name="T65" fmla="*/ 11142 h 12699"/>
+              <a:gd name="T66" fmla="*/ 5090 w 11085"/>
+              <a:gd name="T67" fmla="*/ 10685 h 12699"/>
+              <a:gd name="T68" fmla="*/ 5090 w 11085"/>
+              <a:gd name="T69" fmla="*/ 6677 h 12699"/>
+              <a:gd name="T70" fmla="*/ 1573 w 11085"/>
+              <a:gd name="T71" fmla="*/ 4647 h 12699"/>
+              <a:gd name="T72" fmla="*/ 1406 w 11085"/>
+              <a:gd name="T73" fmla="*/ 4022 h 12699"/>
+              <a:gd name="T74" fmla="*/ 2030 w 11085"/>
+              <a:gd name="T75" fmla="*/ 3855 h 12699"/>
+              <a:gd name="T76" fmla="*/ 5538 w 11085"/>
+              <a:gd name="T77" fmla="*/ 5880 h 12699"/>
+            </a:gdLst>
+            <a:ahLst/>
+            <a:cxnLst>
+              <a:cxn ang="0">
+                <a:pos x="T0" y="T1"/>
+              </a:cxn>
+              <a:cxn ang="0">
+                <a:pos x="T2" y="T3"/>
+              </a:cxn>
+              <a:cxn ang="0">
+                <a:pos x="T4" y="T5"/>
+              </a:cxn>
+              <a:cxn ang="0">
+                <a:pos x="T6" y="T7"/>
+              </a:cxn>
+              <a:cxn ang="0">
+                <a:pos x="T8" y="T9"/>
+              </a:cxn>
+              <a:cxn ang="0">
+                <a:pos x="T10" y="T11"/>
+              </a:cxn>
+              <a:cxn ang="0">
+                <a:pos x="T12" y="T13"/>
+              </a:cxn>
+              <a:cxn ang="0">
+                <a:pos x="T14" y="T15"/>
+              </a:cxn>
+              <a:cxn ang="0">
+                <a:pos x="T16" y="T17"/>
+              </a:cxn>
+              <a:cxn ang="0">
+                <a:pos x="T18" y="T19"/>
+              </a:cxn>
+              <a:cxn ang="0">
+                <a:pos x="T20" y="T21"/>
+              </a:cxn>
+              <a:cxn ang="0">
+                <a:pos x="T22" y="T23"/>
+              </a:cxn>
+              <a:cxn ang="0">
+                <a:pos x="T24" y="T25"/>
+              </a:cxn>
+              <a:cxn ang="0">
+                <a:pos x="T26" y="T27"/>
+              </a:cxn>
+              <a:cxn ang="0">
+                <a:pos x="T28" y="T29"/>
+              </a:cxn>
+              <a:cxn ang="0">
+                <a:pos x="T30" y="T31"/>
+              </a:cxn>
+              <a:cxn ang="0">
+                <a:pos x="T32" y="T33"/>
+              </a:cxn>
+              <a:cxn ang="0">
+                <a:pos x="T34" y="T35"/>
+              </a:cxn>
+              <a:cxn ang="0">
+                <a:pos x="T36" y="T37"/>
+              </a:cxn>
+              <a:cxn ang="0">
+                <a:pos x="T38" y="T39"/>
+              </a:cxn>
+              <a:cxn ang="0">
+                <a:pos x="T40" y="T41"/>
+              </a:cxn>
+              <a:cxn ang="0">
+                <a:pos x="T42" y="T43"/>
+              </a:cxn>
+              <a:cxn ang="0">
+                <a:pos x="T44" y="T45"/>
+              </a:cxn>
+              <a:cxn ang="0">
+                <a:pos x="T46" y="T47"/>
+              </a:cxn>
+              <a:cxn ang="0">
+                <a:pos x="T48" y="T49"/>
+              </a:cxn>
+              <a:cxn ang="0">
+                <a:pos x="T50" y="T51"/>
+              </a:cxn>
+              <a:cxn ang="0">
+                <a:pos x="T52" y="T53"/>
+              </a:cxn>
+              <a:cxn ang="0">
+                <a:pos x="T54" y="T55"/>
+              </a:cxn>
+              <a:cxn ang="0">
+                <a:pos x="T56" y="T57"/>
+              </a:cxn>
+              <a:cxn ang="0">
+                <a:pos x="T58" y="T59"/>
+              </a:cxn>
+              <a:cxn ang="0">
+                <a:pos x="T60" y="T61"/>
+              </a:cxn>
+              <a:cxn ang="0">
+                <a:pos x="T62" y="T63"/>
+              </a:cxn>
+              <a:cxn ang="0">
+                <a:pos x="T64" y="T65"/>
+              </a:cxn>
+              <a:cxn ang="0">
+                <a:pos x="T66" y="T67"/>
+              </a:cxn>
+              <a:cxn ang="0">
+                <a:pos x="T68" y="T69"/>
+              </a:cxn>
+              <a:cxn ang="0">
+                <a:pos x="T70" y="T71"/>
+              </a:cxn>
+              <a:cxn ang="0">
+                <a:pos x="T72" y="T73"/>
+              </a:cxn>
+              <a:cxn ang="0">
+                <a:pos x="T74" y="T75"/>
+              </a:cxn>
+              <a:cxn ang="0">
+                <a:pos x="T76" y="T77"/>
+              </a:cxn>
+            </a:cxnLst>
+            <a:rect l="0" t="0" r="r" b="b"/>
+            <a:pathLst>
+              <a:path w="11085" h="12699">
+                <a:moveTo>
+                  <a:pt x="228" y="3017"/>
+                </a:moveTo>
+                <a:lnTo>
+                  <a:pt x="5314" y="81"/>
+                </a:lnTo>
+                <a:cubicBezTo>
+                  <a:pt x="5455" y="0"/>
+                  <a:pt x="5630" y="0"/>
+                  <a:pt x="5771" y="81"/>
+                </a:cubicBezTo>
+                <a:lnTo>
+                  <a:pt x="10856" y="3017"/>
+                </a:lnTo>
+                <a:cubicBezTo>
+                  <a:pt x="10998" y="3099"/>
+                  <a:pt x="11085" y="3250"/>
+                  <a:pt x="11085" y="3413"/>
+                </a:cubicBezTo>
+                <a:lnTo>
+                  <a:pt x="11085" y="9285"/>
+                </a:lnTo>
+                <a:cubicBezTo>
+                  <a:pt x="11085" y="9449"/>
+                  <a:pt x="10998" y="9600"/>
+                  <a:pt x="10856" y="9681"/>
+                </a:cubicBezTo>
+                <a:lnTo>
+                  <a:pt x="5771" y="12617"/>
+                </a:lnTo>
+                <a:cubicBezTo>
+                  <a:pt x="5630" y="12699"/>
+                  <a:pt x="5455" y="12699"/>
+                  <a:pt x="5314" y="12617"/>
+                </a:cubicBezTo>
+                <a:lnTo>
+                  <a:pt x="228" y="9681"/>
+                </a:lnTo>
+                <a:cubicBezTo>
+                  <a:pt x="87" y="9600"/>
+                  <a:pt x="0" y="9449"/>
+                  <a:pt x="0" y="9285"/>
+                </a:cubicBezTo>
+                <a:lnTo>
+                  <a:pt x="0" y="3413"/>
+                </a:lnTo>
+                <a:cubicBezTo>
+                  <a:pt x="0" y="3250"/>
+                  <a:pt x="87" y="3099"/>
+                  <a:pt x="228" y="3017"/>
+                </a:cubicBezTo>
+                <a:close/>
+                <a:moveTo>
+                  <a:pt x="973" y="3645"/>
+                </a:moveTo>
+                <a:cubicBezTo>
+                  <a:pt x="937" y="3665"/>
+                  <a:pt x="915" y="3703"/>
+                  <a:pt x="915" y="3744"/>
+                </a:cubicBezTo>
+                <a:lnTo>
+                  <a:pt x="915" y="8955"/>
+                </a:lnTo>
+                <a:cubicBezTo>
+                  <a:pt x="915" y="8995"/>
+                  <a:pt x="937" y="9033"/>
+                  <a:pt x="973" y="9054"/>
+                </a:cubicBezTo>
+                <a:lnTo>
+                  <a:pt x="5485" y="11659"/>
+                </a:lnTo>
+                <a:cubicBezTo>
+                  <a:pt x="5521" y="11679"/>
+                  <a:pt x="5564" y="11679"/>
+                  <a:pt x="5600" y="11659"/>
+                </a:cubicBezTo>
+                <a:lnTo>
+                  <a:pt x="10112" y="9054"/>
+                </a:lnTo>
+                <a:cubicBezTo>
+                  <a:pt x="10148" y="9033"/>
+                  <a:pt x="10170" y="8995"/>
+                  <a:pt x="10170" y="8955"/>
+                </a:cubicBezTo>
+                <a:lnTo>
+                  <a:pt x="10170" y="3744"/>
+                </a:lnTo>
+                <a:cubicBezTo>
+                  <a:pt x="10170" y="3703"/>
+                  <a:pt x="10148" y="3665"/>
+                  <a:pt x="10112" y="3645"/>
+                </a:cubicBezTo>
+                <a:lnTo>
+                  <a:pt x="5600" y="1039"/>
+                </a:lnTo>
+                <a:cubicBezTo>
+                  <a:pt x="5564" y="1019"/>
+                  <a:pt x="5521" y="1019"/>
+                  <a:pt x="5485" y="1039"/>
+                </a:cubicBezTo>
+                <a:lnTo>
+                  <a:pt x="973" y="3645"/>
+                </a:lnTo>
+                <a:close/>
+                <a:moveTo>
+                  <a:pt x="5538" y="5880"/>
+                </a:moveTo>
+                <a:lnTo>
+                  <a:pt x="9058" y="3848"/>
+                </a:lnTo>
+                <a:cubicBezTo>
+                  <a:pt x="9276" y="3721"/>
+                  <a:pt x="9556" y="3796"/>
+                  <a:pt x="9682" y="4015"/>
+                </a:cubicBezTo>
+                <a:cubicBezTo>
+                  <a:pt x="9808" y="4234"/>
+                  <a:pt x="9733" y="4513"/>
+                  <a:pt x="9515" y="4639"/>
+                </a:cubicBezTo>
+                <a:lnTo>
+                  <a:pt x="6004" y="6666"/>
+                </a:lnTo>
+                <a:lnTo>
+                  <a:pt x="6004" y="10685"/>
+                </a:lnTo>
+                <a:cubicBezTo>
+                  <a:pt x="6004" y="10937"/>
+                  <a:pt x="5799" y="11142"/>
+                  <a:pt x="5547" y="11142"/>
+                </a:cubicBezTo>
+                <a:cubicBezTo>
+                  <a:pt x="5295" y="11142"/>
+                  <a:pt x="5090" y="10937"/>
+                  <a:pt x="5090" y="10685"/>
+                </a:cubicBezTo>
+                <a:lnTo>
+                  <a:pt x="5090" y="6677"/>
+                </a:lnTo>
+                <a:lnTo>
+                  <a:pt x="1573" y="4647"/>
+                </a:lnTo>
+                <a:cubicBezTo>
+                  <a:pt x="1354" y="4520"/>
+                  <a:pt x="1280" y="4241"/>
+                  <a:pt x="1406" y="4022"/>
+                </a:cubicBezTo>
+                <a:cubicBezTo>
+                  <a:pt x="1532" y="3803"/>
+                  <a:pt x="1812" y="3728"/>
+                  <a:pt x="2030" y="3855"/>
+                </a:cubicBezTo>
+                <a:lnTo>
+                  <a:pt x="5538" y="5880"/>
+                </a:lnTo>
+                <a:close/>
+              </a:path>
+            </a:pathLst>
+          </a:custGeom>
+          <a:solidFill>
+            <a:srgbClr val="BDD7EE"/>
+          </a:solidFill>
+          <a:ln>
+            <a:noFill/>
+          </a:ln>
+        </p:spPr>
+        <p:style>
+          <a:lnRef idx="2">
+            <a:schemeClr val="accent1">
+              <a:shade val="50000"/>
+            </a:schemeClr>
+          </a:lnRef>
+          <a:fillRef idx="1">
+            <a:schemeClr val="accent1"/>
+          </a:fillRef>
+          <a:effectRef idx="0">
+            <a:schemeClr val="accent1"/>
+          </a:effectRef>
+          <a:fontRef idx="minor">
+            <a:schemeClr val="lt1"/>
+          </a:fontRef>
+        </p:style>
+        <p:txBody>
+          <a:bodyPr rtlCol="0" anchor="ctr"/>
+          <a:lstStyle/>
+          <a:p>
+            <a:pPr algn="ctr"/>
+            <a:endParaRPr lang="en-US"/>
+          </a:p>
+        </p:txBody>
+      </p:sp>
+    </p:spTree>
+    <p:extLst>
+      <p:ext uri="{BB962C8B-B14F-4D97-AF65-F5344CB8AC3E}">
+        <p14:creationId xmlns:p14="http://schemas.microsoft.com/office/powerpoint/2010/main" val="1834872438"/>
+      </p:ext>
+    </p:extLst>
+  </p:cSld>
+  <p:clrMapOvr>
+    <a:masterClrMapping/>
+  </p:clrMapOvr>
+</p:sld>
+</file>
+
+<file path=ppt/slides/slide11.xml><?xml version="1.0" encoding="utf-8"?>
+<p:sld xmlns:a="http://schemas.openxmlformats.org/drawingml/2006/main" xmlns:r="http://schemas.openxmlformats.org/officeDocument/2006/relationships" xmlns:p="http://schemas.openxmlformats.org/presentationml/2006/main">
+  <p:cSld>
+    <p:spTree>
+      <p:nvGrpSpPr>
+        <p:cNvPr id="1" name=""/>
+        <p:cNvGrpSpPr/>
+        <p:nvPr/>
+      </p:nvGrpSpPr>
+      <p:grpSpPr>
+        <a:xfrm>
+          <a:off x="0" y="0"/>
+          <a:ext cx="0" cy="0"/>
+          <a:chOff x="0" y="0"/>
+          <a:chExt cx="0" cy="0"/>
+        </a:xfrm>
+      </p:grpSpPr>
+      <p:sp>
+        <p:nvSpPr>
+          <p:cNvPr id="38" name="文本框 37">
+            <a:extLst>
+              <a:ext uri="{FF2B5EF4-FFF2-40B4-BE49-F238E27FC236}">
+                <a16:creationId xmlns:a16="http://schemas.microsoft.com/office/drawing/2014/main" id="{DA24AF7C-A39D-47AD-9B92-2B4E7DA2873A}"/>
+              </a:ext>
+            </a:extLst>
+          </p:cNvPr>
+          <p:cNvSpPr txBox="1">
+            <a:spLocks/>
+          </p:cNvSpPr>
+          <p:nvPr/>
+        </p:nvSpPr>
+        <p:spPr>
+          <a:xfrm>
+            <a:off x="660400" y="780278"/>
+            <a:ext cx="3152172" cy="646331"/>
+          </a:xfrm>
+          <a:prstGeom prst="rect">
+            <a:avLst/>
+          </a:prstGeom>
+        </p:spPr>
+        <p:txBody>
+          <a:bodyPr wrap="square">
+            <a:spAutoFit/>
+          </a:bodyPr>
+          <a:lstStyle>
+            <a:lvl1pPr marL="228600" indent="-228600" algn="l" defTabSz="914400" rtl="0" eaLnBrk="1" latinLnBrk="0" hangingPunct="1">
+              <a:lnSpc>
+                <a:spcPct val="90000"/>
+              </a:lnSpc>
+              <a:spcBef>
+                <a:spcPts val="1000"/>
+              </a:spcBef>
+              <a:buFont typeface="Arial" panose="020B0604020202020204" pitchFamily="34" charset="0"/>
+              <a:buChar char="•"/>
+              <a:defRPr sz="2800" kern="1200">
+                <a:solidFill>
+                  <a:schemeClr val="tx1"/>
+                </a:solidFill>
+                <a:latin typeface="+mn-lt"/>
+                <a:ea typeface="+mn-ea"/>
+                <a:cs typeface="+mn-cs"/>
+              </a:defRPr>
+            </a:lvl1pPr>
+            <a:lvl2pPr marL="685800" indent="-228600" algn="l" defTabSz="914400" rtl="0" eaLnBrk="1" latinLnBrk="0" hangingPunct="1">
+              <a:lnSpc>
+                <a:spcPct val="90000"/>
+              </a:lnSpc>
+              <a:spcBef>
+                <a:spcPts val="500"/>
+              </a:spcBef>
+              <a:buFont typeface="Arial" panose="020B0604020202020204" pitchFamily="34" charset="0"/>
+              <a:buChar char="•"/>
+              <a:defRPr sz="2400" kern="1200">
+                <a:solidFill>
+                  <a:schemeClr val="tx1"/>
+                </a:solidFill>
+                <a:latin typeface="+mn-lt"/>
+                <a:ea typeface="+mn-ea"/>
+                <a:cs typeface="+mn-cs"/>
+              </a:defRPr>
+            </a:lvl2pPr>
+            <a:lvl3pPr marL="1143000" indent="-228600" algn="l" defTabSz="914400" rtl="0" eaLnBrk="1" latinLnBrk="0" hangingPunct="1">
+              <a:lnSpc>
+                <a:spcPct val="90000"/>
+              </a:lnSpc>
+              <a:spcBef>
+                <a:spcPts val="500"/>
+              </a:spcBef>
+              <a:buFont typeface="Arial" panose="020B0604020202020204" pitchFamily="34" charset="0"/>
+              <a:buChar char="•"/>
+              <a:defRPr sz="2000" kern="1200">
+                <a:solidFill>
+                  <a:schemeClr val="tx1"/>
+                </a:solidFill>
+                <a:latin typeface="+mn-lt"/>
+                <a:ea typeface="+mn-ea"/>
+                <a:cs typeface="+mn-cs"/>
+              </a:defRPr>
+            </a:lvl3pPr>
+            <a:lvl4pPr marL="1600200" indent="-228600" algn="l" defTabSz="914400" rtl="0" eaLnBrk="1" latinLnBrk="0" hangingPunct="1">
+              <a:lnSpc>
+                <a:spcPct val="90000"/>
+              </a:lnSpc>
+              <a:spcBef>
+                <a:spcPts val="500"/>
+              </a:spcBef>
+              <a:buFont typeface="Arial" panose="020B0604020202020204" pitchFamily="34" charset="0"/>
+              <a:buChar char="•"/>
+              <a:defRPr sz="1800" kern="1200">
+                <a:solidFill>
+                  <a:schemeClr val="tx1"/>
+                </a:solidFill>
+                <a:latin typeface="+mn-lt"/>
+                <a:ea typeface="+mn-ea"/>
+                <a:cs typeface="+mn-cs"/>
+              </a:defRPr>
+            </a:lvl4pPr>
+            <a:lvl5pPr marL="2057400" indent="-228600" algn="l" defTabSz="914400" rtl="0" eaLnBrk="1" latinLnBrk="0" hangingPunct="1">
+              <a:lnSpc>
+                <a:spcPct val="90000"/>
+              </a:lnSpc>
+              <a:spcBef>
+                <a:spcPts val="500"/>
+              </a:spcBef>
+              <a:buFont typeface="Arial" panose="020B0604020202020204" pitchFamily="34" charset="0"/>
+              <a:buChar char="•"/>
+              <a:defRPr sz="1800" kern="1200">
+                <a:solidFill>
+                  <a:schemeClr val="tx1"/>
+                </a:solidFill>
+                <a:latin typeface="+mn-lt"/>
+                <a:ea typeface="+mn-ea"/>
+                <a:cs typeface="+mn-cs"/>
+              </a:defRPr>
+            </a:lvl5pPr>
+            <a:lvl6pPr marL="2514600" indent="-228600" algn="l" defTabSz="914400" rtl="0" eaLnBrk="1" latinLnBrk="0" hangingPunct="1">
+              <a:lnSpc>
+                <a:spcPct val="90000"/>
+              </a:lnSpc>
+              <a:spcBef>
+                <a:spcPts val="500"/>
+              </a:spcBef>
+              <a:buFont typeface="Arial" panose="020B0604020202020204" pitchFamily="34" charset="0"/>
+              <a:buChar char="•"/>
+              <a:defRPr sz="1800" kern="1200">
+                <a:solidFill>
+                  <a:schemeClr val="tx1"/>
+                </a:solidFill>
+                <a:latin typeface="+mn-lt"/>
+                <a:ea typeface="+mn-ea"/>
+                <a:cs typeface="+mn-cs"/>
+              </a:defRPr>
+            </a:lvl6pPr>
+            <a:lvl7pPr marL="2971800" indent="-228600" algn="l" defTabSz="914400" rtl="0" eaLnBrk="1" latinLnBrk="0" hangingPunct="1">
+              <a:lnSpc>
+                <a:spcPct val="90000"/>
+              </a:lnSpc>
+              <a:spcBef>
+                <a:spcPts val="500"/>
+              </a:spcBef>
+              <a:buFont typeface="Arial" panose="020B0604020202020204" pitchFamily="34" charset="0"/>
+              <a:buChar char="•"/>
+              <a:defRPr sz="1800" kern="1200">
+                <a:solidFill>
+                  <a:schemeClr val="tx1"/>
+                </a:solidFill>
+                <a:latin typeface="+mn-lt"/>
+                <a:ea typeface="+mn-ea"/>
+                <a:cs typeface="+mn-cs"/>
+              </a:defRPr>
+            </a:lvl7pPr>
+            <a:lvl8pPr marL="3429000" indent="-228600" algn="l" defTabSz="914400" rtl="0" eaLnBrk="1" latinLnBrk="0" hangingPunct="1">
+              <a:lnSpc>
+                <a:spcPct val="90000"/>
+              </a:lnSpc>
+              <a:spcBef>
+                <a:spcPts val="500"/>
+              </a:spcBef>
+              <a:buFont typeface="Arial" panose="020B0604020202020204" pitchFamily="34" charset="0"/>
+              <a:buChar char="•"/>
+              <a:defRPr sz="1800" kern="1200">
+                <a:solidFill>
+                  <a:schemeClr val="tx1"/>
+                </a:solidFill>
+                <a:latin typeface="+mn-lt"/>
+                <a:ea typeface="+mn-ea"/>
+                <a:cs typeface="+mn-cs"/>
+              </a:defRPr>
+            </a:lvl8pPr>
+            <a:lvl9pPr marL="3886200" indent="-228600" algn="l" defTabSz="914400" rtl="0" eaLnBrk="1" latinLnBrk="0" hangingPunct="1">
+              <a:lnSpc>
+                <a:spcPct val="90000"/>
+              </a:lnSpc>
+              <a:spcBef>
+                <a:spcPts val="500"/>
+              </a:spcBef>
+              <a:buFont typeface="Arial" panose="020B0604020202020204" pitchFamily="34" charset="0"/>
+              <a:buChar char="•"/>
+              <a:defRPr sz="1800" kern="1200">
+                <a:solidFill>
+                  <a:schemeClr val="tx1"/>
+                </a:solidFill>
+                <a:latin typeface="+mn-lt"/>
+                <a:ea typeface="+mn-ea"/>
+                <a:cs typeface="+mn-cs"/>
+              </a:defRPr>
+            </a:lvl9pPr>
+          </a:lstStyle>
+          <a:p>
+            <a:pPr marL="0" indent="0">
+              <a:buNone/>
+            </a:pPr>
+            <a:r>
+              <a:rPr lang="en-GB" sz="4000" b="1" dirty="0">
+                <a:solidFill>
+                  <a:schemeClr val="bg1">
+                    <a:lumMod val="65000"/>
+                  </a:schemeClr>
+                </a:solidFill>
+                <a:latin typeface="+mj-ea"/>
+                <a:ea typeface="+mj-ea"/>
+              </a:rPr>
+              <a:t>BACKEND</a:t>
+            </a:r>
+          </a:p>
+        </p:txBody>
+      </p:sp>
+      <p:sp>
+        <p:nvSpPr>
+          <p:cNvPr id="39" name="文本框 38">
+            <a:extLst>
+              <a:ext uri="{FF2B5EF4-FFF2-40B4-BE49-F238E27FC236}">
+                <a16:creationId xmlns:a16="http://schemas.microsoft.com/office/drawing/2014/main" id="{F690C501-2E4A-4D29-9F11-63E0499255FB}"/>
+              </a:ext>
+            </a:extLst>
+          </p:cNvPr>
+          <p:cNvSpPr txBox="1">
+            <a:spLocks/>
+          </p:cNvSpPr>
+          <p:nvPr/>
+        </p:nvSpPr>
+        <p:spPr>
+          <a:xfrm>
             <a:off x="1980926" y="1865661"/>
             <a:ext cx="7728224" cy="369332"/>
           </a:xfrm>
@@ -3175,7 +4336,7 @@
 </p:sld>
 </file>
 
-<file path=ppt/slides/slide11.xml><?xml version="1.0" encoding="utf-8"?>
+<file path=ppt/slides/slide12.xml><?xml version="1.0" encoding="utf-8"?>
 <p:sld xmlns:a="http://schemas.openxmlformats.org/drawingml/2006/main" xmlns:r="http://schemas.openxmlformats.org/officeDocument/2006/relationships" xmlns:p="http://schemas.openxmlformats.org/presentationml/2006/main">
   <p:cSld>
     <p:spTree>
@@ -5230,7 +6391,7 @@
 </p:sld>
 </file>
 
-<file path=ppt/slides/slide12.xml><?xml version="1.0" encoding="utf-8"?>
+<file path=ppt/slides/slide13.xml><?xml version="1.0" encoding="utf-8"?>
 <p:sld xmlns:a="http://schemas.openxmlformats.org/drawingml/2006/main" xmlns:r="http://schemas.openxmlformats.org/officeDocument/2006/relationships" xmlns:p="http://schemas.openxmlformats.org/presentationml/2006/main">
   <p:cSld>
     <p:spTree>
@@ -5624,7 +6785,7 @@
 </p:sld>
 </file>
 
-<file path=ppt/slides/slide13.xml><?xml version="1.0" encoding="utf-8"?>
+<file path=ppt/slides/slide14.xml><?xml version="1.0" encoding="utf-8"?>
 <p:sld xmlns:a="http://schemas.openxmlformats.org/drawingml/2006/main" xmlns:r="http://schemas.openxmlformats.org/officeDocument/2006/relationships" xmlns:p="http://schemas.openxmlformats.org/presentationml/2006/main">
   <p:cSld>
     <p:spTree>
@@ -6446,7 +7607,7 @@
 </p:sld>
 </file>
 
-<file path=ppt/slides/slide14.xml><?xml version="1.0" encoding="utf-8"?>
+<file path=ppt/slides/slide15.xml><?xml version="1.0" encoding="utf-8"?>
 <p:sld xmlns:a="http://schemas.openxmlformats.org/drawingml/2006/main" xmlns:r="http://schemas.openxmlformats.org/officeDocument/2006/relationships" xmlns:p="http://schemas.openxmlformats.org/presentationml/2006/main">
   <p:cSld>
     <p:spTree>
@@ -6840,7 +8001,7 @@
 </p:sld>
 </file>
 
-<file path=ppt/slides/slide15.xml><?xml version="1.0" encoding="utf-8"?>
+<file path=ppt/slides/slide16.xml><?xml version="1.0" encoding="utf-8"?>
 <p:sld xmlns:a="http://schemas.openxmlformats.org/drawingml/2006/main" xmlns:r="http://schemas.openxmlformats.org/officeDocument/2006/relationships" xmlns:p="http://schemas.openxmlformats.org/presentationml/2006/main">
   <p:cSld>
     <p:spTree>
@@ -7853,7 +9014,7 @@
 </p:sld>
 </file>
 
-<file path=ppt/slides/slide16.xml><?xml version="1.0" encoding="utf-8"?>
+<file path=ppt/slides/slide17.xml><?xml version="1.0" encoding="utf-8"?>
 <p:sld xmlns:a="http://schemas.openxmlformats.org/drawingml/2006/main" xmlns:r="http://schemas.openxmlformats.org/officeDocument/2006/relationships" xmlns:p="http://schemas.openxmlformats.org/presentationml/2006/main">
   <p:cSld>
     <p:spTree>
@@ -8236,7 +9397,7 @@
 </p:sld>
 </file>
 
-<file path=ppt/slides/slide17.xml><?xml version="1.0" encoding="utf-8"?>
+<file path=ppt/slides/slide18.xml><?xml version="1.0" encoding="utf-8"?>
 <p:sld xmlns:a="http://schemas.openxmlformats.org/drawingml/2006/main" xmlns:r="http://schemas.openxmlformats.org/officeDocument/2006/relationships" xmlns:p="http://schemas.openxmlformats.org/presentationml/2006/main">
   <p:cSld>
     <p:spTree>
@@ -8703,7 +9864,7 @@
 </p:sld>
 </file>
 
-<file path=ppt/slides/slide18.xml><?xml version="1.0" encoding="utf-8"?>
+<file path=ppt/slides/slide19.xml><?xml version="1.0" encoding="utf-8"?>
 <p:sld xmlns:a="http://schemas.openxmlformats.org/drawingml/2006/main" xmlns:r="http://schemas.openxmlformats.org/officeDocument/2006/relationships" xmlns:p="http://schemas.openxmlformats.org/presentationml/2006/main">
   <p:cSld>
     <p:spTree>
@@ -8978,6 +10139,454 @@
           <p:cNvPr id="3" name="文本框 2">
             <a:extLst>
               <a:ext uri="{FF2B5EF4-FFF2-40B4-BE49-F238E27FC236}">
+                <a16:creationId xmlns:a16="http://schemas.microsoft.com/office/drawing/2014/main" id="{30641B6D-6F2A-4664-8B9F-E8138D98CC70}"/>
+              </a:ext>
+            </a:extLst>
+          </p:cNvPr>
+          <p:cNvSpPr txBox="1">
+            <a:spLocks/>
+          </p:cNvSpPr>
+          <p:nvPr/>
+        </p:nvSpPr>
+        <p:spPr>
+          <a:xfrm>
+            <a:off x="660400" y="780278"/>
+            <a:ext cx="3892550" cy="646331"/>
+          </a:xfrm>
+          <a:prstGeom prst="rect">
+            <a:avLst/>
+          </a:prstGeom>
+        </p:spPr>
+        <p:txBody>
+          <a:bodyPr wrap="square">
+            <a:spAutoFit/>
+          </a:bodyPr>
+          <a:lstStyle>
+            <a:lvl1pPr marL="228600" indent="-228600" algn="l" defTabSz="914400" rtl="0" eaLnBrk="1" latinLnBrk="0" hangingPunct="1">
+              <a:lnSpc>
+                <a:spcPct val="90000"/>
+              </a:lnSpc>
+              <a:spcBef>
+                <a:spcPts val="1000"/>
+              </a:spcBef>
+              <a:buFont typeface="Arial" panose="020B0604020202020204" pitchFamily="34" charset="0"/>
+              <a:buChar char="•"/>
+              <a:defRPr sz="2800" kern="1200">
+                <a:solidFill>
+                  <a:schemeClr val="tx1"/>
+                </a:solidFill>
+                <a:latin typeface="+mn-lt"/>
+                <a:ea typeface="+mn-ea"/>
+                <a:cs typeface="+mn-cs"/>
+              </a:defRPr>
+            </a:lvl1pPr>
+            <a:lvl2pPr marL="685800" indent="-228600" algn="l" defTabSz="914400" rtl="0" eaLnBrk="1" latinLnBrk="0" hangingPunct="1">
+              <a:lnSpc>
+                <a:spcPct val="90000"/>
+              </a:lnSpc>
+              <a:spcBef>
+                <a:spcPts val="500"/>
+              </a:spcBef>
+              <a:buFont typeface="Arial" panose="020B0604020202020204" pitchFamily="34" charset="0"/>
+              <a:buChar char="•"/>
+              <a:defRPr sz="2400" kern="1200">
+                <a:solidFill>
+                  <a:schemeClr val="tx1"/>
+                </a:solidFill>
+                <a:latin typeface="+mn-lt"/>
+                <a:ea typeface="+mn-ea"/>
+                <a:cs typeface="+mn-cs"/>
+              </a:defRPr>
+            </a:lvl2pPr>
+            <a:lvl3pPr marL="1143000" indent="-228600" algn="l" defTabSz="914400" rtl="0" eaLnBrk="1" latinLnBrk="0" hangingPunct="1">
+              <a:lnSpc>
+                <a:spcPct val="90000"/>
+              </a:lnSpc>
+              <a:spcBef>
+                <a:spcPts val="500"/>
+              </a:spcBef>
+              <a:buFont typeface="Arial" panose="020B0604020202020204" pitchFamily="34" charset="0"/>
+              <a:buChar char="•"/>
+              <a:defRPr sz="2000" kern="1200">
+                <a:solidFill>
+                  <a:schemeClr val="tx1"/>
+                </a:solidFill>
+                <a:latin typeface="+mn-lt"/>
+                <a:ea typeface="+mn-ea"/>
+                <a:cs typeface="+mn-cs"/>
+              </a:defRPr>
+            </a:lvl3pPr>
+            <a:lvl4pPr marL="1600200" indent="-228600" algn="l" defTabSz="914400" rtl="0" eaLnBrk="1" latinLnBrk="0" hangingPunct="1">
+              <a:lnSpc>
+                <a:spcPct val="90000"/>
+              </a:lnSpc>
+              <a:spcBef>
+                <a:spcPts val="500"/>
+              </a:spcBef>
+              <a:buFont typeface="Arial" panose="020B0604020202020204" pitchFamily="34" charset="0"/>
+              <a:buChar char="•"/>
+              <a:defRPr sz="1800" kern="1200">
+                <a:solidFill>
+                  <a:schemeClr val="tx1"/>
+                </a:solidFill>
+                <a:latin typeface="+mn-lt"/>
+                <a:ea typeface="+mn-ea"/>
+                <a:cs typeface="+mn-cs"/>
+              </a:defRPr>
+            </a:lvl4pPr>
+            <a:lvl5pPr marL="2057400" indent="-228600" algn="l" defTabSz="914400" rtl="0" eaLnBrk="1" latinLnBrk="0" hangingPunct="1">
+              <a:lnSpc>
+                <a:spcPct val="90000"/>
+              </a:lnSpc>
+              <a:spcBef>
+                <a:spcPts val="500"/>
+              </a:spcBef>
+              <a:buFont typeface="Arial" panose="020B0604020202020204" pitchFamily="34" charset="0"/>
+              <a:buChar char="•"/>
+              <a:defRPr sz="1800" kern="1200">
+                <a:solidFill>
+                  <a:schemeClr val="tx1"/>
+                </a:solidFill>
+                <a:latin typeface="+mn-lt"/>
+                <a:ea typeface="+mn-ea"/>
+                <a:cs typeface="+mn-cs"/>
+              </a:defRPr>
+            </a:lvl5pPr>
+            <a:lvl6pPr marL="2514600" indent="-228600" algn="l" defTabSz="914400" rtl="0" eaLnBrk="1" latinLnBrk="0" hangingPunct="1">
+              <a:lnSpc>
+                <a:spcPct val="90000"/>
+              </a:lnSpc>
+              <a:spcBef>
+                <a:spcPts val="500"/>
+              </a:spcBef>
+              <a:buFont typeface="Arial" panose="020B0604020202020204" pitchFamily="34" charset="0"/>
+              <a:buChar char="•"/>
+              <a:defRPr sz="1800" kern="1200">
+                <a:solidFill>
+                  <a:schemeClr val="tx1"/>
+                </a:solidFill>
+                <a:latin typeface="+mn-lt"/>
+                <a:ea typeface="+mn-ea"/>
+                <a:cs typeface="+mn-cs"/>
+              </a:defRPr>
+            </a:lvl6pPr>
+            <a:lvl7pPr marL="2971800" indent="-228600" algn="l" defTabSz="914400" rtl="0" eaLnBrk="1" latinLnBrk="0" hangingPunct="1">
+              <a:lnSpc>
+                <a:spcPct val="90000"/>
+              </a:lnSpc>
+              <a:spcBef>
+                <a:spcPts val="500"/>
+              </a:spcBef>
+              <a:buFont typeface="Arial" panose="020B0604020202020204" pitchFamily="34" charset="0"/>
+              <a:buChar char="•"/>
+              <a:defRPr sz="1800" kern="1200">
+                <a:solidFill>
+                  <a:schemeClr val="tx1"/>
+                </a:solidFill>
+                <a:latin typeface="+mn-lt"/>
+                <a:ea typeface="+mn-ea"/>
+                <a:cs typeface="+mn-cs"/>
+              </a:defRPr>
+            </a:lvl7pPr>
+            <a:lvl8pPr marL="3429000" indent="-228600" algn="l" defTabSz="914400" rtl="0" eaLnBrk="1" latinLnBrk="0" hangingPunct="1">
+              <a:lnSpc>
+                <a:spcPct val="90000"/>
+              </a:lnSpc>
+              <a:spcBef>
+                <a:spcPts val="500"/>
+              </a:spcBef>
+              <a:buFont typeface="Arial" panose="020B0604020202020204" pitchFamily="34" charset="0"/>
+              <a:buChar char="•"/>
+              <a:defRPr sz="1800" kern="1200">
+                <a:solidFill>
+                  <a:schemeClr val="tx1"/>
+                </a:solidFill>
+                <a:latin typeface="+mn-lt"/>
+                <a:ea typeface="+mn-ea"/>
+                <a:cs typeface="+mn-cs"/>
+              </a:defRPr>
+            </a:lvl8pPr>
+            <a:lvl9pPr marL="3886200" indent="-228600" algn="l" defTabSz="914400" rtl="0" eaLnBrk="1" latinLnBrk="0" hangingPunct="1">
+              <a:lnSpc>
+                <a:spcPct val="90000"/>
+              </a:lnSpc>
+              <a:spcBef>
+                <a:spcPts val="500"/>
+              </a:spcBef>
+              <a:buFont typeface="Arial" panose="020B0604020202020204" pitchFamily="34" charset="0"/>
+              <a:buChar char="•"/>
+              <a:defRPr sz="1800" kern="1200">
+                <a:solidFill>
+                  <a:schemeClr val="tx1"/>
+                </a:solidFill>
+                <a:latin typeface="+mn-lt"/>
+                <a:ea typeface="+mn-ea"/>
+                <a:cs typeface="+mn-cs"/>
+              </a:defRPr>
+            </a:lvl9pPr>
+          </a:lstStyle>
+          <a:p>
+            <a:pPr marL="0" indent="0">
+              <a:buNone/>
+            </a:pPr>
+            <a:r>
+              <a:rPr lang="en-US" altLang="zh-CN" sz="4000" b="1" dirty="0">
+                <a:solidFill>
+                  <a:schemeClr val="bg1">
+                    <a:lumMod val="65000"/>
+                  </a:schemeClr>
+                </a:solidFill>
+                <a:latin typeface="+mj-ea"/>
+                <a:ea typeface="+mj-ea"/>
+              </a:rPr>
+              <a:t>DESCRIPTION</a:t>
+            </a:r>
+            <a:endParaRPr lang="en-GB" sz="4000" b="1" dirty="0">
+              <a:solidFill>
+                <a:schemeClr val="bg1">
+                  <a:lumMod val="65000"/>
+                </a:schemeClr>
+              </a:solidFill>
+              <a:latin typeface="+mj-ea"/>
+              <a:ea typeface="+mj-ea"/>
+            </a:endParaRPr>
+          </a:p>
+        </p:txBody>
+      </p:sp>
+      <p:sp>
+        <p:nvSpPr>
+          <p:cNvPr id="6" name="文本框 5">
+            <a:extLst>
+              <a:ext uri="{FF2B5EF4-FFF2-40B4-BE49-F238E27FC236}">
+                <a16:creationId xmlns:a16="http://schemas.microsoft.com/office/drawing/2014/main" id="{1575EEEB-3536-68B6-E739-A319007DC7D1}"/>
+              </a:ext>
+            </a:extLst>
+          </p:cNvPr>
+          <p:cNvSpPr txBox="1"/>
+          <p:nvPr/>
+        </p:nvSpPr>
+        <p:spPr>
+          <a:xfrm flipH="1">
+            <a:off x="1655326" y="1335568"/>
+            <a:ext cx="8881347" cy="4987776"/>
+          </a:xfrm>
+          <a:prstGeom prst="rect">
+            <a:avLst/>
+          </a:prstGeom>
+          <a:noFill/>
+        </p:spPr>
+        <p:txBody>
+          <a:bodyPr wrap="square" rtlCol="0">
+            <a:spAutoFit/>
+          </a:bodyPr>
+          <a:lstStyle/>
+          <a:p>
+            <a:pPr algn="just" latinLnBrk="1">
+              <a:lnSpc>
+                <a:spcPct val="120000"/>
+              </a:lnSpc>
+            </a:pPr>
+            <a:r>
+              <a:rPr lang="en-US" altLang="zh-CN" sz="1400" dirty="0">
+                <a:latin typeface="+mn-ea"/>
+              </a:rPr>
+              <a:t>Our Trip Advisor application is an innovative, AI-driven travel planning tool designed to deliver personalized travel itineraries. The app integrates machine learning and weather data to optimize the user's travel experience by recommending suitable landmarks based on weather conditions and preferences.</a:t>
+            </a:r>
+          </a:p>
+          <a:p>
+            <a:pPr algn="just" latinLnBrk="1">
+              <a:lnSpc>
+                <a:spcPct val="120000"/>
+              </a:lnSpc>
+            </a:pPr>
+            <a:endParaRPr lang="en-US" altLang="zh-CN" sz="1400" dirty="0">
+              <a:latin typeface="+mn-ea"/>
+            </a:endParaRPr>
+          </a:p>
+          <a:p>
+            <a:pPr marL="285750" indent="-285750" algn="just" latinLnBrk="1">
+              <a:lnSpc>
+                <a:spcPct val="120000"/>
+              </a:lnSpc>
+              <a:buFont typeface="Arial" panose="020B0604020202020204" pitchFamily="34" charset="0"/>
+              <a:buChar char="•"/>
+            </a:pPr>
+            <a:r>
+              <a:rPr lang="en-US" altLang="zh-CN" sz="1400" dirty="0">
+                <a:latin typeface="+mn-ea"/>
+              </a:rPr>
+              <a:t>Personalized Itinerary Generation:</a:t>
+            </a:r>
+            <a:r>
+              <a:rPr lang="zh-CN" altLang="en-US" sz="1400" dirty="0">
+                <a:latin typeface="+mn-ea"/>
+              </a:rPr>
+              <a:t> </a:t>
+            </a:r>
+            <a:r>
+              <a:rPr lang="en-US" altLang="zh-CN" sz="1400" dirty="0">
+                <a:latin typeface="+mn-ea"/>
+              </a:rPr>
+              <a:t>By providing their desired travel country, city, and estimated daily travel time, users are presented with a customized itinerary. </a:t>
+            </a:r>
+          </a:p>
+          <a:p>
+            <a:pPr marL="285750" indent="-285750" algn="just" latinLnBrk="1">
+              <a:lnSpc>
+                <a:spcPct val="120000"/>
+              </a:lnSpc>
+              <a:buFont typeface="Arial" panose="020B0604020202020204" pitchFamily="34" charset="0"/>
+              <a:buChar char="•"/>
+            </a:pPr>
+            <a:endParaRPr lang="en-US" altLang="zh-CN" sz="1400" dirty="0">
+              <a:latin typeface="+mn-ea"/>
+            </a:endParaRPr>
+          </a:p>
+          <a:p>
+            <a:pPr marL="285750" indent="-285750" algn="just" latinLnBrk="1">
+              <a:lnSpc>
+                <a:spcPct val="120000"/>
+              </a:lnSpc>
+              <a:buFont typeface="Arial" panose="020B0604020202020204" pitchFamily="34" charset="0"/>
+              <a:buChar char="•"/>
+            </a:pPr>
+            <a:r>
+              <a:rPr lang="en-US" altLang="zh-CN" sz="1400" dirty="0">
+                <a:latin typeface="+mn-ea"/>
+              </a:rPr>
+              <a:t>AI-Driven Recommendations: The application utilizes machine learning models trained on landmark attributes such as total occurrence, neighbor occurrence, and transportation time. This ensures the application provides the most suitable travel suggestions tailored to the user's inputs.</a:t>
+            </a:r>
+          </a:p>
+          <a:p>
+            <a:pPr marL="285750" indent="-285750" algn="just" latinLnBrk="1">
+              <a:lnSpc>
+                <a:spcPct val="120000"/>
+              </a:lnSpc>
+              <a:buFont typeface="Arial" panose="020B0604020202020204" pitchFamily="34" charset="0"/>
+              <a:buChar char="•"/>
+            </a:pPr>
+            <a:endParaRPr lang="en-US" altLang="zh-CN" sz="1400" dirty="0">
+              <a:latin typeface="+mn-ea"/>
+            </a:endParaRPr>
+          </a:p>
+          <a:p>
+            <a:pPr marL="285750" indent="-285750" algn="just" latinLnBrk="1">
+              <a:lnSpc>
+                <a:spcPct val="120000"/>
+              </a:lnSpc>
+              <a:buFont typeface="Arial" panose="020B0604020202020204" pitchFamily="34" charset="0"/>
+              <a:buChar char="•"/>
+            </a:pPr>
+            <a:r>
+              <a:rPr lang="en-US" altLang="zh-CN" sz="1400" dirty="0">
+                <a:latin typeface="+mn-ea"/>
+              </a:rPr>
+              <a:t>Weather Integration: The app integrates with </a:t>
+            </a:r>
+            <a:r>
+              <a:rPr lang="en-US" altLang="zh-CN" sz="1400" dirty="0" err="1">
+                <a:latin typeface="+mn-ea"/>
+              </a:rPr>
+              <a:t>WeatherIO</a:t>
+            </a:r>
+            <a:r>
+              <a:rPr lang="en-US" altLang="zh-CN" sz="1400" dirty="0">
+                <a:latin typeface="+mn-ea"/>
+              </a:rPr>
+              <a:t> API to fetch real-time weather data, adjusting recommendations according to the weather conditions on each day of the planned itinerary.</a:t>
+            </a:r>
+          </a:p>
+          <a:p>
+            <a:pPr marL="285750" indent="-285750" algn="just" latinLnBrk="1">
+              <a:lnSpc>
+                <a:spcPct val="120000"/>
+              </a:lnSpc>
+              <a:buFont typeface="Arial" panose="020B0604020202020204" pitchFamily="34" charset="0"/>
+              <a:buChar char="•"/>
+            </a:pPr>
+            <a:endParaRPr lang="en-US" altLang="zh-CN" sz="1400" dirty="0">
+              <a:latin typeface="+mn-ea"/>
+            </a:endParaRPr>
+          </a:p>
+          <a:p>
+            <a:pPr marL="285750" indent="-285750" algn="just" latinLnBrk="1">
+              <a:lnSpc>
+                <a:spcPct val="120000"/>
+              </a:lnSpc>
+              <a:buFont typeface="Arial" panose="020B0604020202020204" pitchFamily="34" charset="0"/>
+              <a:buChar char="•"/>
+            </a:pPr>
+            <a:r>
+              <a:rPr lang="en-US" altLang="zh-CN" sz="1400" dirty="0">
+                <a:latin typeface="+mn-ea"/>
+              </a:rPr>
+              <a:t>Intuitive User Interface: The user-friendly design of application make users easily input their preferences and view their planned trip.</a:t>
+            </a:r>
+          </a:p>
+          <a:p>
+            <a:pPr marL="285750" indent="-285750" algn="just" latinLnBrk="1">
+              <a:lnSpc>
+                <a:spcPct val="120000"/>
+              </a:lnSpc>
+              <a:buFont typeface="Arial" panose="020B0604020202020204" pitchFamily="34" charset="0"/>
+              <a:buChar char="•"/>
+            </a:pPr>
+            <a:endParaRPr lang="en-US" altLang="zh-CN" sz="1400" dirty="0">
+              <a:latin typeface="+mn-ea"/>
+            </a:endParaRPr>
+          </a:p>
+          <a:p>
+            <a:pPr marL="285750" indent="-285750" algn="just" latinLnBrk="1">
+              <a:lnSpc>
+                <a:spcPct val="120000"/>
+              </a:lnSpc>
+              <a:buFont typeface="Arial" panose="020B0604020202020204" pitchFamily="34" charset="0"/>
+              <a:buChar char="•"/>
+            </a:pPr>
+            <a:r>
+              <a:rPr lang="en-US" altLang="zh-CN" sz="1400" dirty="0">
+                <a:latin typeface="+mn-ea"/>
+              </a:rPr>
+              <a:t>Global Accessibility: The application has been deployed on Heroku, making it accessible from anywhere around the world. Users can plan their trips on-the-go, right from their web browsers.</a:t>
+            </a:r>
+          </a:p>
+        </p:txBody>
+      </p:sp>
+    </p:spTree>
+    <p:extLst>
+      <p:ext uri="{BB962C8B-B14F-4D97-AF65-F5344CB8AC3E}">
+        <p14:creationId xmlns:p14="http://schemas.microsoft.com/office/powerpoint/2010/main" val="2533184631"/>
+      </p:ext>
+    </p:extLst>
+  </p:cSld>
+  <p:clrMapOvr>
+    <a:masterClrMapping/>
+  </p:clrMapOvr>
+</p:sld>
+</file>
+
+<file path=ppt/slides/slide3.xml><?xml version="1.0" encoding="utf-8"?>
+<p:sld xmlns:a="http://schemas.openxmlformats.org/drawingml/2006/main" xmlns:r="http://schemas.openxmlformats.org/officeDocument/2006/relationships" xmlns:p="http://schemas.openxmlformats.org/presentationml/2006/main">
+  <p:cSld>
+    <p:spTree>
+      <p:nvGrpSpPr>
+        <p:cNvPr id="1" name=""/>
+        <p:cNvGrpSpPr/>
+        <p:nvPr/>
+      </p:nvGrpSpPr>
+      <p:grpSpPr>
+        <a:xfrm>
+          <a:off x="0" y="0"/>
+          <a:ext cx="0" cy="0"/>
+          <a:chOff x="0" y="0"/>
+          <a:chExt cx="0" cy="0"/>
+        </a:xfrm>
+      </p:grpSpPr>
+      <p:sp>
+        <p:nvSpPr>
+          <p:cNvPr id="3" name="文本框 2">
+            <a:extLst>
+              <a:ext uri="{FF2B5EF4-FFF2-40B4-BE49-F238E27FC236}">
                 <a16:creationId xmlns:a16="http://schemas.microsoft.com/office/drawing/2014/main" id="{7714FC52-912E-49AE-B330-AAFBC9D44D30}"/>
               </a:ext>
             </a:extLst>
@@ -10597,7 +12206,7 @@
 </p:sld>
 </file>
 
-<file path=ppt/slides/slide3.xml><?xml version="1.0" encoding="utf-8"?>
+<file path=ppt/slides/slide4.xml><?xml version="1.0" encoding="utf-8"?>
 <p:sld xmlns:a="http://schemas.openxmlformats.org/drawingml/2006/main" xmlns:r="http://schemas.openxmlformats.org/officeDocument/2006/relationships" xmlns:p="http://schemas.openxmlformats.org/presentationml/2006/main">
   <p:cSld>
     <p:spTree>
@@ -11083,7 +12692,7 @@
 </p:sld>
 </file>
 
-<file path=ppt/slides/slide4.xml><?xml version="1.0" encoding="utf-8"?>
+<file path=ppt/slides/slide5.xml><?xml version="1.0" encoding="utf-8"?>
 <p:sld xmlns:a="http://schemas.openxmlformats.org/drawingml/2006/main" xmlns:r="http://schemas.openxmlformats.org/officeDocument/2006/relationships" xmlns:p="http://schemas.openxmlformats.org/presentationml/2006/main">
   <p:cSld>
     <p:spTree>
@@ -12184,7 +13793,7 @@
 </p:sld>
 </file>
 
-<file path=ppt/slides/slide5.xml><?xml version="1.0" encoding="utf-8"?>
+<file path=ppt/slides/slide6.xml><?xml version="1.0" encoding="utf-8"?>
 <p:sld xmlns:a="http://schemas.openxmlformats.org/drawingml/2006/main" xmlns:r="http://schemas.openxmlformats.org/officeDocument/2006/relationships" xmlns:p="http://schemas.openxmlformats.org/presentationml/2006/main">
   <p:cSld>
     <p:spTree>
@@ -13306,7 +14915,7 @@
 </p:sld>
 </file>
 
-<file path=ppt/slides/slide6.xml><?xml version="1.0" encoding="utf-8"?>
+<file path=ppt/slides/slide7.xml><?xml version="1.0" encoding="utf-8"?>
 <p:sld xmlns:a="http://schemas.openxmlformats.org/drawingml/2006/main" xmlns:r="http://schemas.openxmlformats.org/officeDocument/2006/relationships" xmlns:p="http://schemas.openxmlformats.org/presentationml/2006/main">
   <p:cSld>
     <p:spTree>
@@ -14522,7 +16131,7 @@
 </p:sld>
 </file>
 
-<file path=ppt/slides/slide7.xml><?xml version="1.0" encoding="utf-8"?>
+<file path=ppt/slides/slide8.xml><?xml version="1.0" encoding="utf-8"?>
 <p:sld xmlns:a="http://schemas.openxmlformats.org/drawingml/2006/main" xmlns:r="http://schemas.openxmlformats.org/officeDocument/2006/relationships" xmlns:p="http://schemas.openxmlformats.org/presentationml/2006/main">
   <p:cSld>
     <p:spTree>
@@ -14916,7 +16525,7 @@
 </p:sld>
 </file>
 
-<file path=ppt/slides/slide8.xml><?xml version="1.0" encoding="utf-8"?>
+<file path=ppt/slides/slide9.xml><?xml version="1.0" encoding="utf-8"?>
 <p:sld xmlns:a="http://schemas.openxmlformats.org/drawingml/2006/main" xmlns:r="http://schemas.openxmlformats.org/officeDocument/2006/relationships" xmlns:p="http://schemas.openxmlformats.org/presentationml/2006/main">
   <p:cSld>
     <p:spTree>
@@ -16160,1166 +17769,6 @@
 </p:sld>
 </file>
 
-<file path=ppt/slides/slide9.xml><?xml version="1.0" encoding="utf-8"?>
-<p:sld xmlns:a="http://schemas.openxmlformats.org/drawingml/2006/main" xmlns:r="http://schemas.openxmlformats.org/officeDocument/2006/relationships" xmlns:p="http://schemas.openxmlformats.org/presentationml/2006/main">
-  <p:cSld>
-    <p:spTree>
-      <p:nvGrpSpPr>
-        <p:cNvPr id="1" name=""/>
-        <p:cNvGrpSpPr/>
-        <p:nvPr/>
-      </p:nvGrpSpPr>
-      <p:grpSpPr>
-        <a:xfrm>
-          <a:off x="0" y="0"/>
-          <a:ext cx="0" cy="0"/>
-          <a:chOff x="0" y="0"/>
-          <a:chExt cx="0" cy="0"/>
-        </a:xfrm>
-      </p:grpSpPr>
-      <p:sp>
-        <p:nvSpPr>
-          <p:cNvPr id="38" name="文本框 37">
-            <a:extLst>
-              <a:ext uri="{FF2B5EF4-FFF2-40B4-BE49-F238E27FC236}">
-                <a16:creationId xmlns:a16="http://schemas.microsoft.com/office/drawing/2014/main" id="{DA24AF7C-A39D-47AD-9B92-2B4E7DA2873A}"/>
-              </a:ext>
-            </a:extLst>
-          </p:cNvPr>
-          <p:cNvSpPr txBox="1">
-            <a:spLocks/>
-          </p:cNvSpPr>
-          <p:nvPr/>
-        </p:nvSpPr>
-        <p:spPr>
-          <a:xfrm>
-            <a:off x="660400" y="780278"/>
-            <a:ext cx="3152172" cy="646331"/>
-          </a:xfrm>
-          <a:prstGeom prst="rect">
-            <a:avLst/>
-          </a:prstGeom>
-        </p:spPr>
-        <p:txBody>
-          <a:bodyPr wrap="square">
-            <a:spAutoFit/>
-          </a:bodyPr>
-          <a:lstStyle>
-            <a:lvl1pPr marL="228600" indent="-228600" algn="l" defTabSz="914400" rtl="0" eaLnBrk="1" latinLnBrk="0" hangingPunct="1">
-              <a:lnSpc>
-                <a:spcPct val="90000"/>
-              </a:lnSpc>
-              <a:spcBef>
-                <a:spcPts val="1000"/>
-              </a:spcBef>
-              <a:buFont typeface="Arial" panose="020B0604020202020204" pitchFamily="34" charset="0"/>
-              <a:buChar char="•"/>
-              <a:defRPr sz="2800" kern="1200">
-                <a:solidFill>
-                  <a:schemeClr val="tx1"/>
-                </a:solidFill>
-                <a:latin typeface="+mn-lt"/>
-                <a:ea typeface="+mn-ea"/>
-                <a:cs typeface="+mn-cs"/>
-              </a:defRPr>
-            </a:lvl1pPr>
-            <a:lvl2pPr marL="685800" indent="-228600" algn="l" defTabSz="914400" rtl="0" eaLnBrk="1" latinLnBrk="0" hangingPunct="1">
-              <a:lnSpc>
-                <a:spcPct val="90000"/>
-              </a:lnSpc>
-              <a:spcBef>
-                <a:spcPts val="500"/>
-              </a:spcBef>
-              <a:buFont typeface="Arial" panose="020B0604020202020204" pitchFamily="34" charset="0"/>
-              <a:buChar char="•"/>
-              <a:defRPr sz="2400" kern="1200">
-                <a:solidFill>
-                  <a:schemeClr val="tx1"/>
-                </a:solidFill>
-                <a:latin typeface="+mn-lt"/>
-                <a:ea typeface="+mn-ea"/>
-                <a:cs typeface="+mn-cs"/>
-              </a:defRPr>
-            </a:lvl2pPr>
-            <a:lvl3pPr marL="1143000" indent="-228600" algn="l" defTabSz="914400" rtl="0" eaLnBrk="1" latinLnBrk="0" hangingPunct="1">
-              <a:lnSpc>
-                <a:spcPct val="90000"/>
-              </a:lnSpc>
-              <a:spcBef>
-                <a:spcPts val="500"/>
-              </a:spcBef>
-              <a:buFont typeface="Arial" panose="020B0604020202020204" pitchFamily="34" charset="0"/>
-              <a:buChar char="•"/>
-              <a:defRPr sz="2000" kern="1200">
-                <a:solidFill>
-                  <a:schemeClr val="tx1"/>
-                </a:solidFill>
-                <a:latin typeface="+mn-lt"/>
-                <a:ea typeface="+mn-ea"/>
-                <a:cs typeface="+mn-cs"/>
-              </a:defRPr>
-            </a:lvl3pPr>
-            <a:lvl4pPr marL="1600200" indent="-228600" algn="l" defTabSz="914400" rtl="0" eaLnBrk="1" latinLnBrk="0" hangingPunct="1">
-              <a:lnSpc>
-                <a:spcPct val="90000"/>
-              </a:lnSpc>
-              <a:spcBef>
-                <a:spcPts val="500"/>
-              </a:spcBef>
-              <a:buFont typeface="Arial" panose="020B0604020202020204" pitchFamily="34" charset="0"/>
-              <a:buChar char="•"/>
-              <a:defRPr sz="1800" kern="1200">
-                <a:solidFill>
-                  <a:schemeClr val="tx1"/>
-                </a:solidFill>
-                <a:latin typeface="+mn-lt"/>
-                <a:ea typeface="+mn-ea"/>
-                <a:cs typeface="+mn-cs"/>
-              </a:defRPr>
-            </a:lvl4pPr>
-            <a:lvl5pPr marL="2057400" indent="-228600" algn="l" defTabSz="914400" rtl="0" eaLnBrk="1" latinLnBrk="0" hangingPunct="1">
-              <a:lnSpc>
-                <a:spcPct val="90000"/>
-              </a:lnSpc>
-              <a:spcBef>
-                <a:spcPts val="500"/>
-              </a:spcBef>
-              <a:buFont typeface="Arial" panose="020B0604020202020204" pitchFamily="34" charset="0"/>
-              <a:buChar char="•"/>
-              <a:defRPr sz="1800" kern="1200">
-                <a:solidFill>
-                  <a:schemeClr val="tx1"/>
-                </a:solidFill>
-                <a:latin typeface="+mn-lt"/>
-                <a:ea typeface="+mn-ea"/>
-                <a:cs typeface="+mn-cs"/>
-              </a:defRPr>
-            </a:lvl5pPr>
-            <a:lvl6pPr marL="2514600" indent="-228600" algn="l" defTabSz="914400" rtl="0" eaLnBrk="1" latinLnBrk="0" hangingPunct="1">
-              <a:lnSpc>
-                <a:spcPct val="90000"/>
-              </a:lnSpc>
-              <a:spcBef>
-                <a:spcPts val="500"/>
-              </a:spcBef>
-              <a:buFont typeface="Arial" panose="020B0604020202020204" pitchFamily="34" charset="0"/>
-              <a:buChar char="•"/>
-              <a:defRPr sz="1800" kern="1200">
-                <a:solidFill>
-                  <a:schemeClr val="tx1"/>
-                </a:solidFill>
-                <a:latin typeface="+mn-lt"/>
-                <a:ea typeface="+mn-ea"/>
-                <a:cs typeface="+mn-cs"/>
-              </a:defRPr>
-            </a:lvl6pPr>
-            <a:lvl7pPr marL="2971800" indent="-228600" algn="l" defTabSz="914400" rtl="0" eaLnBrk="1" latinLnBrk="0" hangingPunct="1">
-              <a:lnSpc>
-                <a:spcPct val="90000"/>
-              </a:lnSpc>
-              <a:spcBef>
-                <a:spcPts val="500"/>
-              </a:spcBef>
-              <a:buFont typeface="Arial" panose="020B0604020202020204" pitchFamily="34" charset="0"/>
-              <a:buChar char="•"/>
-              <a:defRPr sz="1800" kern="1200">
-                <a:solidFill>
-                  <a:schemeClr val="tx1"/>
-                </a:solidFill>
-                <a:latin typeface="+mn-lt"/>
-                <a:ea typeface="+mn-ea"/>
-                <a:cs typeface="+mn-cs"/>
-              </a:defRPr>
-            </a:lvl7pPr>
-            <a:lvl8pPr marL="3429000" indent="-228600" algn="l" defTabSz="914400" rtl="0" eaLnBrk="1" latinLnBrk="0" hangingPunct="1">
-              <a:lnSpc>
-                <a:spcPct val="90000"/>
-              </a:lnSpc>
-              <a:spcBef>
-                <a:spcPts val="500"/>
-              </a:spcBef>
-              <a:buFont typeface="Arial" panose="020B0604020202020204" pitchFamily="34" charset="0"/>
-              <a:buChar char="•"/>
-              <a:defRPr sz="1800" kern="1200">
-                <a:solidFill>
-                  <a:schemeClr val="tx1"/>
-                </a:solidFill>
-                <a:latin typeface="+mn-lt"/>
-                <a:ea typeface="+mn-ea"/>
-                <a:cs typeface="+mn-cs"/>
-              </a:defRPr>
-            </a:lvl8pPr>
-            <a:lvl9pPr marL="3886200" indent="-228600" algn="l" defTabSz="914400" rtl="0" eaLnBrk="1" latinLnBrk="0" hangingPunct="1">
-              <a:lnSpc>
-                <a:spcPct val="90000"/>
-              </a:lnSpc>
-              <a:spcBef>
-                <a:spcPts val="500"/>
-              </a:spcBef>
-              <a:buFont typeface="Arial" panose="020B0604020202020204" pitchFamily="34" charset="0"/>
-              <a:buChar char="•"/>
-              <a:defRPr sz="1800" kern="1200">
-                <a:solidFill>
-                  <a:schemeClr val="tx1"/>
-                </a:solidFill>
-                <a:latin typeface="+mn-lt"/>
-                <a:ea typeface="+mn-ea"/>
-                <a:cs typeface="+mn-cs"/>
-              </a:defRPr>
-            </a:lvl9pPr>
-          </a:lstStyle>
-          <a:p>
-            <a:pPr marL="0" indent="0">
-              <a:buNone/>
-            </a:pPr>
-            <a:r>
-              <a:rPr lang="en-GB" sz="4000" b="1" dirty="0">
-                <a:solidFill>
-                  <a:schemeClr val="bg1">
-                    <a:lumMod val="65000"/>
-                  </a:schemeClr>
-                </a:solidFill>
-                <a:latin typeface="+mj-ea"/>
-                <a:ea typeface="+mj-ea"/>
-              </a:rPr>
-              <a:t>BACKEND</a:t>
-            </a:r>
-          </a:p>
-        </p:txBody>
-      </p:sp>
-      <p:sp>
-        <p:nvSpPr>
-          <p:cNvPr id="39" name="文本框 38">
-            <a:extLst>
-              <a:ext uri="{FF2B5EF4-FFF2-40B4-BE49-F238E27FC236}">
-                <a16:creationId xmlns:a16="http://schemas.microsoft.com/office/drawing/2014/main" id="{F690C501-2E4A-4D29-9F11-63E0499255FB}"/>
-              </a:ext>
-            </a:extLst>
-          </p:cNvPr>
-          <p:cNvSpPr txBox="1">
-            <a:spLocks/>
-          </p:cNvSpPr>
-          <p:nvPr/>
-        </p:nvSpPr>
-        <p:spPr>
-          <a:xfrm>
-            <a:off x="1980926" y="1745484"/>
-            <a:ext cx="4115074" cy="369332"/>
-          </a:xfrm>
-          <a:prstGeom prst="rect">
-            <a:avLst/>
-          </a:prstGeom>
-        </p:spPr>
-        <p:txBody>
-          <a:bodyPr wrap="square">
-            <a:spAutoFit/>
-          </a:bodyPr>
-          <a:lstStyle>
-            <a:lvl1pPr marL="228600" indent="-228600" algn="l" defTabSz="914400" rtl="0" eaLnBrk="1" latinLnBrk="0" hangingPunct="1">
-              <a:lnSpc>
-                <a:spcPct val="90000"/>
-              </a:lnSpc>
-              <a:spcBef>
-                <a:spcPts val="1000"/>
-              </a:spcBef>
-              <a:buFont typeface="Arial" panose="020B0604020202020204" pitchFamily="34" charset="0"/>
-              <a:buChar char="•"/>
-              <a:defRPr sz="2800" kern="1200">
-                <a:solidFill>
-                  <a:schemeClr val="tx1"/>
-                </a:solidFill>
-                <a:latin typeface="+mn-lt"/>
-                <a:ea typeface="+mn-ea"/>
-                <a:cs typeface="+mn-cs"/>
-              </a:defRPr>
-            </a:lvl1pPr>
-            <a:lvl2pPr marL="685800" indent="-228600" algn="l" defTabSz="914400" rtl="0" eaLnBrk="1" latinLnBrk="0" hangingPunct="1">
-              <a:lnSpc>
-                <a:spcPct val="90000"/>
-              </a:lnSpc>
-              <a:spcBef>
-                <a:spcPts val="500"/>
-              </a:spcBef>
-              <a:buFont typeface="Arial" panose="020B0604020202020204" pitchFamily="34" charset="0"/>
-              <a:buChar char="•"/>
-              <a:defRPr sz="2400" kern="1200">
-                <a:solidFill>
-                  <a:schemeClr val="tx1"/>
-                </a:solidFill>
-                <a:latin typeface="+mn-lt"/>
-                <a:ea typeface="+mn-ea"/>
-                <a:cs typeface="+mn-cs"/>
-              </a:defRPr>
-            </a:lvl2pPr>
-            <a:lvl3pPr marL="1143000" indent="-228600" algn="l" defTabSz="914400" rtl="0" eaLnBrk="1" latinLnBrk="0" hangingPunct="1">
-              <a:lnSpc>
-                <a:spcPct val="90000"/>
-              </a:lnSpc>
-              <a:spcBef>
-                <a:spcPts val="500"/>
-              </a:spcBef>
-              <a:buFont typeface="Arial" panose="020B0604020202020204" pitchFamily="34" charset="0"/>
-              <a:buChar char="•"/>
-              <a:defRPr sz="2000" kern="1200">
-                <a:solidFill>
-                  <a:schemeClr val="tx1"/>
-                </a:solidFill>
-                <a:latin typeface="+mn-lt"/>
-                <a:ea typeface="+mn-ea"/>
-                <a:cs typeface="+mn-cs"/>
-              </a:defRPr>
-            </a:lvl3pPr>
-            <a:lvl4pPr marL="1600200" indent="-228600" algn="l" defTabSz="914400" rtl="0" eaLnBrk="1" latinLnBrk="0" hangingPunct="1">
-              <a:lnSpc>
-                <a:spcPct val="90000"/>
-              </a:lnSpc>
-              <a:spcBef>
-                <a:spcPts val="500"/>
-              </a:spcBef>
-              <a:buFont typeface="Arial" panose="020B0604020202020204" pitchFamily="34" charset="0"/>
-              <a:buChar char="•"/>
-              <a:defRPr sz="1800" kern="1200">
-                <a:solidFill>
-                  <a:schemeClr val="tx1"/>
-                </a:solidFill>
-                <a:latin typeface="+mn-lt"/>
-                <a:ea typeface="+mn-ea"/>
-                <a:cs typeface="+mn-cs"/>
-              </a:defRPr>
-            </a:lvl4pPr>
-            <a:lvl5pPr marL="2057400" indent="-228600" algn="l" defTabSz="914400" rtl="0" eaLnBrk="1" latinLnBrk="0" hangingPunct="1">
-              <a:lnSpc>
-                <a:spcPct val="90000"/>
-              </a:lnSpc>
-              <a:spcBef>
-                <a:spcPts val="500"/>
-              </a:spcBef>
-              <a:buFont typeface="Arial" panose="020B0604020202020204" pitchFamily="34" charset="0"/>
-              <a:buChar char="•"/>
-              <a:defRPr sz="1800" kern="1200">
-                <a:solidFill>
-                  <a:schemeClr val="tx1"/>
-                </a:solidFill>
-                <a:latin typeface="+mn-lt"/>
-                <a:ea typeface="+mn-ea"/>
-                <a:cs typeface="+mn-cs"/>
-              </a:defRPr>
-            </a:lvl5pPr>
-            <a:lvl6pPr marL="2514600" indent="-228600" algn="l" defTabSz="914400" rtl="0" eaLnBrk="1" latinLnBrk="0" hangingPunct="1">
-              <a:lnSpc>
-                <a:spcPct val="90000"/>
-              </a:lnSpc>
-              <a:spcBef>
-                <a:spcPts val="500"/>
-              </a:spcBef>
-              <a:buFont typeface="Arial" panose="020B0604020202020204" pitchFamily="34" charset="0"/>
-              <a:buChar char="•"/>
-              <a:defRPr sz="1800" kern="1200">
-                <a:solidFill>
-                  <a:schemeClr val="tx1"/>
-                </a:solidFill>
-                <a:latin typeface="+mn-lt"/>
-                <a:ea typeface="+mn-ea"/>
-                <a:cs typeface="+mn-cs"/>
-              </a:defRPr>
-            </a:lvl6pPr>
-            <a:lvl7pPr marL="2971800" indent="-228600" algn="l" defTabSz="914400" rtl="0" eaLnBrk="1" latinLnBrk="0" hangingPunct="1">
-              <a:lnSpc>
-                <a:spcPct val="90000"/>
-              </a:lnSpc>
-              <a:spcBef>
-                <a:spcPts val="500"/>
-              </a:spcBef>
-              <a:buFont typeface="Arial" panose="020B0604020202020204" pitchFamily="34" charset="0"/>
-              <a:buChar char="•"/>
-              <a:defRPr sz="1800" kern="1200">
-                <a:solidFill>
-                  <a:schemeClr val="tx1"/>
-                </a:solidFill>
-                <a:latin typeface="+mn-lt"/>
-                <a:ea typeface="+mn-ea"/>
-                <a:cs typeface="+mn-cs"/>
-              </a:defRPr>
-            </a:lvl7pPr>
-            <a:lvl8pPr marL="3429000" indent="-228600" algn="l" defTabSz="914400" rtl="0" eaLnBrk="1" latinLnBrk="0" hangingPunct="1">
-              <a:lnSpc>
-                <a:spcPct val="90000"/>
-              </a:lnSpc>
-              <a:spcBef>
-                <a:spcPts val="500"/>
-              </a:spcBef>
-              <a:buFont typeface="Arial" panose="020B0604020202020204" pitchFamily="34" charset="0"/>
-              <a:buChar char="•"/>
-              <a:defRPr sz="1800" kern="1200">
-                <a:solidFill>
-                  <a:schemeClr val="tx1"/>
-                </a:solidFill>
-                <a:latin typeface="+mn-lt"/>
-                <a:ea typeface="+mn-ea"/>
-                <a:cs typeface="+mn-cs"/>
-              </a:defRPr>
-            </a:lvl8pPr>
-            <a:lvl9pPr marL="3886200" indent="-228600" algn="l" defTabSz="914400" rtl="0" eaLnBrk="1" latinLnBrk="0" hangingPunct="1">
-              <a:lnSpc>
-                <a:spcPct val="90000"/>
-              </a:lnSpc>
-              <a:spcBef>
-                <a:spcPts val="500"/>
-              </a:spcBef>
-              <a:buFont typeface="Arial" panose="020B0604020202020204" pitchFamily="34" charset="0"/>
-              <a:buChar char="•"/>
-              <a:defRPr sz="1800" kern="1200">
-                <a:solidFill>
-                  <a:schemeClr val="tx1"/>
-                </a:solidFill>
-                <a:latin typeface="+mn-lt"/>
-                <a:ea typeface="+mn-ea"/>
-                <a:cs typeface="+mn-cs"/>
-              </a:defRPr>
-            </a:lvl9pPr>
-          </a:lstStyle>
-          <a:p>
-            <a:pPr marL="0" indent="0">
-              <a:buNone/>
-            </a:pPr>
-            <a:r>
-              <a:rPr lang="en-US" altLang="zh-CN" sz="2000" dirty="0">
-                <a:solidFill>
-                  <a:schemeClr val="accent5"/>
-                </a:solidFill>
-                <a:latin typeface="+mj-ea"/>
-                <a:ea typeface="+mj-ea"/>
-              </a:rPr>
-              <a:t>RECOMMENDATION MODEL</a:t>
-            </a:r>
-            <a:endParaRPr lang="en-GB" sz="2000" dirty="0">
-              <a:solidFill>
-                <a:schemeClr val="accent5"/>
-              </a:solidFill>
-              <a:latin typeface="+mj-ea"/>
-              <a:ea typeface="+mj-ea"/>
-            </a:endParaRPr>
-          </a:p>
-        </p:txBody>
-      </p:sp>
-      <p:sp>
-        <p:nvSpPr>
-          <p:cNvPr id="2" name="文本框 1">
-            <a:extLst>
-              <a:ext uri="{FF2B5EF4-FFF2-40B4-BE49-F238E27FC236}">
-                <a16:creationId xmlns:a16="http://schemas.microsoft.com/office/drawing/2014/main" id="{91B30BA7-74AF-4614-AA48-FF4622AD5F4A}"/>
-              </a:ext>
-            </a:extLst>
-          </p:cNvPr>
-          <p:cNvSpPr txBox="1"/>
-          <p:nvPr/>
-        </p:nvSpPr>
-        <p:spPr>
-          <a:xfrm>
-            <a:off x="1905000" y="2433691"/>
-            <a:ext cx="8324222" cy="2893100"/>
-          </a:xfrm>
-          <a:prstGeom prst="rect">
-            <a:avLst/>
-          </a:prstGeom>
-          <a:noFill/>
-        </p:spPr>
-        <p:txBody>
-          <a:bodyPr wrap="square" rtlCol="0">
-            <a:spAutoFit/>
-          </a:bodyPr>
-          <a:lstStyle/>
-          <a:p>
-            <a:pPr marL="285750" indent="-285750" algn="just" latinLnBrk="1">
-              <a:lnSpc>
-                <a:spcPct val="120000"/>
-              </a:lnSpc>
-              <a:buFont typeface="Arial" panose="020B0604020202020204" pitchFamily="34" charset="0"/>
-              <a:buChar char="•"/>
-            </a:pPr>
-            <a:r>
-              <a:rPr lang="en-US" altLang="zh-CN" sz="1400" dirty="0">
-                <a:latin typeface="+mn-ea"/>
-              </a:rPr>
-              <a:t>Created a recommendation model with 3 inputs: Total Occurrence for a landmark, Neighbor Occurrence for a landmark, transportation Time for a landmark</a:t>
-            </a:r>
-          </a:p>
-          <a:p>
-            <a:pPr marL="285750" indent="-285750" algn="just" latinLnBrk="1">
-              <a:lnSpc>
-                <a:spcPct val="120000"/>
-              </a:lnSpc>
-              <a:buFont typeface="Arial" panose="020B0604020202020204" pitchFamily="34" charset="0"/>
-              <a:buChar char="•"/>
-            </a:pPr>
-            <a:endParaRPr lang="en-US" altLang="zh-CN" sz="1400" dirty="0">
-              <a:latin typeface="+mn-ea"/>
-            </a:endParaRPr>
-          </a:p>
-          <a:p>
-            <a:pPr marL="285750" indent="-285750" algn="just" latinLnBrk="1">
-              <a:lnSpc>
-                <a:spcPct val="120000"/>
-              </a:lnSpc>
-              <a:buFont typeface="Arial" panose="020B0604020202020204" pitchFamily="34" charset="0"/>
-              <a:buChar char="•"/>
-            </a:pPr>
-            <a:r>
-              <a:rPr lang="en-US" altLang="zh-CN" sz="1400" dirty="0">
-                <a:latin typeface="+mn-ea"/>
-              </a:rPr>
-              <a:t>Developed a heuristic benchmark formula for calculating a landmark’s rating: total + 0.5 * neighbor + 0.5 * 1/transportation</a:t>
-            </a:r>
-          </a:p>
-          <a:p>
-            <a:pPr marL="285750" indent="-285750" algn="just" latinLnBrk="1">
-              <a:lnSpc>
-                <a:spcPct val="120000"/>
-              </a:lnSpc>
-              <a:buFont typeface="Arial" panose="020B0604020202020204" pitchFamily="34" charset="0"/>
-              <a:buChar char="•"/>
-            </a:pPr>
-            <a:endParaRPr lang="en-US" altLang="zh-CN" sz="1400" dirty="0">
-              <a:latin typeface="+mn-ea"/>
-            </a:endParaRPr>
-          </a:p>
-          <a:p>
-            <a:pPr marL="285750" indent="-285750" latinLnBrk="1">
-              <a:lnSpc>
-                <a:spcPct val="120000"/>
-              </a:lnSpc>
-              <a:buFont typeface="Arial" panose="020B0604020202020204" pitchFamily="34" charset="0"/>
-              <a:buChar char="•"/>
-            </a:pPr>
-            <a:r>
-              <a:rPr lang="en-US" altLang="zh-CN" sz="1400" dirty="0">
-                <a:latin typeface="+mn-ea"/>
-              </a:rPr>
-              <a:t>Trained four machine learning models including Decision Trees, Logistic Regression, Random Forests, and SVM to predict the scores. The mode score among these models is selected as the final score for a parti-</a:t>
-            </a:r>
-            <a:r>
-              <a:rPr lang="en-US" altLang="zh-CN" sz="1400" dirty="0" err="1">
-                <a:latin typeface="+mn-ea"/>
-              </a:rPr>
-              <a:t>cular</a:t>
-            </a:r>
-            <a:r>
-              <a:rPr lang="en-US" altLang="zh-CN" sz="1400" dirty="0">
-                <a:latin typeface="+mn-ea"/>
-              </a:rPr>
-              <a:t> landmark.</a:t>
-            </a:r>
-            <a:br>
-              <a:rPr lang="en-US" altLang="zh-CN" sz="1400" dirty="0">
-                <a:latin typeface="+mn-ea"/>
-              </a:rPr>
-            </a:br>
-            <a:endParaRPr lang="en-US" altLang="zh-CN" sz="1400" dirty="0">
-              <a:latin typeface="+mn-ea"/>
-            </a:endParaRPr>
-          </a:p>
-          <a:p>
-            <a:endParaRPr lang="zh-CN" altLang="en-US" sz="1400" dirty="0"/>
-          </a:p>
-        </p:txBody>
-      </p:sp>
-      <p:sp>
-        <p:nvSpPr>
-          <p:cNvPr id="3" name="矩形 2">
-            <a:extLst>
-              <a:ext uri="{FF2B5EF4-FFF2-40B4-BE49-F238E27FC236}">
-                <a16:creationId xmlns:a16="http://schemas.microsoft.com/office/drawing/2014/main" id="{7E18D193-4A80-48F8-3CD2-8AB1E7FE5B5F}"/>
-              </a:ext>
-            </a:extLst>
-          </p:cNvPr>
-          <p:cNvSpPr/>
-          <p:nvPr/>
-        </p:nvSpPr>
-        <p:spPr>
-          <a:xfrm>
-            <a:off x="5390121" y="1937270"/>
-            <a:ext cx="67467" cy="67467"/>
-          </a:xfrm>
-          <a:prstGeom prst="rect">
-            <a:avLst/>
-          </a:prstGeom>
-          <a:solidFill>
-            <a:schemeClr val="accent5">
-              <a:lumMod val="40000"/>
-              <a:lumOff val="60000"/>
-            </a:schemeClr>
-          </a:solidFill>
-          <a:ln>
-            <a:noFill/>
-          </a:ln>
-        </p:spPr>
-        <p:style>
-          <a:lnRef idx="2">
-            <a:schemeClr val="accent1">
-              <a:shade val="50000"/>
-            </a:schemeClr>
-          </a:lnRef>
-          <a:fillRef idx="1">
-            <a:schemeClr val="accent1"/>
-          </a:fillRef>
-          <a:effectRef idx="0">
-            <a:schemeClr val="accent1"/>
-          </a:effectRef>
-          <a:fontRef idx="minor">
-            <a:schemeClr val="lt1"/>
-          </a:fontRef>
-        </p:style>
-        <p:txBody>
-          <a:bodyPr rtlCol="0" anchor="ctr">
-            <a:spAutoFit/>
-          </a:bodyPr>
-          <a:lstStyle/>
-          <a:p>
-            <a:pPr algn="ctr"/>
-            <a:endParaRPr lang="zh-CN" altLang="en-US"/>
-          </a:p>
-        </p:txBody>
-      </p:sp>
-      <p:sp>
-        <p:nvSpPr>
-          <p:cNvPr id="4" name="矩形 3">
-            <a:extLst>
-              <a:ext uri="{FF2B5EF4-FFF2-40B4-BE49-F238E27FC236}">
-                <a16:creationId xmlns:a16="http://schemas.microsoft.com/office/drawing/2014/main" id="{2B8B631C-7A18-5E04-8A35-C12049578033}"/>
-              </a:ext>
-            </a:extLst>
-          </p:cNvPr>
-          <p:cNvSpPr/>
-          <p:nvPr/>
-        </p:nvSpPr>
-        <p:spPr>
-          <a:xfrm>
-            <a:off x="5530208" y="1937269"/>
-            <a:ext cx="67467" cy="67467"/>
-          </a:xfrm>
-          <a:prstGeom prst="rect">
-            <a:avLst/>
-          </a:prstGeom>
-          <a:solidFill>
-            <a:schemeClr val="accent5">
-              <a:lumMod val="40000"/>
-              <a:lumOff val="60000"/>
-            </a:schemeClr>
-          </a:solidFill>
-          <a:ln>
-            <a:noFill/>
-          </a:ln>
-        </p:spPr>
-        <p:style>
-          <a:lnRef idx="2">
-            <a:schemeClr val="accent1">
-              <a:shade val="50000"/>
-            </a:schemeClr>
-          </a:lnRef>
-          <a:fillRef idx="1">
-            <a:schemeClr val="accent1"/>
-          </a:fillRef>
-          <a:effectRef idx="0">
-            <a:schemeClr val="accent1"/>
-          </a:effectRef>
-          <a:fontRef idx="minor">
-            <a:schemeClr val="lt1"/>
-          </a:fontRef>
-        </p:style>
-        <p:txBody>
-          <a:bodyPr rtlCol="0" anchor="ctr">
-            <a:spAutoFit/>
-          </a:bodyPr>
-          <a:lstStyle/>
-          <a:p>
-            <a:pPr algn="ctr"/>
-            <a:endParaRPr lang="zh-CN" altLang="en-US"/>
-          </a:p>
-        </p:txBody>
-      </p:sp>
-      <p:sp>
-        <p:nvSpPr>
-          <p:cNvPr id="5" name="矩形 4">
-            <a:extLst>
-              <a:ext uri="{FF2B5EF4-FFF2-40B4-BE49-F238E27FC236}">
-                <a16:creationId xmlns:a16="http://schemas.microsoft.com/office/drawing/2014/main" id="{1E273586-BC3E-61CF-5FF3-521A32CDDF0C}"/>
-              </a:ext>
-            </a:extLst>
-          </p:cNvPr>
-          <p:cNvSpPr/>
-          <p:nvPr/>
-        </p:nvSpPr>
-        <p:spPr>
-          <a:xfrm>
-            <a:off x="5670295" y="1937269"/>
-            <a:ext cx="67467" cy="67467"/>
-          </a:xfrm>
-          <a:prstGeom prst="rect">
-            <a:avLst/>
-          </a:prstGeom>
-          <a:solidFill>
-            <a:schemeClr val="accent5">
-              <a:lumMod val="40000"/>
-              <a:lumOff val="60000"/>
-            </a:schemeClr>
-          </a:solidFill>
-          <a:ln>
-            <a:noFill/>
-          </a:ln>
-        </p:spPr>
-        <p:style>
-          <a:lnRef idx="2">
-            <a:schemeClr val="accent1">
-              <a:shade val="50000"/>
-            </a:schemeClr>
-          </a:lnRef>
-          <a:fillRef idx="1">
-            <a:schemeClr val="accent1"/>
-          </a:fillRef>
-          <a:effectRef idx="0">
-            <a:schemeClr val="accent1"/>
-          </a:effectRef>
-          <a:fontRef idx="minor">
-            <a:schemeClr val="lt1"/>
-          </a:fontRef>
-        </p:style>
-        <p:txBody>
-          <a:bodyPr rtlCol="0" anchor="ctr">
-            <a:spAutoFit/>
-          </a:bodyPr>
-          <a:lstStyle/>
-          <a:p>
-            <a:pPr algn="ctr"/>
-            <a:endParaRPr lang="zh-CN" altLang="en-US"/>
-          </a:p>
-        </p:txBody>
-      </p:sp>
-      <p:sp>
-        <p:nvSpPr>
-          <p:cNvPr id="6" name="任意多边形: 形状 5">
-            <a:extLst>
-              <a:ext uri="{FF2B5EF4-FFF2-40B4-BE49-F238E27FC236}">
-                <a16:creationId xmlns:a16="http://schemas.microsoft.com/office/drawing/2014/main" id="{6677F700-0429-281B-F100-9363382EA496}"/>
-              </a:ext>
-            </a:extLst>
-          </p:cNvPr>
-          <p:cNvSpPr/>
-          <p:nvPr/>
-        </p:nvSpPr>
-        <p:spPr>
-          <a:xfrm>
-            <a:off x="1147731" y="1625307"/>
-            <a:ext cx="532174" cy="609685"/>
-          </a:xfrm>
-          <a:custGeom>
-            <a:avLst/>
-            <a:gdLst>
-              <a:gd name="T0" fmla="*/ 228 w 11085"/>
-              <a:gd name="T1" fmla="*/ 3017 h 12699"/>
-              <a:gd name="T2" fmla="*/ 5314 w 11085"/>
-              <a:gd name="T3" fmla="*/ 81 h 12699"/>
-              <a:gd name="T4" fmla="*/ 5771 w 11085"/>
-              <a:gd name="T5" fmla="*/ 81 h 12699"/>
-              <a:gd name="T6" fmla="*/ 10856 w 11085"/>
-              <a:gd name="T7" fmla="*/ 3017 h 12699"/>
-              <a:gd name="T8" fmla="*/ 11085 w 11085"/>
-              <a:gd name="T9" fmla="*/ 3413 h 12699"/>
-              <a:gd name="T10" fmla="*/ 11085 w 11085"/>
-              <a:gd name="T11" fmla="*/ 9285 h 12699"/>
-              <a:gd name="T12" fmla="*/ 10856 w 11085"/>
-              <a:gd name="T13" fmla="*/ 9681 h 12699"/>
-              <a:gd name="T14" fmla="*/ 5771 w 11085"/>
-              <a:gd name="T15" fmla="*/ 12617 h 12699"/>
-              <a:gd name="T16" fmla="*/ 5314 w 11085"/>
-              <a:gd name="T17" fmla="*/ 12617 h 12699"/>
-              <a:gd name="T18" fmla="*/ 228 w 11085"/>
-              <a:gd name="T19" fmla="*/ 9681 h 12699"/>
-              <a:gd name="T20" fmla="*/ 0 w 11085"/>
-              <a:gd name="T21" fmla="*/ 9285 h 12699"/>
-              <a:gd name="T22" fmla="*/ 0 w 11085"/>
-              <a:gd name="T23" fmla="*/ 3413 h 12699"/>
-              <a:gd name="T24" fmla="*/ 228 w 11085"/>
-              <a:gd name="T25" fmla="*/ 3017 h 12699"/>
-              <a:gd name="T26" fmla="*/ 973 w 11085"/>
-              <a:gd name="T27" fmla="*/ 3645 h 12699"/>
-              <a:gd name="T28" fmla="*/ 915 w 11085"/>
-              <a:gd name="T29" fmla="*/ 3744 h 12699"/>
-              <a:gd name="T30" fmla="*/ 915 w 11085"/>
-              <a:gd name="T31" fmla="*/ 8955 h 12699"/>
-              <a:gd name="T32" fmla="*/ 973 w 11085"/>
-              <a:gd name="T33" fmla="*/ 9054 h 12699"/>
-              <a:gd name="T34" fmla="*/ 5485 w 11085"/>
-              <a:gd name="T35" fmla="*/ 11659 h 12699"/>
-              <a:gd name="T36" fmla="*/ 5600 w 11085"/>
-              <a:gd name="T37" fmla="*/ 11659 h 12699"/>
-              <a:gd name="T38" fmla="*/ 10112 w 11085"/>
-              <a:gd name="T39" fmla="*/ 9054 h 12699"/>
-              <a:gd name="T40" fmla="*/ 10170 w 11085"/>
-              <a:gd name="T41" fmla="*/ 8955 h 12699"/>
-              <a:gd name="T42" fmla="*/ 10170 w 11085"/>
-              <a:gd name="T43" fmla="*/ 3744 h 12699"/>
-              <a:gd name="T44" fmla="*/ 10112 w 11085"/>
-              <a:gd name="T45" fmla="*/ 3645 h 12699"/>
-              <a:gd name="T46" fmla="*/ 5600 w 11085"/>
-              <a:gd name="T47" fmla="*/ 1039 h 12699"/>
-              <a:gd name="T48" fmla="*/ 5485 w 11085"/>
-              <a:gd name="T49" fmla="*/ 1039 h 12699"/>
-              <a:gd name="T50" fmla="*/ 973 w 11085"/>
-              <a:gd name="T51" fmla="*/ 3645 h 12699"/>
-              <a:gd name="T52" fmla="*/ 5538 w 11085"/>
-              <a:gd name="T53" fmla="*/ 5880 h 12699"/>
-              <a:gd name="T54" fmla="*/ 9058 w 11085"/>
-              <a:gd name="T55" fmla="*/ 3848 h 12699"/>
-              <a:gd name="T56" fmla="*/ 9682 w 11085"/>
-              <a:gd name="T57" fmla="*/ 4015 h 12699"/>
-              <a:gd name="T58" fmla="*/ 9515 w 11085"/>
-              <a:gd name="T59" fmla="*/ 4639 h 12699"/>
-              <a:gd name="T60" fmla="*/ 6004 w 11085"/>
-              <a:gd name="T61" fmla="*/ 6666 h 12699"/>
-              <a:gd name="T62" fmla="*/ 6004 w 11085"/>
-              <a:gd name="T63" fmla="*/ 10685 h 12699"/>
-              <a:gd name="T64" fmla="*/ 5547 w 11085"/>
-              <a:gd name="T65" fmla="*/ 11142 h 12699"/>
-              <a:gd name="T66" fmla="*/ 5090 w 11085"/>
-              <a:gd name="T67" fmla="*/ 10685 h 12699"/>
-              <a:gd name="T68" fmla="*/ 5090 w 11085"/>
-              <a:gd name="T69" fmla="*/ 6677 h 12699"/>
-              <a:gd name="T70" fmla="*/ 1573 w 11085"/>
-              <a:gd name="T71" fmla="*/ 4647 h 12699"/>
-              <a:gd name="T72" fmla="*/ 1406 w 11085"/>
-              <a:gd name="T73" fmla="*/ 4022 h 12699"/>
-              <a:gd name="T74" fmla="*/ 2030 w 11085"/>
-              <a:gd name="T75" fmla="*/ 3855 h 12699"/>
-              <a:gd name="T76" fmla="*/ 5538 w 11085"/>
-              <a:gd name="T77" fmla="*/ 5880 h 12699"/>
-            </a:gdLst>
-            <a:ahLst/>
-            <a:cxnLst>
-              <a:cxn ang="0">
-                <a:pos x="T0" y="T1"/>
-              </a:cxn>
-              <a:cxn ang="0">
-                <a:pos x="T2" y="T3"/>
-              </a:cxn>
-              <a:cxn ang="0">
-                <a:pos x="T4" y="T5"/>
-              </a:cxn>
-              <a:cxn ang="0">
-                <a:pos x="T6" y="T7"/>
-              </a:cxn>
-              <a:cxn ang="0">
-                <a:pos x="T8" y="T9"/>
-              </a:cxn>
-              <a:cxn ang="0">
-                <a:pos x="T10" y="T11"/>
-              </a:cxn>
-              <a:cxn ang="0">
-                <a:pos x="T12" y="T13"/>
-              </a:cxn>
-              <a:cxn ang="0">
-                <a:pos x="T14" y="T15"/>
-              </a:cxn>
-              <a:cxn ang="0">
-                <a:pos x="T16" y="T17"/>
-              </a:cxn>
-              <a:cxn ang="0">
-                <a:pos x="T18" y="T19"/>
-              </a:cxn>
-              <a:cxn ang="0">
-                <a:pos x="T20" y="T21"/>
-              </a:cxn>
-              <a:cxn ang="0">
-                <a:pos x="T22" y="T23"/>
-              </a:cxn>
-              <a:cxn ang="0">
-                <a:pos x="T24" y="T25"/>
-              </a:cxn>
-              <a:cxn ang="0">
-                <a:pos x="T26" y="T27"/>
-              </a:cxn>
-              <a:cxn ang="0">
-                <a:pos x="T28" y="T29"/>
-              </a:cxn>
-              <a:cxn ang="0">
-                <a:pos x="T30" y="T31"/>
-              </a:cxn>
-              <a:cxn ang="0">
-                <a:pos x="T32" y="T33"/>
-              </a:cxn>
-              <a:cxn ang="0">
-                <a:pos x="T34" y="T35"/>
-              </a:cxn>
-              <a:cxn ang="0">
-                <a:pos x="T36" y="T37"/>
-              </a:cxn>
-              <a:cxn ang="0">
-                <a:pos x="T38" y="T39"/>
-              </a:cxn>
-              <a:cxn ang="0">
-                <a:pos x="T40" y="T41"/>
-              </a:cxn>
-              <a:cxn ang="0">
-                <a:pos x="T42" y="T43"/>
-              </a:cxn>
-              <a:cxn ang="0">
-                <a:pos x="T44" y="T45"/>
-              </a:cxn>
-              <a:cxn ang="0">
-                <a:pos x="T46" y="T47"/>
-              </a:cxn>
-              <a:cxn ang="0">
-                <a:pos x="T48" y="T49"/>
-              </a:cxn>
-              <a:cxn ang="0">
-                <a:pos x="T50" y="T51"/>
-              </a:cxn>
-              <a:cxn ang="0">
-                <a:pos x="T52" y="T53"/>
-              </a:cxn>
-              <a:cxn ang="0">
-                <a:pos x="T54" y="T55"/>
-              </a:cxn>
-              <a:cxn ang="0">
-                <a:pos x="T56" y="T57"/>
-              </a:cxn>
-              <a:cxn ang="0">
-                <a:pos x="T58" y="T59"/>
-              </a:cxn>
-              <a:cxn ang="0">
-                <a:pos x="T60" y="T61"/>
-              </a:cxn>
-              <a:cxn ang="0">
-                <a:pos x="T62" y="T63"/>
-              </a:cxn>
-              <a:cxn ang="0">
-                <a:pos x="T64" y="T65"/>
-              </a:cxn>
-              <a:cxn ang="0">
-                <a:pos x="T66" y="T67"/>
-              </a:cxn>
-              <a:cxn ang="0">
-                <a:pos x="T68" y="T69"/>
-              </a:cxn>
-              <a:cxn ang="0">
-                <a:pos x="T70" y="T71"/>
-              </a:cxn>
-              <a:cxn ang="0">
-                <a:pos x="T72" y="T73"/>
-              </a:cxn>
-              <a:cxn ang="0">
-                <a:pos x="T74" y="T75"/>
-              </a:cxn>
-              <a:cxn ang="0">
-                <a:pos x="T76" y="T77"/>
-              </a:cxn>
-            </a:cxnLst>
-            <a:rect l="0" t="0" r="r" b="b"/>
-            <a:pathLst>
-              <a:path w="11085" h="12699">
-                <a:moveTo>
-                  <a:pt x="228" y="3017"/>
-                </a:moveTo>
-                <a:lnTo>
-                  <a:pt x="5314" y="81"/>
-                </a:lnTo>
-                <a:cubicBezTo>
-                  <a:pt x="5455" y="0"/>
-                  <a:pt x="5630" y="0"/>
-                  <a:pt x="5771" y="81"/>
-                </a:cubicBezTo>
-                <a:lnTo>
-                  <a:pt x="10856" y="3017"/>
-                </a:lnTo>
-                <a:cubicBezTo>
-                  <a:pt x="10998" y="3099"/>
-                  <a:pt x="11085" y="3250"/>
-                  <a:pt x="11085" y="3413"/>
-                </a:cubicBezTo>
-                <a:lnTo>
-                  <a:pt x="11085" y="9285"/>
-                </a:lnTo>
-                <a:cubicBezTo>
-                  <a:pt x="11085" y="9449"/>
-                  <a:pt x="10998" y="9600"/>
-                  <a:pt x="10856" y="9681"/>
-                </a:cubicBezTo>
-                <a:lnTo>
-                  <a:pt x="5771" y="12617"/>
-                </a:lnTo>
-                <a:cubicBezTo>
-                  <a:pt x="5630" y="12699"/>
-                  <a:pt x="5455" y="12699"/>
-                  <a:pt x="5314" y="12617"/>
-                </a:cubicBezTo>
-                <a:lnTo>
-                  <a:pt x="228" y="9681"/>
-                </a:lnTo>
-                <a:cubicBezTo>
-                  <a:pt x="87" y="9600"/>
-                  <a:pt x="0" y="9449"/>
-                  <a:pt x="0" y="9285"/>
-                </a:cubicBezTo>
-                <a:lnTo>
-                  <a:pt x="0" y="3413"/>
-                </a:lnTo>
-                <a:cubicBezTo>
-                  <a:pt x="0" y="3250"/>
-                  <a:pt x="87" y="3099"/>
-                  <a:pt x="228" y="3017"/>
-                </a:cubicBezTo>
-                <a:close/>
-                <a:moveTo>
-                  <a:pt x="973" y="3645"/>
-                </a:moveTo>
-                <a:cubicBezTo>
-                  <a:pt x="937" y="3665"/>
-                  <a:pt x="915" y="3703"/>
-                  <a:pt x="915" y="3744"/>
-                </a:cubicBezTo>
-                <a:lnTo>
-                  <a:pt x="915" y="8955"/>
-                </a:lnTo>
-                <a:cubicBezTo>
-                  <a:pt x="915" y="8995"/>
-                  <a:pt x="937" y="9033"/>
-                  <a:pt x="973" y="9054"/>
-                </a:cubicBezTo>
-                <a:lnTo>
-                  <a:pt x="5485" y="11659"/>
-                </a:lnTo>
-                <a:cubicBezTo>
-                  <a:pt x="5521" y="11679"/>
-                  <a:pt x="5564" y="11679"/>
-                  <a:pt x="5600" y="11659"/>
-                </a:cubicBezTo>
-                <a:lnTo>
-                  <a:pt x="10112" y="9054"/>
-                </a:lnTo>
-                <a:cubicBezTo>
-                  <a:pt x="10148" y="9033"/>
-                  <a:pt x="10170" y="8995"/>
-                  <a:pt x="10170" y="8955"/>
-                </a:cubicBezTo>
-                <a:lnTo>
-                  <a:pt x="10170" y="3744"/>
-                </a:lnTo>
-                <a:cubicBezTo>
-                  <a:pt x="10170" y="3703"/>
-                  <a:pt x="10148" y="3665"/>
-                  <a:pt x="10112" y="3645"/>
-                </a:cubicBezTo>
-                <a:lnTo>
-                  <a:pt x="5600" y="1039"/>
-                </a:lnTo>
-                <a:cubicBezTo>
-                  <a:pt x="5564" y="1019"/>
-                  <a:pt x="5521" y="1019"/>
-                  <a:pt x="5485" y="1039"/>
-                </a:cubicBezTo>
-                <a:lnTo>
-                  <a:pt x="973" y="3645"/>
-                </a:lnTo>
-                <a:close/>
-                <a:moveTo>
-                  <a:pt x="5538" y="5880"/>
-                </a:moveTo>
-                <a:lnTo>
-                  <a:pt x="9058" y="3848"/>
-                </a:lnTo>
-                <a:cubicBezTo>
-                  <a:pt x="9276" y="3721"/>
-                  <a:pt x="9556" y="3796"/>
-                  <a:pt x="9682" y="4015"/>
-                </a:cubicBezTo>
-                <a:cubicBezTo>
-                  <a:pt x="9808" y="4234"/>
-                  <a:pt x="9733" y="4513"/>
-                  <a:pt x="9515" y="4639"/>
-                </a:cubicBezTo>
-                <a:lnTo>
-                  <a:pt x="6004" y="6666"/>
-                </a:lnTo>
-                <a:lnTo>
-                  <a:pt x="6004" y="10685"/>
-                </a:lnTo>
-                <a:cubicBezTo>
-                  <a:pt x="6004" y="10937"/>
-                  <a:pt x="5799" y="11142"/>
-                  <a:pt x="5547" y="11142"/>
-                </a:cubicBezTo>
-                <a:cubicBezTo>
-                  <a:pt x="5295" y="11142"/>
-                  <a:pt x="5090" y="10937"/>
-                  <a:pt x="5090" y="10685"/>
-                </a:cubicBezTo>
-                <a:lnTo>
-                  <a:pt x="5090" y="6677"/>
-                </a:lnTo>
-                <a:lnTo>
-                  <a:pt x="1573" y="4647"/>
-                </a:lnTo>
-                <a:cubicBezTo>
-                  <a:pt x="1354" y="4520"/>
-                  <a:pt x="1280" y="4241"/>
-                  <a:pt x="1406" y="4022"/>
-                </a:cubicBezTo>
-                <a:cubicBezTo>
-                  <a:pt x="1532" y="3803"/>
-                  <a:pt x="1812" y="3728"/>
-                  <a:pt x="2030" y="3855"/>
-                </a:cubicBezTo>
-                <a:lnTo>
-                  <a:pt x="5538" y="5880"/>
-                </a:lnTo>
-                <a:close/>
-              </a:path>
-            </a:pathLst>
-          </a:custGeom>
-          <a:solidFill>
-            <a:srgbClr val="BDD7EE"/>
-          </a:solidFill>
-          <a:ln>
-            <a:noFill/>
-          </a:ln>
-        </p:spPr>
-        <p:style>
-          <a:lnRef idx="2">
-            <a:schemeClr val="accent1">
-              <a:shade val="50000"/>
-            </a:schemeClr>
-          </a:lnRef>
-          <a:fillRef idx="1">
-            <a:schemeClr val="accent1"/>
-          </a:fillRef>
-          <a:effectRef idx="0">
-            <a:schemeClr val="accent1"/>
-          </a:effectRef>
-          <a:fontRef idx="minor">
-            <a:schemeClr val="lt1"/>
-          </a:fontRef>
-        </p:style>
-        <p:txBody>
-          <a:bodyPr rtlCol="0" anchor="ctr"/>
-          <a:lstStyle/>
-          <a:p>
-            <a:pPr algn="ctr"/>
-            <a:endParaRPr lang="en-US"/>
-          </a:p>
-        </p:txBody>
-      </p:sp>
-    </p:spTree>
-    <p:extLst>
-      <p:ext uri="{BB962C8B-B14F-4D97-AF65-F5344CB8AC3E}">
-        <p14:creationId xmlns:p14="http://schemas.microsoft.com/office/powerpoint/2010/main" val="1834872438"/>
-      </p:ext>
-    </p:extLst>
-  </p:cSld>
-  <p:clrMapOvr>
-    <a:masterClrMapping/>
-  </p:clrMapOvr>
-</p:sld>
-</file>
-
 <file path=ppt/tags/tag1.xml><?xml version="1.0" encoding="utf-8"?>
 <p:tagLst xmlns:a="http://schemas.openxmlformats.org/drawingml/2006/main" xmlns:r="http://schemas.openxmlformats.org/officeDocument/2006/relationships" xmlns:p="http://schemas.openxmlformats.org/presentationml/2006/main">
   <p:tag name="ISLIDE.GUIDESSETTING" val="{&quot;Id&quot;:&quot;GuidesStyle_Normal&quot;,&quot;Name&quot;:&quot;正常&quot;,&quot;Kind&quot;:&quot;System&quot;,&quot;OldGuidesSetting&quot;:{&quot;HeaderHeight&quot;:15.0,&quot;FooterHeight&quot;:9.0,&quot;SideMargin&quot;:5.5,&quot;TopMargin&quot;:0.0,&quot;BottomMargin&quot;:0.0,&quot;IntervalMargin&quot;:1.5}}"/>

--- a/Presentation.pptx
+++ b/Presentation.pptx
@@ -4,6 +4,9 @@
   <p:sldMasterIdLst>
     <p:sldMasterId id="2147483648" r:id="rId1"/>
   </p:sldMasterIdLst>
+  <p:notesMasterIdLst>
+    <p:notesMasterId r:id="rId21"/>
+  </p:notesMasterIdLst>
   <p:sldIdLst>
     <p:sldId id="256" r:id="rId2"/>
     <p:sldId id="327" r:id="rId3"/>
@@ -28,7 +31,7 @@
   <p:sldSz cx="12192000" cy="6858000"/>
   <p:notesSz cx="6858000" cy="9144000"/>
   <p:custDataLst>
-    <p:tags r:id="rId21"/>
+    <p:tags r:id="rId22"/>
   </p:custDataLst>
   <p:defaultTextStyle>
     <a:defPPr>
@@ -133,6 +136,595 @@
 </p:presentation>
 </file>
 
+<file path=ppt/notesMasters/notesMaster1.xml><?xml version="1.0" encoding="utf-8"?>
+<p:notesMaster xmlns:a="http://schemas.openxmlformats.org/drawingml/2006/main" xmlns:r="http://schemas.openxmlformats.org/officeDocument/2006/relationships" xmlns:p="http://schemas.openxmlformats.org/presentationml/2006/main">
+  <p:cSld>
+    <p:bg>
+      <p:bgRef idx="1001">
+        <a:schemeClr val="bg1"/>
+      </p:bgRef>
+    </p:bg>
+    <p:spTree>
+      <p:nvGrpSpPr>
+        <p:cNvPr id="1" name=""/>
+        <p:cNvGrpSpPr/>
+        <p:nvPr/>
+      </p:nvGrpSpPr>
+      <p:grpSpPr>
+        <a:xfrm>
+          <a:off x="0" y="0"/>
+          <a:ext cx="0" cy="0"/>
+          <a:chOff x="0" y="0"/>
+          <a:chExt cx="0" cy="0"/>
+        </a:xfrm>
+      </p:grpSpPr>
+      <p:sp>
+        <p:nvSpPr>
+          <p:cNvPr id="2" name="页眉占位符 1"/>
+          <p:cNvSpPr>
+            <a:spLocks noGrp="1"/>
+          </p:cNvSpPr>
+          <p:nvPr>
+            <p:ph type="hdr" sz="quarter"/>
+          </p:nvPr>
+        </p:nvSpPr>
+        <p:spPr>
+          <a:xfrm>
+            <a:off x="0" y="0"/>
+            <a:ext cx="2971800" cy="458788"/>
+          </a:xfrm>
+          <a:prstGeom prst="rect">
+            <a:avLst/>
+          </a:prstGeom>
+        </p:spPr>
+        <p:txBody>
+          <a:bodyPr vert="horz" lIns="91440" tIns="45720" rIns="91440" bIns="45720" rtlCol="0"/>
+          <a:lstStyle>
+            <a:lvl1pPr algn="l">
+              <a:defRPr sz="1200"/>
+            </a:lvl1pPr>
+          </a:lstStyle>
+          <a:p>
+            <a:endParaRPr lang="zh-CN" altLang="en-US"/>
+          </a:p>
+        </p:txBody>
+      </p:sp>
+      <p:sp>
+        <p:nvSpPr>
+          <p:cNvPr id="3" name="日期占位符 2"/>
+          <p:cNvSpPr>
+            <a:spLocks noGrp="1"/>
+          </p:cNvSpPr>
+          <p:nvPr>
+            <p:ph type="dt" idx="1"/>
+          </p:nvPr>
+        </p:nvSpPr>
+        <p:spPr>
+          <a:xfrm>
+            <a:off x="3884613" y="0"/>
+            <a:ext cx="2971800" cy="458788"/>
+          </a:xfrm>
+          <a:prstGeom prst="rect">
+            <a:avLst/>
+          </a:prstGeom>
+        </p:spPr>
+        <p:txBody>
+          <a:bodyPr vert="horz" lIns="91440" tIns="45720" rIns="91440" bIns="45720" rtlCol="0"/>
+          <a:lstStyle>
+            <a:lvl1pPr algn="r">
+              <a:defRPr sz="1200"/>
+            </a:lvl1pPr>
+          </a:lstStyle>
+          <a:p>
+            <a:fld id="{2EF70BC2-80EC-45ED-A279-226ECAAB1C17}" type="datetimeFigureOut">
+              <a:rPr lang="zh-CN" altLang="en-US" smtClean="0"/>
+              <a:t>2023/7/25</a:t>
+            </a:fld>
+            <a:endParaRPr lang="zh-CN" altLang="en-US"/>
+          </a:p>
+        </p:txBody>
+      </p:sp>
+      <p:sp>
+        <p:nvSpPr>
+          <p:cNvPr id="4" name="幻灯片图像占位符 3"/>
+          <p:cNvSpPr>
+            <a:spLocks noGrp="1" noRot="1" noChangeAspect="1"/>
+          </p:cNvSpPr>
+          <p:nvPr>
+            <p:ph type="sldImg" idx="2"/>
+          </p:nvPr>
+        </p:nvSpPr>
+        <p:spPr>
+          <a:xfrm>
+            <a:off x="685800" y="1143000"/>
+            <a:ext cx="5486400" cy="3086100"/>
+          </a:xfrm>
+          <a:prstGeom prst="rect">
+            <a:avLst/>
+          </a:prstGeom>
+          <a:noFill/>
+          <a:ln w="12700">
+            <a:solidFill>
+              <a:prstClr val="black"/>
+            </a:solidFill>
+          </a:ln>
+        </p:spPr>
+        <p:txBody>
+          <a:bodyPr vert="horz" lIns="91440" tIns="45720" rIns="91440" bIns="45720" rtlCol="0" anchor="ctr"/>
+          <a:lstStyle/>
+          <a:p>
+            <a:endParaRPr lang="zh-CN" altLang="en-US"/>
+          </a:p>
+        </p:txBody>
+      </p:sp>
+      <p:sp>
+        <p:nvSpPr>
+          <p:cNvPr id="5" name="备注占位符 4"/>
+          <p:cNvSpPr>
+            <a:spLocks noGrp="1"/>
+          </p:cNvSpPr>
+          <p:nvPr>
+            <p:ph type="body" sz="quarter" idx="3"/>
+          </p:nvPr>
+        </p:nvSpPr>
+        <p:spPr>
+          <a:xfrm>
+            <a:off x="685800" y="4400550"/>
+            <a:ext cx="5486400" cy="3600450"/>
+          </a:xfrm>
+          <a:prstGeom prst="rect">
+            <a:avLst/>
+          </a:prstGeom>
+        </p:spPr>
+        <p:txBody>
+          <a:bodyPr vert="horz" lIns="91440" tIns="45720" rIns="91440" bIns="45720" rtlCol="0"/>
+          <a:lstStyle/>
+          <a:p>
+            <a:pPr lvl="0"/>
+            <a:r>
+              <a:rPr lang="zh-CN" altLang="en-US"/>
+              <a:t>编辑母版文本样式</a:t>
+            </a:r>
+          </a:p>
+          <a:p>
+            <a:pPr lvl="1"/>
+            <a:r>
+              <a:rPr lang="zh-CN" altLang="en-US"/>
+              <a:t>第二级</a:t>
+            </a:r>
+          </a:p>
+          <a:p>
+            <a:pPr lvl="2"/>
+            <a:r>
+              <a:rPr lang="zh-CN" altLang="en-US"/>
+              <a:t>第三级</a:t>
+            </a:r>
+          </a:p>
+          <a:p>
+            <a:pPr lvl="3"/>
+            <a:r>
+              <a:rPr lang="zh-CN" altLang="en-US"/>
+              <a:t>第四级</a:t>
+            </a:r>
+          </a:p>
+          <a:p>
+            <a:pPr lvl="4"/>
+            <a:r>
+              <a:rPr lang="zh-CN" altLang="en-US"/>
+              <a:t>第五级</a:t>
+            </a:r>
+          </a:p>
+        </p:txBody>
+      </p:sp>
+      <p:sp>
+        <p:nvSpPr>
+          <p:cNvPr id="6" name="页脚占位符 5"/>
+          <p:cNvSpPr>
+            <a:spLocks noGrp="1"/>
+          </p:cNvSpPr>
+          <p:nvPr>
+            <p:ph type="ftr" sz="quarter" idx="4"/>
+          </p:nvPr>
+        </p:nvSpPr>
+        <p:spPr>
+          <a:xfrm>
+            <a:off x="0" y="8685213"/>
+            <a:ext cx="2971800" cy="458787"/>
+          </a:xfrm>
+          <a:prstGeom prst="rect">
+            <a:avLst/>
+          </a:prstGeom>
+        </p:spPr>
+        <p:txBody>
+          <a:bodyPr vert="horz" lIns="91440" tIns="45720" rIns="91440" bIns="45720" rtlCol="0" anchor="b"/>
+          <a:lstStyle>
+            <a:lvl1pPr algn="l">
+              <a:defRPr sz="1200"/>
+            </a:lvl1pPr>
+          </a:lstStyle>
+          <a:p>
+            <a:endParaRPr lang="zh-CN" altLang="en-US"/>
+          </a:p>
+        </p:txBody>
+      </p:sp>
+      <p:sp>
+        <p:nvSpPr>
+          <p:cNvPr id="7" name="灯片编号占位符 6"/>
+          <p:cNvSpPr>
+            <a:spLocks noGrp="1"/>
+          </p:cNvSpPr>
+          <p:nvPr>
+            <p:ph type="sldNum" sz="quarter" idx="5"/>
+          </p:nvPr>
+        </p:nvSpPr>
+        <p:spPr>
+          <a:xfrm>
+            <a:off x="3884613" y="8685213"/>
+            <a:ext cx="2971800" cy="458787"/>
+          </a:xfrm>
+          <a:prstGeom prst="rect">
+            <a:avLst/>
+          </a:prstGeom>
+        </p:spPr>
+        <p:txBody>
+          <a:bodyPr vert="horz" lIns="91440" tIns="45720" rIns="91440" bIns="45720" rtlCol="0" anchor="b"/>
+          <a:lstStyle>
+            <a:lvl1pPr algn="r">
+              <a:defRPr sz="1200"/>
+            </a:lvl1pPr>
+          </a:lstStyle>
+          <a:p>
+            <a:fld id="{4467A07D-D51D-4271-95CC-123BB1346891}" type="slidenum">
+              <a:rPr lang="zh-CN" altLang="en-US" smtClean="0"/>
+              <a:t>‹#›</a:t>
+            </a:fld>
+            <a:endParaRPr lang="zh-CN" altLang="en-US"/>
+          </a:p>
+        </p:txBody>
+      </p:sp>
+    </p:spTree>
+    <p:extLst>
+      <p:ext uri="{BB962C8B-B14F-4D97-AF65-F5344CB8AC3E}">
+        <p14:creationId xmlns:p14="http://schemas.microsoft.com/office/powerpoint/2010/main" val="510115397"/>
+      </p:ext>
+    </p:extLst>
+  </p:cSld>
+  <p:clrMap bg1="lt1" tx1="dk1" bg2="lt2" tx2="dk2" accent1="accent1" accent2="accent2" accent3="accent3" accent4="accent4" accent5="accent5" accent6="accent6" hlink="hlink" folHlink="folHlink"/>
+  <p:notesStyle>
+    <a:lvl1pPr marL="0" algn="l" defTabSz="914400" rtl="0" eaLnBrk="1" latinLnBrk="0" hangingPunct="1">
+      <a:defRPr sz="1200" kern="1200">
+        <a:solidFill>
+          <a:schemeClr val="tx1"/>
+        </a:solidFill>
+        <a:latin typeface="+mn-lt"/>
+        <a:ea typeface="+mn-ea"/>
+        <a:cs typeface="+mn-cs"/>
+      </a:defRPr>
+    </a:lvl1pPr>
+    <a:lvl2pPr marL="457200" algn="l" defTabSz="914400" rtl="0" eaLnBrk="1" latinLnBrk="0" hangingPunct="1">
+      <a:defRPr sz="1200" kern="1200">
+        <a:solidFill>
+          <a:schemeClr val="tx1"/>
+        </a:solidFill>
+        <a:latin typeface="+mn-lt"/>
+        <a:ea typeface="+mn-ea"/>
+        <a:cs typeface="+mn-cs"/>
+      </a:defRPr>
+    </a:lvl2pPr>
+    <a:lvl3pPr marL="914400" algn="l" defTabSz="914400" rtl="0" eaLnBrk="1" latinLnBrk="0" hangingPunct="1">
+      <a:defRPr sz="1200" kern="1200">
+        <a:solidFill>
+          <a:schemeClr val="tx1"/>
+        </a:solidFill>
+        <a:latin typeface="+mn-lt"/>
+        <a:ea typeface="+mn-ea"/>
+        <a:cs typeface="+mn-cs"/>
+      </a:defRPr>
+    </a:lvl3pPr>
+    <a:lvl4pPr marL="1371600" algn="l" defTabSz="914400" rtl="0" eaLnBrk="1" latinLnBrk="0" hangingPunct="1">
+      <a:defRPr sz="1200" kern="1200">
+        <a:solidFill>
+          <a:schemeClr val="tx1"/>
+        </a:solidFill>
+        <a:latin typeface="+mn-lt"/>
+        <a:ea typeface="+mn-ea"/>
+        <a:cs typeface="+mn-cs"/>
+      </a:defRPr>
+    </a:lvl4pPr>
+    <a:lvl5pPr marL="1828800" algn="l" defTabSz="914400" rtl="0" eaLnBrk="1" latinLnBrk="0" hangingPunct="1">
+      <a:defRPr sz="1200" kern="1200">
+        <a:solidFill>
+          <a:schemeClr val="tx1"/>
+        </a:solidFill>
+        <a:latin typeface="+mn-lt"/>
+        <a:ea typeface="+mn-ea"/>
+        <a:cs typeface="+mn-cs"/>
+      </a:defRPr>
+    </a:lvl5pPr>
+    <a:lvl6pPr marL="2286000" algn="l" defTabSz="914400" rtl="0" eaLnBrk="1" latinLnBrk="0" hangingPunct="1">
+      <a:defRPr sz="1200" kern="1200">
+        <a:solidFill>
+          <a:schemeClr val="tx1"/>
+        </a:solidFill>
+        <a:latin typeface="+mn-lt"/>
+        <a:ea typeface="+mn-ea"/>
+        <a:cs typeface="+mn-cs"/>
+      </a:defRPr>
+    </a:lvl6pPr>
+    <a:lvl7pPr marL="2743200" algn="l" defTabSz="914400" rtl="0" eaLnBrk="1" latinLnBrk="0" hangingPunct="1">
+      <a:defRPr sz="1200" kern="1200">
+        <a:solidFill>
+          <a:schemeClr val="tx1"/>
+        </a:solidFill>
+        <a:latin typeface="+mn-lt"/>
+        <a:ea typeface="+mn-ea"/>
+        <a:cs typeface="+mn-cs"/>
+      </a:defRPr>
+    </a:lvl7pPr>
+    <a:lvl8pPr marL="3200400" algn="l" defTabSz="914400" rtl="0" eaLnBrk="1" latinLnBrk="0" hangingPunct="1">
+      <a:defRPr sz="1200" kern="1200">
+        <a:solidFill>
+          <a:schemeClr val="tx1"/>
+        </a:solidFill>
+        <a:latin typeface="+mn-lt"/>
+        <a:ea typeface="+mn-ea"/>
+        <a:cs typeface="+mn-cs"/>
+      </a:defRPr>
+    </a:lvl8pPr>
+    <a:lvl9pPr marL="3657600" algn="l" defTabSz="914400" rtl="0" eaLnBrk="1" latinLnBrk="0" hangingPunct="1">
+      <a:defRPr sz="1200" kern="1200">
+        <a:solidFill>
+          <a:schemeClr val="tx1"/>
+        </a:solidFill>
+        <a:latin typeface="+mn-lt"/>
+        <a:ea typeface="+mn-ea"/>
+        <a:cs typeface="+mn-cs"/>
+      </a:defRPr>
+    </a:lvl9pPr>
+  </p:notesStyle>
+</p:notesMaster>
+</file>
+
+<file path=ppt/notesSlides/notesSlide1.xml><?xml version="1.0" encoding="utf-8"?>
+<p:notes xmlns:a="http://schemas.openxmlformats.org/drawingml/2006/main" xmlns:r="http://schemas.openxmlformats.org/officeDocument/2006/relationships" xmlns:p="http://schemas.openxmlformats.org/presentationml/2006/main">
+  <p:cSld>
+    <p:spTree>
+      <p:nvGrpSpPr>
+        <p:cNvPr id="1" name=""/>
+        <p:cNvGrpSpPr/>
+        <p:nvPr/>
+      </p:nvGrpSpPr>
+      <p:grpSpPr>
+        <a:xfrm>
+          <a:off x="0" y="0"/>
+          <a:ext cx="0" cy="0"/>
+          <a:chOff x="0" y="0"/>
+          <a:chExt cx="0" cy="0"/>
+        </a:xfrm>
+      </p:grpSpPr>
+      <p:sp>
+        <p:nvSpPr>
+          <p:cNvPr id="2" name="幻灯片图像占位符 1"/>
+          <p:cNvSpPr>
+            <a:spLocks noGrp="1" noRot="1" noChangeAspect="1"/>
+          </p:cNvSpPr>
+          <p:nvPr>
+            <p:ph type="sldImg"/>
+          </p:nvPr>
+        </p:nvSpPr>
+        <p:spPr/>
+      </p:sp>
+      <p:sp>
+        <p:nvSpPr>
+          <p:cNvPr id="3" name="备注占位符 2"/>
+          <p:cNvSpPr>
+            <a:spLocks noGrp="1"/>
+          </p:cNvSpPr>
+          <p:nvPr>
+            <p:ph type="body" idx="1"/>
+          </p:nvPr>
+        </p:nvSpPr>
+        <p:spPr/>
+        <p:txBody>
+          <a:bodyPr/>
+          <a:lstStyle/>
+          <a:p>
+            <a:r>
+              <a:rPr lang="en-US" altLang="zh-CN" sz="1200" b="0" i="0" kern="1200" dirty="0">
+                <a:solidFill>
+                  <a:schemeClr val="tx1"/>
+                </a:solidFill>
+                <a:effectLst/>
+                <a:latin typeface="+mn-lt"/>
+                <a:ea typeface="+mn-ea"/>
+                <a:cs typeface="+mn-cs"/>
+              </a:rPr>
+              <a:t>Today, we</a:t>
+            </a:r>
+            <a:r>
+              <a:rPr lang="zh-CN" altLang="en-US" sz="1200" b="0" i="0" kern="1200" dirty="0">
+                <a:solidFill>
+                  <a:schemeClr val="tx1"/>
+                </a:solidFill>
+                <a:effectLst/>
+                <a:latin typeface="+mn-lt"/>
+                <a:ea typeface="+mn-ea"/>
+                <a:cs typeface="+mn-cs"/>
+              </a:rPr>
+              <a:t> </a:t>
+            </a:r>
+            <a:r>
+              <a:rPr lang="en-US" altLang="zh-CN" sz="1200" b="0" i="0" kern="1200" dirty="0">
+                <a:solidFill>
+                  <a:schemeClr val="tx1"/>
+                </a:solidFill>
+                <a:effectLst/>
+                <a:latin typeface="+mn-lt"/>
+                <a:ea typeface="+mn-ea"/>
+                <a:cs typeface="+mn-cs"/>
+              </a:rPr>
+              <a:t>are</a:t>
+            </a:r>
+            <a:r>
+              <a:rPr lang="zh-CN" altLang="en-US" sz="1200" b="0" i="0" kern="1200" dirty="0">
+                <a:solidFill>
+                  <a:schemeClr val="tx1"/>
+                </a:solidFill>
+                <a:effectLst/>
+                <a:latin typeface="+mn-lt"/>
+                <a:ea typeface="+mn-ea"/>
+                <a:cs typeface="+mn-cs"/>
+              </a:rPr>
+              <a:t> </a:t>
+            </a:r>
+            <a:r>
+              <a:rPr lang="en-US" altLang="zh-CN" sz="1200" b="0" i="0" kern="1200" dirty="0">
+                <a:solidFill>
+                  <a:schemeClr val="tx1"/>
+                </a:solidFill>
+                <a:effectLst/>
+                <a:latin typeface="+mn-lt"/>
+                <a:ea typeface="+mn-ea"/>
+                <a:cs typeface="+mn-cs"/>
+              </a:rPr>
+              <a:t>excited to present to you our innovative project that aims to revolutionize the travel planning experience.</a:t>
+            </a:r>
+            <a:endParaRPr lang="zh-CN" altLang="en-US" dirty="0"/>
+          </a:p>
+        </p:txBody>
+      </p:sp>
+      <p:sp>
+        <p:nvSpPr>
+          <p:cNvPr id="4" name="灯片编号占位符 3"/>
+          <p:cNvSpPr>
+            <a:spLocks noGrp="1"/>
+          </p:cNvSpPr>
+          <p:nvPr>
+            <p:ph type="sldNum" sz="quarter" idx="5"/>
+          </p:nvPr>
+        </p:nvSpPr>
+        <p:spPr/>
+        <p:txBody>
+          <a:bodyPr/>
+          <a:lstStyle/>
+          <a:p>
+            <a:fld id="{4467A07D-D51D-4271-95CC-123BB1346891}" type="slidenum">
+              <a:rPr lang="zh-CN" altLang="en-US" smtClean="0"/>
+              <a:t>1</a:t>
+            </a:fld>
+            <a:endParaRPr lang="zh-CN" altLang="en-US"/>
+          </a:p>
+        </p:txBody>
+      </p:sp>
+    </p:spTree>
+    <p:extLst>
+      <p:ext uri="{BB962C8B-B14F-4D97-AF65-F5344CB8AC3E}">
+        <p14:creationId xmlns:p14="http://schemas.microsoft.com/office/powerpoint/2010/main" val="4169829936"/>
+      </p:ext>
+    </p:extLst>
+  </p:cSld>
+  <p:clrMapOvr>
+    <a:masterClrMapping/>
+  </p:clrMapOvr>
+</p:notes>
+</file>
+
+<file path=ppt/notesSlides/notesSlide2.xml><?xml version="1.0" encoding="utf-8"?>
+<p:notes xmlns:a="http://schemas.openxmlformats.org/drawingml/2006/main" xmlns:r="http://schemas.openxmlformats.org/officeDocument/2006/relationships" xmlns:p="http://schemas.openxmlformats.org/presentationml/2006/main">
+  <p:cSld>
+    <p:spTree>
+      <p:nvGrpSpPr>
+        <p:cNvPr id="1" name=""/>
+        <p:cNvGrpSpPr/>
+        <p:nvPr/>
+      </p:nvGrpSpPr>
+      <p:grpSpPr>
+        <a:xfrm>
+          <a:off x="0" y="0"/>
+          <a:ext cx="0" cy="0"/>
+          <a:chOff x="0" y="0"/>
+          <a:chExt cx="0" cy="0"/>
+        </a:xfrm>
+      </p:grpSpPr>
+      <p:sp>
+        <p:nvSpPr>
+          <p:cNvPr id="2" name="幻灯片图像占位符 1"/>
+          <p:cNvSpPr>
+            <a:spLocks noGrp="1" noRot="1" noChangeAspect="1"/>
+          </p:cNvSpPr>
+          <p:nvPr>
+            <p:ph type="sldImg"/>
+          </p:nvPr>
+        </p:nvSpPr>
+        <p:spPr/>
+      </p:sp>
+      <p:sp>
+        <p:nvSpPr>
+          <p:cNvPr id="3" name="备注占位符 2"/>
+          <p:cNvSpPr>
+            <a:spLocks noGrp="1"/>
+          </p:cNvSpPr>
+          <p:nvPr>
+            <p:ph type="body" idx="1"/>
+          </p:nvPr>
+        </p:nvSpPr>
+        <p:spPr/>
+        <p:txBody>
+          <a:bodyPr/>
+          <a:lstStyle/>
+          <a:p>
+            <a:r>
+              <a:rPr lang="en-US" altLang="zh-CN" dirty="0"/>
+              <a:t>Here are the features and </a:t>
+            </a:r>
+            <a:r>
+              <a:rPr lang="en-US" altLang="zh-CN" dirty="0" err="1"/>
+              <a:t>functionalies</a:t>
+            </a:r>
+            <a:r>
+              <a:rPr lang="en-US" altLang="zh-CN" dirty="0"/>
+              <a:t> of our application</a:t>
+            </a:r>
+            <a:endParaRPr lang="zh-CN" altLang="en-US" dirty="0"/>
+          </a:p>
+        </p:txBody>
+      </p:sp>
+      <p:sp>
+        <p:nvSpPr>
+          <p:cNvPr id="4" name="灯片编号占位符 3"/>
+          <p:cNvSpPr>
+            <a:spLocks noGrp="1"/>
+          </p:cNvSpPr>
+          <p:nvPr>
+            <p:ph type="sldNum" sz="quarter" idx="5"/>
+          </p:nvPr>
+        </p:nvSpPr>
+        <p:spPr/>
+        <p:txBody>
+          <a:bodyPr/>
+          <a:lstStyle/>
+          <a:p>
+            <a:fld id="{4467A07D-D51D-4271-95CC-123BB1346891}" type="slidenum">
+              <a:rPr lang="zh-CN" altLang="en-US" smtClean="0"/>
+              <a:t>2</a:t>
+            </a:fld>
+            <a:endParaRPr lang="zh-CN" altLang="en-US"/>
+          </a:p>
+        </p:txBody>
+      </p:sp>
+    </p:spTree>
+    <p:extLst>
+      <p:ext uri="{BB962C8B-B14F-4D97-AF65-F5344CB8AC3E}">
+        <p14:creationId xmlns:p14="http://schemas.microsoft.com/office/powerpoint/2010/main" val="520458444"/>
+      </p:ext>
+    </p:extLst>
+  </p:cSld>
+  <p:clrMapOvr>
+    <a:masterClrMapping/>
+  </p:clrMapOvr>
+</p:notes>
+</file>
+
 <file path=ppt/slideLayouts/slideLayout1.xml><?xml version="1.0" encoding="utf-8"?>
 <p:sldLayout xmlns:a="http://schemas.openxmlformats.org/drawingml/2006/main" xmlns:r="http://schemas.openxmlformats.org/officeDocument/2006/relationships" xmlns:p="http://schemas.openxmlformats.org/presentationml/2006/main" preserve="1" userDrawn="1">
   <p:cSld name="封面">
@@ -686,7 +1278,7 @@
           <a:p>
             <a:fld id="{4088CBC9-6096-4A2F-9590-AEA863A925BA}" type="datetimeFigureOut">
               <a:rPr lang="zh-CN" altLang="en-US" smtClean="0"/>
-              <a:t>2023/7/24</a:t>
+              <a:t>2023/7/25</a:t>
             </a:fld>
             <a:endParaRPr lang="zh-CN" altLang="en-US"/>
           </a:p>
@@ -15396,7 +15988,7 @@
               <a:rPr lang="en-US" altLang="zh-CN" sz="1400" dirty="0">
                 <a:latin typeface="+mn-ea"/>
               </a:rPr>
-              <a:t>Collected 66 distinct itineraries that people may follow when spending a day in London. Each itinerary repres-ents a unique combination of activities and attractions using CTrip.</a:t>
+              <a:t>Collected 66 distinct itineraries that people may follow when spending a day in London. Each itinerary repres-ents a unique combination of activities and attractions.</a:t>
             </a:r>
           </a:p>
           <a:p>
@@ -17974,4 +18566,299 @@
     </a:ext>
   </a:extLst>
 </a:theme>
+</file>
+
+<file path=ppt/theme/theme2.xml><?xml version="1.0" encoding="utf-8"?>
+<a:theme xmlns:a="http://schemas.openxmlformats.org/drawingml/2006/main" name="Office 主题​​">
+  <a:themeElements>
+    <a:clrScheme name="Office">
+      <a:dk1>
+        <a:sysClr val="windowText" lastClr="000000"/>
+      </a:dk1>
+      <a:lt1>
+        <a:sysClr val="window" lastClr="FFFFFF"/>
+      </a:lt1>
+      <a:dk2>
+        <a:srgbClr val="44546A"/>
+      </a:dk2>
+      <a:lt2>
+        <a:srgbClr val="E7E6E6"/>
+      </a:lt2>
+      <a:accent1>
+        <a:srgbClr val="4472C4"/>
+      </a:accent1>
+      <a:accent2>
+        <a:srgbClr val="ED7D31"/>
+      </a:accent2>
+      <a:accent3>
+        <a:srgbClr val="A5A5A5"/>
+      </a:accent3>
+      <a:accent4>
+        <a:srgbClr val="FFC000"/>
+      </a:accent4>
+      <a:accent5>
+        <a:srgbClr val="5B9BD5"/>
+      </a:accent5>
+      <a:accent6>
+        <a:srgbClr val="70AD47"/>
+      </a:accent6>
+      <a:hlink>
+        <a:srgbClr val="0563C1"/>
+      </a:hlink>
+      <a:folHlink>
+        <a:srgbClr val="954F72"/>
+      </a:folHlink>
+    </a:clrScheme>
+    <a:fontScheme name="Office">
+      <a:majorFont>
+        <a:latin typeface="等线 Light" panose="020F0302020204030204"/>
+        <a:ea typeface=""/>
+        <a:cs typeface=""/>
+        <a:font script="Jpan" typeface="游ゴシック Light"/>
+        <a:font script="Hang" typeface="맑은 고딕"/>
+        <a:font script="Hans" typeface="等线 Light"/>
+        <a:font script="Hant" typeface="新細明體"/>
+        <a:font script="Arab" typeface="Times New Roman"/>
+        <a:font script="Hebr" typeface="Times New Roman"/>
+        <a:font script="Thai" typeface="Angsana New"/>
+        <a:font script="Ethi" typeface="Nyala"/>
+        <a:font script="Beng" typeface="Vrinda"/>
+        <a:font script="Gujr" typeface="Shruti"/>
+        <a:font script="Khmr" typeface="MoolBoran"/>
+        <a:font script="Knda" typeface="Tunga"/>
+        <a:font script="Guru" typeface="Raavi"/>
+        <a:font script="Cans" typeface="Euphemia"/>
+        <a:font script="Cher" typeface="Plantagenet Cherokee"/>
+        <a:font script="Yiii" typeface="Microsoft Yi Baiti"/>
+        <a:font script="Tibt" typeface="Microsoft Himalaya"/>
+        <a:font script="Thaa" typeface="MV Boli"/>
+        <a:font script="Deva" typeface="Mangal"/>
+        <a:font script="Telu" typeface="Gautami"/>
+        <a:font script="Taml" typeface="Latha"/>
+        <a:font script="Syrc" typeface="Estrangelo Edessa"/>
+        <a:font script="Orya" typeface="Kalinga"/>
+        <a:font script="Mlym" typeface="Kartika"/>
+        <a:font script="Laoo" typeface="DokChampa"/>
+        <a:font script="Sinh" typeface="Iskoola Pota"/>
+        <a:font script="Mong" typeface="Mongolian Baiti"/>
+        <a:font script="Viet" typeface="Times New Roman"/>
+        <a:font script="Uigh" typeface="Microsoft Uighur"/>
+        <a:font script="Geor" typeface="Sylfaen"/>
+        <a:font script="Armn" typeface="Arial"/>
+        <a:font script="Bugi" typeface="Leelawadee UI"/>
+        <a:font script="Bopo" typeface="Microsoft JhengHei"/>
+        <a:font script="Java" typeface="Javanese Text"/>
+        <a:font script="Lisu" typeface="Segoe UI"/>
+        <a:font script="Mymr" typeface="Myanmar Text"/>
+        <a:font script="Nkoo" typeface="Ebrima"/>
+        <a:font script="Olck" typeface="Nirmala UI"/>
+        <a:font script="Osma" typeface="Ebrima"/>
+        <a:font script="Phag" typeface="Phagspa"/>
+        <a:font script="Syrn" typeface="Estrangelo Edessa"/>
+        <a:font script="Syrj" typeface="Estrangelo Edessa"/>
+        <a:font script="Syre" typeface="Estrangelo Edessa"/>
+        <a:font script="Sora" typeface="Nirmala UI"/>
+        <a:font script="Tale" typeface="Microsoft Tai Le"/>
+        <a:font script="Talu" typeface="Microsoft New Tai Lue"/>
+        <a:font script="Tfng" typeface="Ebrima"/>
+      </a:majorFont>
+      <a:minorFont>
+        <a:latin typeface="等线" panose="020F0502020204030204"/>
+        <a:ea typeface=""/>
+        <a:cs typeface=""/>
+        <a:font script="Jpan" typeface="游ゴシック"/>
+        <a:font script="Hang" typeface="맑은 고딕"/>
+        <a:font script="Hans" typeface="等线"/>
+        <a:font script="Hant" typeface="新細明體"/>
+        <a:font script="Arab" typeface="Arial"/>
+        <a:font script="Hebr" typeface="Arial"/>
+        <a:font script="Thai" typeface="Cordia New"/>
+        <a:font script="Ethi" typeface="Nyala"/>
+        <a:font script="Beng" typeface="Vrinda"/>
+        <a:font script="Gujr" typeface="Shruti"/>
+        <a:font script="Khmr" typeface="DaunPenh"/>
+        <a:font script="Knda" typeface="Tunga"/>
+        <a:font script="Guru" typeface="Raavi"/>
+        <a:font script="Cans" typeface="Euphemia"/>
+        <a:font script="Cher" typeface="Plantagenet Cherokee"/>
+        <a:font script="Yiii" typeface="Microsoft Yi Baiti"/>
+        <a:font script="Tibt" typeface="Microsoft Himalaya"/>
+        <a:font script="Thaa" typeface="MV Boli"/>
+        <a:font script="Deva" typeface="Mangal"/>
+        <a:font script="Telu" typeface="Gautami"/>
+        <a:font script="Taml" typeface="Latha"/>
+        <a:font script="Syrc" typeface="Estrangelo Edessa"/>
+        <a:font script="Orya" typeface="Kalinga"/>
+        <a:font script="Mlym" typeface="Kartika"/>
+        <a:font script="Laoo" typeface="DokChampa"/>
+        <a:font script="Sinh" typeface="Iskoola Pota"/>
+        <a:font script="Mong" typeface="Mongolian Baiti"/>
+        <a:font script="Viet" typeface="Arial"/>
+        <a:font script="Uigh" typeface="Microsoft Uighur"/>
+        <a:font script="Geor" typeface="Sylfaen"/>
+        <a:font script="Armn" typeface="Arial"/>
+        <a:font script="Bugi" typeface="Leelawadee UI"/>
+        <a:font script="Bopo" typeface="Microsoft JhengHei"/>
+        <a:font script="Java" typeface="Javanese Text"/>
+        <a:font script="Lisu" typeface="Segoe UI"/>
+        <a:font script="Mymr" typeface="Myanmar Text"/>
+        <a:font script="Nkoo" typeface="Ebrima"/>
+        <a:font script="Olck" typeface="Nirmala UI"/>
+        <a:font script="Osma" typeface="Ebrima"/>
+        <a:font script="Phag" typeface="Phagspa"/>
+        <a:font script="Syrn" typeface="Estrangelo Edessa"/>
+        <a:font script="Syrj" typeface="Estrangelo Edessa"/>
+        <a:font script="Syre" typeface="Estrangelo Edessa"/>
+        <a:font script="Sora" typeface="Nirmala UI"/>
+        <a:font script="Tale" typeface="Microsoft Tai Le"/>
+        <a:font script="Talu" typeface="Microsoft New Tai Lue"/>
+        <a:font script="Tfng" typeface="Ebrima"/>
+      </a:minorFont>
+    </a:fontScheme>
+    <a:fmtScheme name="Office">
+      <a:fillStyleLst>
+        <a:solidFill>
+          <a:schemeClr val="phClr"/>
+        </a:solidFill>
+        <a:gradFill rotWithShape="1">
+          <a:gsLst>
+            <a:gs pos="0">
+              <a:schemeClr val="phClr">
+                <a:lumMod val="110000"/>
+                <a:satMod val="105000"/>
+                <a:tint val="67000"/>
+              </a:schemeClr>
+            </a:gs>
+            <a:gs pos="50000">
+              <a:schemeClr val="phClr">
+                <a:lumMod val="105000"/>
+                <a:satMod val="103000"/>
+                <a:tint val="73000"/>
+              </a:schemeClr>
+            </a:gs>
+            <a:gs pos="100000">
+              <a:schemeClr val="phClr">
+                <a:lumMod val="105000"/>
+                <a:satMod val="109000"/>
+                <a:tint val="81000"/>
+              </a:schemeClr>
+            </a:gs>
+          </a:gsLst>
+          <a:lin ang="5400000" scaled="0"/>
+        </a:gradFill>
+        <a:gradFill rotWithShape="1">
+          <a:gsLst>
+            <a:gs pos="0">
+              <a:schemeClr val="phClr">
+                <a:satMod val="103000"/>
+                <a:lumMod val="102000"/>
+                <a:tint val="94000"/>
+              </a:schemeClr>
+            </a:gs>
+            <a:gs pos="50000">
+              <a:schemeClr val="phClr">
+                <a:satMod val="110000"/>
+                <a:lumMod val="100000"/>
+                <a:shade val="100000"/>
+              </a:schemeClr>
+            </a:gs>
+            <a:gs pos="100000">
+              <a:schemeClr val="phClr">
+                <a:lumMod val="99000"/>
+                <a:satMod val="120000"/>
+                <a:shade val="78000"/>
+              </a:schemeClr>
+            </a:gs>
+          </a:gsLst>
+          <a:lin ang="5400000" scaled="0"/>
+        </a:gradFill>
+      </a:fillStyleLst>
+      <a:lnStyleLst>
+        <a:ln w="6350" cap="flat" cmpd="sng" algn="ctr">
+          <a:solidFill>
+            <a:schemeClr val="phClr"/>
+          </a:solidFill>
+          <a:prstDash val="solid"/>
+          <a:miter lim="800000"/>
+        </a:ln>
+        <a:ln w="12700" cap="flat" cmpd="sng" algn="ctr">
+          <a:solidFill>
+            <a:schemeClr val="phClr"/>
+          </a:solidFill>
+          <a:prstDash val="solid"/>
+          <a:miter lim="800000"/>
+        </a:ln>
+        <a:ln w="19050" cap="flat" cmpd="sng" algn="ctr">
+          <a:solidFill>
+            <a:schemeClr val="phClr"/>
+          </a:solidFill>
+          <a:prstDash val="solid"/>
+          <a:miter lim="800000"/>
+        </a:ln>
+      </a:lnStyleLst>
+      <a:effectStyleLst>
+        <a:effectStyle>
+          <a:effectLst/>
+        </a:effectStyle>
+        <a:effectStyle>
+          <a:effectLst/>
+        </a:effectStyle>
+        <a:effectStyle>
+          <a:effectLst>
+            <a:outerShdw blurRad="57150" dist="19050" dir="5400000" algn="ctr" rotWithShape="0">
+              <a:srgbClr val="000000">
+                <a:alpha val="63000"/>
+              </a:srgbClr>
+            </a:outerShdw>
+          </a:effectLst>
+        </a:effectStyle>
+      </a:effectStyleLst>
+      <a:bgFillStyleLst>
+        <a:solidFill>
+          <a:schemeClr val="phClr"/>
+        </a:solidFill>
+        <a:solidFill>
+          <a:schemeClr val="phClr">
+            <a:tint val="95000"/>
+            <a:satMod val="170000"/>
+          </a:schemeClr>
+        </a:solidFill>
+        <a:gradFill rotWithShape="1">
+          <a:gsLst>
+            <a:gs pos="0">
+              <a:schemeClr val="phClr">
+                <a:tint val="93000"/>
+                <a:satMod val="150000"/>
+                <a:shade val="98000"/>
+                <a:lumMod val="102000"/>
+              </a:schemeClr>
+            </a:gs>
+            <a:gs pos="50000">
+              <a:schemeClr val="phClr">
+                <a:tint val="98000"/>
+                <a:satMod val="130000"/>
+                <a:shade val="90000"/>
+                <a:lumMod val="103000"/>
+              </a:schemeClr>
+            </a:gs>
+            <a:gs pos="100000">
+              <a:schemeClr val="phClr">
+                <a:shade val="63000"/>
+                <a:satMod val="120000"/>
+              </a:schemeClr>
+            </a:gs>
+          </a:gsLst>
+          <a:lin ang="5400000" scaled="0"/>
+        </a:gradFill>
+      </a:bgFillStyleLst>
+    </a:fmtScheme>
+  </a:themeElements>
+  <a:objectDefaults/>
+  <a:extraClrSchemeLst/>
+  <a:extLst>
+    <a:ext uri="{05A4C25C-085E-4340-85A3-A5531E510DB2}">
+      <thm15:themeFamily xmlns:thm15="http://schemas.microsoft.com/office/thememl/2012/main" name="Office Theme" id="{62F939B6-93AF-4DB8-9C6B-D6C7DFDC589F}" vid="{4A3C46E8-61CC-4603-A589-7422A47A8E4A}"/>
+    </a:ext>
+  </a:extLst>
+</a:theme>
 </file>
--- a/Presentation.pptx
+++ b/Presentation.pptx
@@ -218,7 +218,7 @@
           <a:p>
             <a:fld id="{2EF70BC2-80EC-45ED-A279-226ECAAB1C17}" type="datetimeFigureOut">
               <a:rPr lang="zh-CN" altLang="en-US" smtClean="0"/>
-              <a:t>2023/7/25</a:t>
+              <a:t>2023/7/27</a:t>
             </a:fld>
             <a:endParaRPr lang="zh-CN" altLang="en-US"/>
           </a:p>
@@ -1278,7 +1278,7 @@
           <a:p>
             <a:fld id="{4088CBC9-6096-4A2F-9590-AEA863A925BA}" type="datetimeFigureOut">
               <a:rPr lang="zh-CN" altLang="en-US" smtClean="0"/>
-              <a:t>2023/7/25</a:t>
+              <a:t>2023/7/27</a:t>
             </a:fld>
             <a:endParaRPr lang="zh-CN" altLang="en-US"/>
           </a:p>
@@ -7315,7 +7315,7 @@
                 <a:latin typeface="+mj-ea"/>
                 <a:ea typeface="+mj-ea"/>
               </a:rPr>
-              <a:t>FRONTKEND</a:t>
+              <a:t>FRONTEND</a:t>
             </a:r>
           </a:p>
         </p:txBody>

--- a/Presentation.pptx
+++ b/Presentation.pptx
@@ -5,7 +5,7 @@
     <p:sldMasterId id="2147483648" r:id="rId1"/>
   </p:sldMasterIdLst>
   <p:notesMasterIdLst>
-    <p:notesMasterId r:id="rId21"/>
+    <p:notesMasterId r:id="rId22"/>
   </p:notesMasterIdLst>
   <p:sldIdLst>
     <p:sldId id="256" r:id="rId2"/>
@@ -24,14 +24,15 @@
     <p:sldId id="322" r:id="rId15"/>
     <p:sldId id="323" r:id="rId16"/>
     <p:sldId id="324" r:id="rId17"/>
-    <p:sldId id="326" r:id="rId18"/>
-    <p:sldId id="325" r:id="rId19"/>
-    <p:sldId id="262" r:id="rId20"/>
+    <p:sldId id="328" r:id="rId18"/>
+    <p:sldId id="326" r:id="rId19"/>
+    <p:sldId id="325" r:id="rId20"/>
+    <p:sldId id="262" r:id="rId21"/>
   </p:sldIdLst>
   <p:sldSz cx="12192000" cy="6858000"/>
   <p:notesSz cx="6858000" cy="9144000"/>
   <p:custDataLst>
-    <p:tags r:id="rId22"/>
+    <p:tags r:id="rId23"/>
   </p:custDataLst>
   <p:defaultTextStyle>
     <a:defPPr>
@@ -218,7 +219,7 @@
           <a:p>
             <a:fld id="{2EF70BC2-80EC-45ED-A279-226ECAAB1C17}" type="datetimeFigureOut">
               <a:rPr lang="zh-CN" altLang="en-US" smtClean="0"/>
-              <a:t>2023/7/27</a:t>
+              <a:t>2023/8/6</a:t>
             </a:fld>
             <a:endParaRPr lang="zh-CN" altLang="en-US"/>
           </a:p>
@@ -1278,7 +1279,7 @@
           <a:p>
             <a:fld id="{4088CBC9-6096-4A2F-9590-AEA863A925BA}" type="datetimeFigureOut">
               <a:rPr lang="zh-CN" altLang="en-US" smtClean="0"/>
-              <a:t>2023/7/27</a:t>
+              <a:t>2023/8/6</a:t>
             </a:fld>
             <a:endParaRPr lang="zh-CN" altLang="en-US"/>
           </a:p>
@@ -4912,6 +4913,50 @@
           <a:p>
             <a:pPr algn="ctr"/>
             <a:endParaRPr lang="en-US"/>
+          </a:p>
+        </p:txBody>
+      </p:sp>
+      <p:sp>
+        <p:nvSpPr>
+          <p:cNvPr id="9" name="文本框 8">
+            <a:extLst>
+              <a:ext uri="{FF2B5EF4-FFF2-40B4-BE49-F238E27FC236}">
+                <a16:creationId xmlns:a16="http://schemas.microsoft.com/office/drawing/2014/main" id="{28E78377-DB3D-40FA-89BD-40583F7724BA}"/>
+              </a:ext>
+            </a:extLst>
+          </p:cNvPr>
+          <p:cNvSpPr txBox="1"/>
+          <p:nvPr/>
+        </p:nvSpPr>
+        <p:spPr>
+          <a:xfrm>
+            <a:off x="1980925" y="5241738"/>
+            <a:ext cx="8670328" cy="592726"/>
+          </a:xfrm>
+          <a:prstGeom prst="rect">
+            <a:avLst/>
+          </a:prstGeom>
+          <a:noFill/>
+        </p:spPr>
+        <p:txBody>
+          <a:bodyPr wrap="square" rtlCol="0">
+            <a:spAutoFit/>
+          </a:bodyPr>
+          <a:lstStyle/>
+          <a:p>
+            <a:pPr marL="285750" indent="-285750" latinLnBrk="1">
+              <a:lnSpc>
+                <a:spcPct val="120000"/>
+              </a:lnSpc>
+              <a:buFont typeface="Arial" panose="020B0604020202020204" pitchFamily="34" charset="0"/>
+              <a:buChar char="•"/>
+            </a:pPr>
+            <a:r>
+              <a:rPr lang="en-US" altLang="zh-CN" sz="1400" dirty="0">
+                <a:latin typeface="+mn-ea"/>
+              </a:rPr>
+              <a:t>Utilizing this model, we are able to only input a small number of sample itineraries and a list of landmarks, the model will calculate the ratings automatically.</a:t>
+            </a:r>
           </a:p>
         </p:txBody>
       </p:sp>
@@ -9639,6 +9684,956 @@
         </p:nvSpPr>
         <p:spPr>
           <a:xfrm>
+            <a:off x="660400" y="780278"/>
+            <a:ext cx="4298950" cy="646331"/>
+          </a:xfrm>
+          <a:prstGeom prst="rect">
+            <a:avLst/>
+          </a:prstGeom>
+        </p:spPr>
+        <p:txBody>
+          <a:bodyPr wrap="square">
+            <a:spAutoFit/>
+          </a:bodyPr>
+          <a:lstStyle>
+            <a:lvl1pPr marL="228600" indent="-228600" algn="l" defTabSz="914400" rtl="0" eaLnBrk="1" latinLnBrk="0" hangingPunct="1">
+              <a:lnSpc>
+                <a:spcPct val="90000"/>
+              </a:lnSpc>
+              <a:spcBef>
+                <a:spcPts val="1000"/>
+              </a:spcBef>
+              <a:buFont typeface="Arial" panose="020B0604020202020204" pitchFamily="34" charset="0"/>
+              <a:buChar char="•"/>
+              <a:defRPr sz="2800" kern="1200">
+                <a:solidFill>
+                  <a:schemeClr val="tx1"/>
+                </a:solidFill>
+                <a:latin typeface="+mn-lt"/>
+                <a:ea typeface="+mn-ea"/>
+                <a:cs typeface="+mn-cs"/>
+              </a:defRPr>
+            </a:lvl1pPr>
+            <a:lvl2pPr marL="685800" indent="-228600" algn="l" defTabSz="914400" rtl="0" eaLnBrk="1" latinLnBrk="0" hangingPunct="1">
+              <a:lnSpc>
+                <a:spcPct val="90000"/>
+              </a:lnSpc>
+              <a:spcBef>
+                <a:spcPts val="500"/>
+              </a:spcBef>
+              <a:buFont typeface="Arial" panose="020B0604020202020204" pitchFamily="34" charset="0"/>
+              <a:buChar char="•"/>
+              <a:defRPr sz="2400" kern="1200">
+                <a:solidFill>
+                  <a:schemeClr val="tx1"/>
+                </a:solidFill>
+                <a:latin typeface="+mn-lt"/>
+                <a:ea typeface="+mn-ea"/>
+                <a:cs typeface="+mn-cs"/>
+              </a:defRPr>
+            </a:lvl2pPr>
+            <a:lvl3pPr marL="1143000" indent="-228600" algn="l" defTabSz="914400" rtl="0" eaLnBrk="1" latinLnBrk="0" hangingPunct="1">
+              <a:lnSpc>
+                <a:spcPct val="90000"/>
+              </a:lnSpc>
+              <a:spcBef>
+                <a:spcPts val="500"/>
+              </a:spcBef>
+              <a:buFont typeface="Arial" panose="020B0604020202020204" pitchFamily="34" charset="0"/>
+              <a:buChar char="•"/>
+              <a:defRPr sz="2000" kern="1200">
+                <a:solidFill>
+                  <a:schemeClr val="tx1"/>
+                </a:solidFill>
+                <a:latin typeface="+mn-lt"/>
+                <a:ea typeface="+mn-ea"/>
+                <a:cs typeface="+mn-cs"/>
+              </a:defRPr>
+            </a:lvl3pPr>
+            <a:lvl4pPr marL="1600200" indent="-228600" algn="l" defTabSz="914400" rtl="0" eaLnBrk="1" latinLnBrk="0" hangingPunct="1">
+              <a:lnSpc>
+                <a:spcPct val="90000"/>
+              </a:lnSpc>
+              <a:spcBef>
+                <a:spcPts val="500"/>
+              </a:spcBef>
+              <a:buFont typeface="Arial" panose="020B0604020202020204" pitchFamily="34" charset="0"/>
+              <a:buChar char="•"/>
+              <a:defRPr sz="1800" kern="1200">
+                <a:solidFill>
+                  <a:schemeClr val="tx1"/>
+                </a:solidFill>
+                <a:latin typeface="+mn-lt"/>
+                <a:ea typeface="+mn-ea"/>
+                <a:cs typeface="+mn-cs"/>
+              </a:defRPr>
+            </a:lvl4pPr>
+            <a:lvl5pPr marL="2057400" indent="-228600" algn="l" defTabSz="914400" rtl="0" eaLnBrk="1" latinLnBrk="0" hangingPunct="1">
+              <a:lnSpc>
+                <a:spcPct val="90000"/>
+              </a:lnSpc>
+              <a:spcBef>
+                <a:spcPts val="500"/>
+              </a:spcBef>
+              <a:buFont typeface="Arial" panose="020B0604020202020204" pitchFamily="34" charset="0"/>
+              <a:buChar char="•"/>
+              <a:defRPr sz="1800" kern="1200">
+                <a:solidFill>
+                  <a:schemeClr val="tx1"/>
+                </a:solidFill>
+                <a:latin typeface="+mn-lt"/>
+                <a:ea typeface="+mn-ea"/>
+                <a:cs typeface="+mn-cs"/>
+              </a:defRPr>
+            </a:lvl5pPr>
+            <a:lvl6pPr marL="2514600" indent="-228600" algn="l" defTabSz="914400" rtl="0" eaLnBrk="1" latinLnBrk="0" hangingPunct="1">
+              <a:lnSpc>
+                <a:spcPct val="90000"/>
+              </a:lnSpc>
+              <a:spcBef>
+                <a:spcPts val="500"/>
+              </a:spcBef>
+              <a:buFont typeface="Arial" panose="020B0604020202020204" pitchFamily="34" charset="0"/>
+              <a:buChar char="•"/>
+              <a:defRPr sz="1800" kern="1200">
+                <a:solidFill>
+                  <a:schemeClr val="tx1"/>
+                </a:solidFill>
+                <a:latin typeface="+mn-lt"/>
+                <a:ea typeface="+mn-ea"/>
+                <a:cs typeface="+mn-cs"/>
+              </a:defRPr>
+            </a:lvl6pPr>
+            <a:lvl7pPr marL="2971800" indent="-228600" algn="l" defTabSz="914400" rtl="0" eaLnBrk="1" latinLnBrk="0" hangingPunct="1">
+              <a:lnSpc>
+                <a:spcPct val="90000"/>
+              </a:lnSpc>
+              <a:spcBef>
+                <a:spcPts val="500"/>
+              </a:spcBef>
+              <a:buFont typeface="Arial" panose="020B0604020202020204" pitchFamily="34" charset="0"/>
+              <a:buChar char="•"/>
+              <a:defRPr sz="1800" kern="1200">
+                <a:solidFill>
+                  <a:schemeClr val="tx1"/>
+                </a:solidFill>
+                <a:latin typeface="+mn-lt"/>
+                <a:ea typeface="+mn-ea"/>
+                <a:cs typeface="+mn-cs"/>
+              </a:defRPr>
+            </a:lvl7pPr>
+            <a:lvl8pPr marL="3429000" indent="-228600" algn="l" defTabSz="914400" rtl="0" eaLnBrk="1" latinLnBrk="0" hangingPunct="1">
+              <a:lnSpc>
+                <a:spcPct val="90000"/>
+              </a:lnSpc>
+              <a:spcBef>
+                <a:spcPts val="500"/>
+              </a:spcBef>
+              <a:buFont typeface="Arial" panose="020B0604020202020204" pitchFamily="34" charset="0"/>
+              <a:buChar char="•"/>
+              <a:defRPr sz="1800" kern="1200">
+                <a:solidFill>
+                  <a:schemeClr val="tx1"/>
+                </a:solidFill>
+                <a:latin typeface="+mn-lt"/>
+                <a:ea typeface="+mn-ea"/>
+                <a:cs typeface="+mn-cs"/>
+              </a:defRPr>
+            </a:lvl8pPr>
+            <a:lvl9pPr marL="3886200" indent="-228600" algn="l" defTabSz="914400" rtl="0" eaLnBrk="1" latinLnBrk="0" hangingPunct="1">
+              <a:lnSpc>
+                <a:spcPct val="90000"/>
+              </a:lnSpc>
+              <a:spcBef>
+                <a:spcPts val="500"/>
+              </a:spcBef>
+              <a:buFont typeface="Arial" panose="020B0604020202020204" pitchFamily="34" charset="0"/>
+              <a:buChar char="•"/>
+              <a:defRPr sz="1800" kern="1200">
+                <a:solidFill>
+                  <a:schemeClr val="tx1"/>
+                </a:solidFill>
+                <a:latin typeface="+mn-lt"/>
+                <a:ea typeface="+mn-ea"/>
+                <a:cs typeface="+mn-cs"/>
+              </a:defRPr>
+            </a:lvl9pPr>
+          </a:lstStyle>
+          <a:p>
+            <a:pPr marL="0" indent="0">
+              <a:buNone/>
+            </a:pPr>
+            <a:r>
+              <a:rPr lang="en-GB" sz="4000" b="1" dirty="0">
+                <a:solidFill>
+                  <a:schemeClr val="bg1">
+                    <a:lumMod val="65000"/>
+                  </a:schemeClr>
+                </a:solidFill>
+                <a:latin typeface="+mj-ea"/>
+                <a:ea typeface="+mj-ea"/>
+              </a:rPr>
+              <a:t>FUTURE WORK</a:t>
+            </a:r>
+          </a:p>
+        </p:txBody>
+      </p:sp>
+      <p:sp>
+        <p:nvSpPr>
+          <p:cNvPr id="39" name="文本框 38">
+            <a:extLst>
+              <a:ext uri="{FF2B5EF4-FFF2-40B4-BE49-F238E27FC236}">
+                <a16:creationId xmlns:a16="http://schemas.microsoft.com/office/drawing/2014/main" id="{F690C501-2E4A-4D29-9F11-63E0499255FB}"/>
+              </a:ext>
+            </a:extLst>
+          </p:cNvPr>
+          <p:cNvSpPr txBox="1">
+            <a:spLocks/>
+          </p:cNvSpPr>
+          <p:nvPr/>
+        </p:nvSpPr>
+        <p:spPr>
+          <a:xfrm>
+            <a:off x="1980926" y="1503338"/>
+            <a:ext cx="7728224" cy="369332"/>
+          </a:xfrm>
+          <a:prstGeom prst="rect">
+            <a:avLst/>
+          </a:prstGeom>
+        </p:spPr>
+        <p:txBody>
+          <a:bodyPr wrap="square">
+            <a:spAutoFit/>
+          </a:bodyPr>
+          <a:lstStyle>
+            <a:lvl1pPr marL="228600" indent="-228600" algn="l" defTabSz="914400" rtl="0" eaLnBrk="1" latinLnBrk="0" hangingPunct="1">
+              <a:lnSpc>
+                <a:spcPct val="90000"/>
+              </a:lnSpc>
+              <a:spcBef>
+                <a:spcPts val="1000"/>
+              </a:spcBef>
+              <a:buFont typeface="Arial" panose="020B0604020202020204" pitchFamily="34" charset="0"/>
+              <a:buChar char="•"/>
+              <a:defRPr sz="2800" kern="1200">
+                <a:solidFill>
+                  <a:schemeClr val="tx1"/>
+                </a:solidFill>
+                <a:latin typeface="+mn-lt"/>
+                <a:ea typeface="+mn-ea"/>
+                <a:cs typeface="+mn-cs"/>
+              </a:defRPr>
+            </a:lvl1pPr>
+            <a:lvl2pPr marL="685800" indent="-228600" algn="l" defTabSz="914400" rtl="0" eaLnBrk="1" latinLnBrk="0" hangingPunct="1">
+              <a:lnSpc>
+                <a:spcPct val="90000"/>
+              </a:lnSpc>
+              <a:spcBef>
+                <a:spcPts val="500"/>
+              </a:spcBef>
+              <a:buFont typeface="Arial" panose="020B0604020202020204" pitchFamily="34" charset="0"/>
+              <a:buChar char="•"/>
+              <a:defRPr sz="2400" kern="1200">
+                <a:solidFill>
+                  <a:schemeClr val="tx1"/>
+                </a:solidFill>
+                <a:latin typeface="+mn-lt"/>
+                <a:ea typeface="+mn-ea"/>
+                <a:cs typeface="+mn-cs"/>
+              </a:defRPr>
+            </a:lvl2pPr>
+            <a:lvl3pPr marL="1143000" indent="-228600" algn="l" defTabSz="914400" rtl="0" eaLnBrk="1" latinLnBrk="0" hangingPunct="1">
+              <a:lnSpc>
+                <a:spcPct val="90000"/>
+              </a:lnSpc>
+              <a:spcBef>
+                <a:spcPts val="500"/>
+              </a:spcBef>
+              <a:buFont typeface="Arial" panose="020B0604020202020204" pitchFamily="34" charset="0"/>
+              <a:buChar char="•"/>
+              <a:defRPr sz="2000" kern="1200">
+                <a:solidFill>
+                  <a:schemeClr val="tx1"/>
+                </a:solidFill>
+                <a:latin typeface="+mn-lt"/>
+                <a:ea typeface="+mn-ea"/>
+                <a:cs typeface="+mn-cs"/>
+              </a:defRPr>
+            </a:lvl3pPr>
+            <a:lvl4pPr marL="1600200" indent="-228600" algn="l" defTabSz="914400" rtl="0" eaLnBrk="1" latinLnBrk="0" hangingPunct="1">
+              <a:lnSpc>
+                <a:spcPct val="90000"/>
+              </a:lnSpc>
+              <a:spcBef>
+                <a:spcPts val="500"/>
+              </a:spcBef>
+              <a:buFont typeface="Arial" panose="020B0604020202020204" pitchFamily="34" charset="0"/>
+              <a:buChar char="•"/>
+              <a:defRPr sz="1800" kern="1200">
+                <a:solidFill>
+                  <a:schemeClr val="tx1"/>
+                </a:solidFill>
+                <a:latin typeface="+mn-lt"/>
+                <a:ea typeface="+mn-ea"/>
+                <a:cs typeface="+mn-cs"/>
+              </a:defRPr>
+            </a:lvl4pPr>
+            <a:lvl5pPr marL="2057400" indent="-228600" algn="l" defTabSz="914400" rtl="0" eaLnBrk="1" latinLnBrk="0" hangingPunct="1">
+              <a:lnSpc>
+                <a:spcPct val="90000"/>
+              </a:lnSpc>
+              <a:spcBef>
+                <a:spcPts val="500"/>
+              </a:spcBef>
+              <a:buFont typeface="Arial" panose="020B0604020202020204" pitchFamily="34" charset="0"/>
+              <a:buChar char="•"/>
+              <a:defRPr sz="1800" kern="1200">
+                <a:solidFill>
+                  <a:schemeClr val="tx1"/>
+                </a:solidFill>
+                <a:latin typeface="+mn-lt"/>
+                <a:ea typeface="+mn-ea"/>
+                <a:cs typeface="+mn-cs"/>
+              </a:defRPr>
+            </a:lvl5pPr>
+            <a:lvl6pPr marL="2514600" indent="-228600" algn="l" defTabSz="914400" rtl="0" eaLnBrk="1" latinLnBrk="0" hangingPunct="1">
+              <a:lnSpc>
+                <a:spcPct val="90000"/>
+              </a:lnSpc>
+              <a:spcBef>
+                <a:spcPts val="500"/>
+              </a:spcBef>
+              <a:buFont typeface="Arial" panose="020B0604020202020204" pitchFamily="34" charset="0"/>
+              <a:buChar char="•"/>
+              <a:defRPr sz="1800" kern="1200">
+                <a:solidFill>
+                  <a:schemeClr val="tx1"/>
+                </a:solidFill>
+                <a:latin typeface="+mn-lt"/>
+                <a:ea typeface="+mn-ea"/>
+                <a:cs typeface="+mn-cs"/>
+              </a:defRPr>
+            </a:lvl6pPr>
+            <a:lvl7pPr marL="2971800" indent="-228600" algn="l" defTabSz="914400" rtl="0" eaLnBrk="1" latinLnBrk="0" hangingPunct="1">
+              <a:lnSpc>
+                <a:spcPct val="90000"/>
+              </a:lnSpc>
+              <a:spcBef>
+                <a:spcPts val="500"/>
+              </a:spcBef>
+              <a:buFont typeface="Arial" panose="020B0604020202020204" pitchFamily="34" charset="0"/>
+              <a:buChar char="•"/>
+              <a:defRPr sz="1800" kern="1200">
+                <a:solidFill>
+                  <a:schemeClr val="tx1"/>
+                </a:solidFill>
+                <a:latin typeface="+mn-lt"/>
+                <a:ea typeface="+mn-ea"/>
+                <a:cs typeface="+mn-cs"/>
+              </a:defRPr>
+            </a:lvl7pPr>
+            <a:lvl8pPr marL="3429000" indent="-228600" algn="l" defTabSz="914400" rtl="0" eaLnBrk="1" latinLnBrk="0" hangingPunct="1">
+              <a:lnSpc>
+                <a:spcPct val="90000"/>
+              </a:lnSpc>
+              <a:spcBef>
+                <a:spcPts val="500"/>
+              </a:spcBef>
+              <a:buFont typeface="Arial" panose="020B0604020202020204" pitchFamily="34" charset="0"/>
+              <a:buChar char="•"/>
+              <a:defRPr sz="1800" kern="1200">
+                <a:solidFill>
+                  <a:schemeClr val="tx1"/>
+                </a:solidFill>
+                <a:latin typeface="+mn-lt"/>
+                <a:ea typeface="+mn-ea"/>
+                <a:cs typeface="+mn-cs"/>
+              </a:defRPr>
+            </a:lvl8pPr>
+            <a:lvl9pPr marL="3886200" indent="-228600" algn="l" defTabSz="914400" rtl="0" eaLnBrk="1" latinLnBrk="0" hangingPunct="1">
+              <a:lnSpc>
+                <a:spcPct val="90000"/>
+              </a:lnSpc>
+              <a:spcBef>
+                <a:spcPts val="500"/>
+              </a:spcBef>
+              <a:buFont typeface="Arial" panose="020B0604020202020204" pitchFamily="34" charset="0"/>
+              <a:buChar char="•"/>
+              <a:defRPr sz="1800" kern="1200">
+                <a:solidFill>
+                  <a:schemeClr val="tx1"/>
+                </a:solidFill>
+                <a:latin typeface="+mn-lt"/>
+                <a:ea typeface="+mn-ea"/>
+                <a:cs typeface="+mn-cs"/>
+              </a:defRPr>
+            </a:lvl9pPr>
+          </a:lstStyle>
+          <a:p>
+            <a:pPr marL="0" indent="0">
+              <a:buNone/>
+            </a:pPr>
+            <a:r>
+              <a:rPr lang="en-US" altLang="zh-CN" sz="2000" dirty="0">
+                <a:solidFill>
+                  <a:schemeClr val="accent5"/>
+                </a:solidFill>
+                <a:latin typeface="+mj-ea"/>
+                <a:ea typeface="+mj-ea"/>
+              </a:rPr>
+              <a:t>POTENTIAL FUTURE DEVELOPMENTS</a:t>
+            </a:r>
+            <a:endParaRPr lang="en-GB" sz="2000" dirty="0">
+              <a:solidFill>
+                <a:schemeClr val="accent5"/>
+              </a:solidFill>
+              <a:latin typeface="+mj-ea"/>
+              <a:ea typeface="+mj-ea"/>
+            </a:endParaRPr>
+          </a:p>
+        </p:txBody>
+      </p:sp>
+      <p:sp>
+        <p:nvSpPr>
+          <p:cNvPr id="2" name="文本框 1">
+            <a:extLst>
+              <a:ext uri="{FF2B5EF4-FFF2-40B4-BE49-F238E27FC236}">
+                <a16:creationId xmlns:a16="http://schemas.microsoft.com/office/drawing/2014/main" id="{91B30BA7-74AF-4614-AA48-FF4622AD5F4A}"/>
+              </a:ext>
+            </a:extLst>
+          </p:cNvPr>
+          <p:cNvSpPr txBox="1"/>
+          <p:nvPr/>
+        </p:nvSpPr>
+        <p:spPr>
+          <a:xfrm>
+            <a:off x="1743494" y="2081035"/>
+            <a:ext cx="9225380" cy="1915204"/>
+          </a:xfrm>
+          <a:prstGeom prst="rect">
+            <a:avLst/>
+          </a:prstGeom>
+          <a:noFill/>
+        </p:spPr>
+        <p:txBody>
+          <a:bodyPr wrap="square" rtlCol="0">
+            <a:spAutoFit/>
+          </a:bodyPr>
+          <a:lstStyle/>
+          <a:p>
+            <a:pPr marL="285750" indent="-285750" algn="just" latinLnBrk="1">
+              <a:lnSpc>
+                <a:spcPct val="120000"/>
+              </a:lnSpc>
+              <a:buFont typeface="Arial" panose="020B0604020202020204" pitchFamily="34" charset="0"/>
+              <a:buChar char="•"/>
+            </a:pPr>
+            <a:r>
+              <a:rPr lang="en-US" altLang="zh-CN" sz="2000" dirty="0">
+                <a:latin typeface="+mn-ea"/>
+              </a:rPr>
+              <a:t>No more manual data collections:</a:t>
+            </a:r>
+          </a:p>
+          <a:p>
+            <a:pPr marL="742950" lvl="1" indent="-285750" algn="just" latinLnBrk="1">
+              <a:lnSpc>
+                <a:spcPct val="120000"/>
+              </a:lnSpc>
+              <a:buFont typeface="Arial" panose="020B0604020202020204" pitchFamily="34" charset="0"/>
+              <a:buChar char="•"/>
+            </a:pPr>
+            <a:r>
+              <a:rPr lang="en-US" altLang="zh-CN" sz="2000" dirty="0">
+                <a:latin typeface="+mn-ea"/>
+              </a:rPr>
+              <a:t>Use web-crawling to collect sample itineraries and landmarks</a:t>
+            </a:r>
+          </a:p>
+          <a:p>
+            <a:pPr marL="742950" lvl="1" indent="-285750" algn="just" latinLnBrk="1">
+              <a:lnSpc>
+                <a:spcPct val="120000"/>
+              </a:lnSpc>
+              <a:buFont typeface="Arial" panose="020B0604020202020204" pitchFamily="34" charset="0"/>
+              <a:buChar char="•"/>
+            </a:pPr>
+            <a:r>
+              <a:rPr lang="en-US" altLang="zh-CN" sz="2000" dirty="0">
+                <a:latin typeface="+mn-ea"/>
+              </a:rPr>
+              <a:t>Use weather and Map API to collect transportation times between landmarks</a:t>
+            </a:r>
+          </a:p>
+          <a:p>
+            <a:pPr marL="742950" lvl="1" indent="-285750" algn="just" latinLnBrk="1">
+              <a:lnSpc>
+                <a:spcPct val="120000"/>
+              </a:lnSpc>
+              <a:buFont typeface="Arial" panose="020B0604020202020204" pitchFamily="34" charset="0"/>
+              <a:buChar char="•"/>
+            </a:pPr>
+            <a:r>
+              <a:rPr lang="en-US" altLang="zh-CN" sz="2000" dirty="0">
+                <a:latin typeface="+mn-ea"/>
+              </a:rPr>
+              <a:t>Put the collected input into the model and generate the optimal personalized itinerary for users</a:t>
+            </a:r>
+            <a:endParaRPr lang="zh-CN" altLang="en-US" sz="2000" dirty="0">
+              <a:latin typeface="+mn-ea"/>
+            </a:endParaRPr>
+          </a:p>
+        </p:txBody>
+      </p:sp>
+      <p:sp>
+        <p:nvSpPr>
+          <p:cNvPr id="3" name="矩形 2">
+            <a:extLst>
+              <a:ext uri="{FF2B5EF4-FFF2-40B4-BE49-F238E27FC236}">
+                <a16:creationId xmlns:a16="http://schemas.microsoft.com/office/drawing/2014/main" id="{B4ADDF0D-861B-F9F6-9267-D25417766E8C}"/>
+              </a:ext>
+            </a:extLst>
+          </p:cNvPr>
+          <p:cNvSpPr/>
+          <p:nvPr/>
+        </p:nvSpPr>
+        <p:spPr>
+          <a:xfrm>
+            <a:off x="6322451" y="1688005"/>
+            <a:ext cx="67467" cy="67467"/>
+          </a:xfrm>
+          <a:prstGeom prst="rect">
+            <a:avLst/>
+          </a:prstGeom>
+          <a:solidFill>
+            <a:schemeClr val="accent5">
+              <a:lumMod val="40000"/>
+              <a:lumOff val="60000"/>
+            </a:schemeClr>
+          </a:solidFill>
+          <a:ln>
+            <a:noFill/>
+          </a:ln>
+        </p:spPr>
+        <p:style>
+          <a:lnRef idx="2">
+            <a:schemeClr val="accent1">
+              <a:shade val="50000"/>
+            </a:schemeClr>
+          </a:lnRef>
+          <a:fillRef idx="1">
+            <a:schemeClr val="accent1"/>
+          </a:fillRef>
+          <a:effectRef idx="0">
+            <a:schemeClr val="accent1"/>
+          </a:effectRef>
+          <a:fontRef idx="minor">
+            <a:schemeClr val="lt1"/>
+          </a:fontRef>
+        </p:style>
+        <p:txBody>
+          <a:bodyPr rtlCol="0" anchor="ctr">
+            <a:spAutoFit/>
+          </a:bodyPr>
+          <a:lstStyle/>
+          <a:p>
+            <a:pPr algn="ctr"/>
+            <a:endParaRPr lang="zh-CN" altLang="en-US"/>
+          </a:p>
+        </p:txBody>
+      </p:sp>
+      <p:sp>
+        <p:nvSpPr>
+          <p:cNvPr id="4" name="矩形 3">
+            <a:extLst>
+              <a:ext uri="{FF2B5EF4-FFF2-40B4-BE49-F238E27FC236}">
+                <a16:creationId xmlns:a16="http://schemas.microsoft.com/office/drawing/2014/main" id="{F5A8641F-75B9-8B13-B490-F66A7A40258C}"/>
+              </a:ext>
+            </a:extLst>
+          </p:cNvPr>
+          <p:cNvSpPr/>
+          <p:nvPr/>
+        </p:nvSpPr>
+        <p:spPr>
+          <a:xfrm>
+            <a:off x="6462538" y="1688004"/>
+            <a:ext cx="67467" cy="67467"/>
+          </a:xfrm>
+          <a:prstGeom prst="rect">
+            <a:avLst/>
+          </a:prstGeom>
+          <a:solidFill>
+            <a:schemeClr val="accent5">
+              <a:lumMod val="40000"/>
+              <a:lumOff val="60000"/>
+            </a:schemeClr>
+          </a:solidFill>
+          <a:ln>
+            <a:noFill/>
+          </a:ln>
+        </p:spPr>
+        <p:style>
+          <a:lnRef idx="2">
+            <a:schemeClr val="accent1">
+              <a:shade val="50000"/>
+            </a:schemeClr>
+          </a:lnRef>
+          <a:fillRef idx="1">
+            <a:schemeClr val="accent1"/>
+          </a:fillRef>
+          <a:effectRef idx="0">
+            <a:schemeClr val="accent1"/>
+          </a:effectRef>
+          <a:fontRef idx="minor">
+            <a:schemeClr val="lt1"/>
+          </a:fontRef>
+        </p:style>
+        <p:txBody>
+          <a:bodyPr rtlCol="0" anchor="ctr">
+            <a:spAutoFit/>
+          </a:bodyPr>
+          <a:lstStyle/>
+          <a:p>
+            <a:pPr algn="ctr"/>
+            <a:endParaRPr lang="zh-CN" altLang="en-US"/>
+          </a:p>
+        </p:txBody>
+      </p:sp>
+      <p:sp>
+        <p:nvSpPr>
+          <p:cNvPr id="5" name="矩形 4">
+            <a:extLst>
+              <a:ext uri="{FF2B5EF4-FFF2-40B4-BE49-F238E27FC236}">
+                <a16:creationId xmlns:a16="http://schemas.microsoft.com/office/drawing/2014/main" id="{85CD4FE7-F909-2804-CDFC-25193BE2D1A7}"/>
+              </a:ext>
+            </a:extLst>
+          </p:cNvPr>
+          <p:cNvSpPr/>
+          <p:nvPr/>
+        </p:nvSpPr>
+        <p:spPr>
+          <a:xfrm>
+            <a:off x="6602625" y="1688004"/>
+            <a:ext cx="67467" cy="67467"/>
+          </a:xfrm>
+          <a:prstGeom prst="rect">
+            <a:avLst/>
+          </a:prstGeom>
+          <a:solidFill>
+            <a:schemeClr val="accent5">
+              <a:lumMod val="40000"/>
+              <a:lumOff val="60000"/>
+            </a:schemeClr>
+          </a:solidFill>
+          <a:ln>
+            <a:noFill/>
+          </a:ln>
+        </p:spPr>
+        <p:style>
+          <a:lnRef idx="2">
+            <a:schemeClr val="accent1">
+              <a:shade val="50000"/>
+            </a:schemeClr>
+          </a:lnRef>
+          <a:fillRef idx="1">
+            <a:schemeClr val="accent1"/>
+          </a:fillRef>
+          <a:effectRef idx="0">
+            <a:schemeClr val="accent1"/>
+          </a:effectRef>
+          <a:fontRef idx="minor">
+            <a:schemeClr val="lt1"/>
+          </a:fontRef>
+        </p:style>
+        <p:txBody>
+          <a:bodyPr rtlCol="0" anchor="ctr">
+            <a:spAutoFit/>
+          </a:bodyPr>
+          <a:lstStyle/>
+          <a:p>
+            <a:pPr algn="ctr"/>
+            <a:endParaRPr lang="zh-CN" altLang="en-US"/>
+          </a:p>
+        </p:txBody>
+      </p:sp>
+      <p:sp>
+        <p:nvSpPr>
+          <p:cNvPr id="6" name="任意多边形: 形状 5">
+            <a:extLst>
+              <a:ext uri="{FF2B5EF4-FFF2-40B4-BE49-F238E27FC236}">
+                <a16:creationId xmlns:a16="http://schemas.microsoft.com/office/drawing/2014/main" id="{EF237B7D-9ED2-528A-A4E8-5A4B20EA56AF}"/>
+              </a:ext>
+            </a:extLst>
+          </p:cNvPr>
+          <p:cNvSpPr/>
+          <p:nvPr/>
+        </p:nvSpPr>
+        <p:spPr>
+          <a:xfrm>
+            <a:off x="1158728" y="1426609"/>
+            <a:ext cx="609685" cy="609685"/>
+          </a:xfrm>
+          <a:custGeom>
+            <a:avLst/>
+            <a:gdLst>
+              <a:gd name="T0" fmla="*/ 10924 w 12800"/>
+              <a:gd name="T1" fmla="*/ 1876 h 12800"/>
+              <a:gd name="T2" fmla="*/ 12800 w 12800"/>
+              <a:gd name="T3" fmla="*/ 6400 h 12800"/>
+              <a:gd name="T4" fmla="*/ 10924 w 12800"/>
+              <a:gd name="T5" fmla="*/ 10924 h 12800"/>
+              <a:gd name="T6" fmla="*/ 6400 w 12800"/>
+              <a:gd name="T7" fmla="*/ 12800 h 12800"/>
+              <a:gd name="T8" fmla="*/ 1876 w 12800"/>
+              <a:gd name="T9" fmla="*/ 10924 h 12800"/>
+              <a:gd name="T10" fmla="*/ 0 w 12800"/>
+              <a:gd name="T11" fmla="*/ 6400 h 12800"/>
+              <a:gd name="T12" fmla="*/ 1876 w 12800"/>
+              <a:gd name="T13" fmla="*/ 1876 h 12800"/>
+              <a:gd name="T14" fmla="*/ 6400 w 12800"/>
+              <a:gd name="T15" fmla="*/ 0 h 12800"/>
+              <a:gd name="T16" fmla="*/ 10924 w 12800"/>
+              <a:gd name="T17" fmla="*/ 1876 h 12800"/>
+              <a:gd name="T18" fmla="*/ 10246 w 12800"/>
+              <a:gd name="T19" fmla="*/ 6584 h 12800"/>
+              <a:gd name="T20" fmla="*/ 6339 w 12800"/>
+              <a:gd name="T21" fmla="*/ 2646 h 12800"/>
+              <a:gd name="T22" fmla="*/ 2400 w 12800"/>
+              <a:gd name="T23" fmla="*/ 6584 h 12800"/>
+              <a:gd name="T24" fmla="*/ 3108 w 12800"/>
+              <a:gd name="T25" fmla="*/ 7261 h 12800"/>
+              <a:gd name="T26" fmla="*/ 5846 w 12800"/>
+              <a:gd name="T27" fmla="*/ 4524 h 12800"/>
+              <a:gd name="T28" fmla="*/ 5846 w 12800"/>
+              <a:gd name="T29" fmla="*/ 10492 h 12800"/>
+              <a:gd name="T30" fmla="*/ 6830 w 12800"/>
+              <a:gd name="T31" fmla="*/ 10492 h 12800"/>
+              <a:gd name="T32" fmla="*/ 6830 w 12800"/>
+              <a:gd name="T33" fmla="*/ 4524 h 12800"/>
+              <a:gd name="T34" fmla="*/ 9568 w 12800"/>
+              <a:gd name="T35" fmla="*/ 7261 h 12800"/>
+              <a:gd name="T36" fmla="*/ 10246 w 12800"/>
+              <a:gd name="T37" fmla="*/ 6584 h 12800"/>
+            </a:gdLst>
+            <a:ahLst/>
+            <a:cxnLst>
+              <a:cxn ang="0">
+                <a:pos x="T0" y="T1"/>
+              </a:cxn>
+              <a:cxn ang="0">
+                <a:pos x="T2" y="T3"/>
+              </a:cxn>
+              <a:cxn ang="0">
+                <a:pos x="T4" y="T5"/>
+              </a:cxn>
+              <a:cxn ang="0">
+                <a:pos x="T6" y="T7"/>
+              </a:cxn>
+              <a:cxn ang="0">
+                <a:pos x="T8" y="T9"/>
+              </a:cxn>
+              <a:cxn ang="0">
+                <a:pos x="T10" y="T11"/>
+              </a:cxn>
+              <a:cxn ang="0">
+                <a:pos x="T12" y="T13"/>
+              </a:cxn>
+              <a:cxn ang="0">
+                <a:pos x="T14" y="T15"/>
+              </a:cxn>
+              <a:cxn ang="0">
+                <a:pos x="T16" y="T17"/>
+              </a:cxn>
+              <a:cxn ang="0">
+                <a:pos x="T18" y="T19"/>
+              </a:cxn>
+              <a:cxn ang="0">
+                <a:pos x="T20" y="T21"/>
+              </a:cxn>
+              <a:cxn ang="0">
+                <a:pos x="T22" y="T23"/>
+              </a:cxn>
+              <a:cxn ang="0">
+                <a:pos x="T24" y="T25"/>
+              </a:cxn>
+              <a:cxn ang="0">
+                <a:pos x="T26" y="T27"/>
+              </a:cxn>
+              <a:cxn ang="0">
+                <a:pos x="T28" y="T29"/>
+              </a:cxn>
+              <a:cxn ang="0">
+                <a:pos x="T30" y="T31"/>
+              </a:cxn>
+              <a:cxn ang="0">
+                <a:pos x="T32" y="T33"/>
+              </a:cxn>
+              <a:cxn ang="0">
+                <a:pos x="T34" y="T35"/>
+              </a:cxn>
+              <a:cxn ang="0">
+                <a:pos x="T36" y="T37"/>
+              </a:cxn>
+            </a:cxnLst>
+            <a:rect l="0" t="0" r="r" b="b"/>
+            <a:pathLst>
+              <a:path w="12800" h="12800">
+                <a:moveTo>
+                  <a:pt x="10924" y="1876"/>
+                </a:moveTo>
+                <a:cubicBezTo>
+                  <a:pt x="12174" y="3128"/>
+                  <a:pt x="12800" y="4636"/>
+                  <a:pt x="12800" y="6400"/>
+                </a:cubicBezTo>
+                <a:cubicBezTo>
+                  <a:pt x="12800" y="8165"/>
+                  <a:pt x="12174" y="9673"/>
+                  <a:pt x="10924" y="10924"/>
+                </a:cubicBezTo>
+                <a:cubicBezTo>
+                  <a:pt x="9672" y="12174"/>
+                  <a:pt x="8164" y="12800"/>
+                  <a:pt x="6400" y="12800"/>
+                </a:cubicBezTo>
+                <a:cubicBezTo>
+                  <a:pt x="4636" y="12800"/>
+                  <a:pt x="3128" y="12174"/>
+                  <a:pt x="1876" y="10924"/>
+                </a:cubicBezTo>
+                <a:cubicBezTo>
+                  <a:pt x="626" y="9673"/>
+                  <a:pt x="0" y="8165"/>
+                  <a:pt x="0" y="6400"/>
+                </a:cubicBezTo>
+                <a:cubicBezTo>
+                  <a:pt x="0" y="4636"/>
+                  <a:pt x="626" y="3128"/>
+                  <a:pt x="1876" y="1876"/>
+                </a:cubicBezTo>
+                <a:cubicBezTo>
+                  <a:pt x="3128" y="626"/>
+                  <a:pt x="4636" y="0"/>
+                  <a:pt x="6400" y="0"/>
+                </a:cubicBezTo>
+                <a:cubicBezTo>
+                  <a:pt x="8164" y="0"/>
+                  <a:pt x="9672" y="626"/>
+                  <a:pt x="10924" y="1876"/>
+                </a:cubicBezTo>
+                <a:close/>
+                <a:moveTo>
+                  <a:pt x="10246" y="6584"/>
+                </a:moveTo>
+                <a:lnTo>
+                  <a:pt x="6339" y="2646"/>
+                </a:lnTo>
+                <a:lnTo>
+                  <a:pt x="2400" y="6584"/>
+                </a:lnTo>
+                <a:lnTo>
+                  <a:pt x="3108" y="7261"/>
+                </a:lnTo>
+                <a:lnTo>
+                  <a:pt x="5846" y="4524"/>
+                </a:lnTo>
+                <a:lnTo>
+                  <a:pt x="5846" y="10492"/>
+                </a:lnTo>
+                <a:lnTo>
+                  <a:pt x="6830" y="10492"/>
+                </a:lnTo>
+                <a:lnTo>
+                  <a:pt x="6830" y="4524"/>
+                </a:lnTo>
+                <a:lnTo>
+                  <a:pt x="9568" y="7261"/>
+                </a:lnTo>
+                <a:lnTo>
+                  <a:pt x="10246" y="6584"/>
+                </a:lnTo>
+                <a:close/>
+              </a:path>
+            </a:pathLst>
+          </a:custGeom>
+          <a:solidFill>
+            <a:srgbClr val="BDD7EE"/>
+          </a:solidFill>
+          <a:ln>
+            <a:noFill/>
+          </a:ln>
+        </p:spPr>
+        <p:style>
+          <a:lnRef idx="2">
+            <a:schemeClr val="accent1">
+              <a:shade val="50000"/>
+            </a:schemeClr>
+          </a:lnRef>
+          <a:fillRef idx="1">
+            <a:schemeClr val="accent1"/>
+          </a:fillRef>
+          <a:effectRef idx="0">
+            <a:schemeClr val="accent1"/>
+          </a:effectRef>
+          <a:fontRef idx="minor">
+            <a:schemeClr val="lt1"/>
+          </a:fontRef>
+        </p:style>
+        <p:txBody>
+          <a:bodyPr rtlCol="0" anchor="ctr"/>
+          <a:lstStyle/>
+          <a:p>
+            <a:pPr algn="ctr"/>
+            <a:endParaRPr lang="en-US"/>
+          </a:p>
+        </p:txBody>
+      </p:sp>
+    </p:spTree>
+    <p:extLst>
+      <p:ext uri="{BB962C8B-B14F-4D97-AF65-F5344CB8AC3E}">
+        <p14:creationId xmlns:p14="http://schemas.microsoft.com/office/powerpoint/2010/main" val="1098715330"/>
+      </p:ext>
+    </p:extLst>
+  </p:cSld>
+  <p:clrMapOvr>
+    <a:masterClrMapping/>
+  </p:clrMapOvr>
+</p:sld>
+</file>
+
+<file path=ppt/slides/slide18.xml><?xml version="1.0" encoding="utf-8"?>
+<p:sld xmlns:a="http://schemas.openxmlformats.org/drawingml/2006/main" xmlns:r="http://schemas.openxmlformats.org/officeDocument/2006/relationships" xmlns:p="http://schemas.openxmlformats.org/presentationml/2006/main">
+  <p:cSld>
+    <p:spTree>
+      <p:nvGrpSpPr>
+        <p:cNvPr id="1" name=""/>
+        <p:cNvGrpSpPr/>
+        <p:nvPr/>
+      </p:nvGrpSpPr>
+      <p:grpSpPr>
+        <a:xfrm>
+          <a:off x="0" y="0"/>
+          <a:ext cx="0" cy="0"/>
+          <a:chOff x="0" y="0"/>
+          <a:chExt cx="0" cy="0"/>
+        </a:xfrm>
+      </p:grpSpPr>
+      <p:sp>
+        <p:nvSpPr>
+          <p:cNvPr id="38" name="文本框 37">
+            <a:extLst>
+              <a:ext uri="{FF2B5EF4-FFF2-40B4-BE49-F238E27FC236}">
+                <a16:creationId xmlns:a16="http://schemas.microsoft.com/office/drawing/2014/main" id="{DA24AF7C-A39D-47AD-9B92-2B4E7DA2873A}"/>
+              </a:ext>
+            </a:extLst>
+          </p:cNvPr>
+          <p:cNvSpPr txBox="1">
+            <a:spLocks/>
+          </p:cNvSpPr>
+          <p:nvPr/>
+        </p:nvSpPr>
+        <p:spPr>
+          <a:xfrm>
             <a:off x="660400" y="824728"/>
             <a:ext cx="8026400" cy="646331"/>
           </a:xfrm>
@@ -9989,7 +10984,7 @@
 </p:sld>
 </file>
 
-<file path=ppt/slides/slide18.xml><?xml version="1.0" encoding="utf-8"?>
+<file path=ppt/slides/slide19.xml><?xml version="1.0" encoding="utf-8"?>
 <p:sld xmlns:a="http://schemas.openxmlformats.org/drawingml/2006/main" xmlns:r="http://schemas.openxmlformats.org/officeDocument/2006/relationships" xmlns:p="http://schemas.openxmlformats.org/presentationml/2006/main">
   <p:cSld>
     <p:spTree>
@@ -10456,7 +11451,455 @@
 </p:sld>
 </file>
 
-<file path=ppt/slides/slide19.xml><?xml version="1.0" encoding="utf-8"?>
+<file path=ppt/slides/slide2.xml><?xml version="1.0" encoding="utf-8"?>
+<p:sld xmlns:a="http://schemas.openxmlformats.org/drawingml/2006/main" xmlns:r="http://schemas.openxmlformats.org/officeDocument/2006/relationships" xmlns:p="http://schemas.openxmlformats.org/presentationml/2006/main">
+  <p:cSld>
+    <p:spTree>
+      <p:nvGrpSpPr>
+        <p:cNvPr id="1" name=""/>
+        <p:cNvGrpSpPr/>
+        <p:nvPr/>
+      </p:nvGrpSpPr>
+      <p:grpSpPr>
+        <a:xfrm>
+          <a:off x="0" y="0"/>
+          <a:ext cx="0" cy="0"/>
+          <a:chOff x="0" y="0"/>
+          <a:chExt cx="0" cy="0"/>
+        </a:xfrm>
+      </p:grpSpPr>
+      <p:sp>
+        <p:nvSpPr>
+          <p:cNvPr id="3" name="文本框 2">
+            <a:extLst>
+              <a:ext uri="{FF2B5EF4-FFF2-40B4-BE49-F238E27FC236}">
+                <a16:creationId xmlns:a16="http://schemas.microsoft.com/office/drawing/2014/main" id="{30641B6D-6F2A-4664-8B9F-E8138D98CC70}"/>
+              </a:ext>
+            </a:extLst>
+          </p:cNvPr>
+          <p:cNvSpPr txBox="1">
+            <a:spLocks/>
+          </p:cNvSpPr>
+          <p:nvPr/>
+        </p:nvSpPr>
+        <p:spPr>
+          <a:xfrm>
+            <a:off x="660400" y="780278"/>
+            <a:ext cx="3892550" cy="646331"/>
+          </a:xfrm>
+          <a:prstGeom prst="rect">
+            <a:avLst/>
+          </a:prstGeom>
+        </p:spPr>
+        <p:txBody>
+          <a:bodyPr wrap="square">
+            <a:spAutoFit/>
+          </a:bodyPr>
+          <a:lstStyle>
+            <a:lvl1pPr marL="228600" indent="-228600" algn="l" defTabSz="914400" rtl="0" eaLnBrk="1" latinLnBrk="0" hangingPunct="1">
+              <a:lnSpc>
+                <a:spcPct val="90000"/>
+              </a:lnSpc>
+              <a:spcBef>
+                <a:spcPts val="1000"/>
+              </a:spcBef>
+              <a:buFont typeface="Arial" panose="020B0604020202020204" pitchFamily="34" charset="0"/>
+              <a:buChar char="•"/>
+              <a:defRPr sz="2800" kern="1200">
+                <a:solidFill>
+                  <a:schemeClr val="tx1"/>
+                </a:solidFill>
+                <a:latin typeface="+mn-lt"/>
+                <a:ea typeface="+mn-ea"/>
+                <a:cs typeface="+mn-cs"/>
+              </a:defRPr>
+            </a:lvl1pPr>
+            <a:lvl2pPr marL="685800" indent="-228600" algn="l" defTabSz="914400" rtl="0" eaLnBrk="1" latinLnBrk="0" hangingPunct="1">
+              <a:lnSpc>
+                <a:spcPct val="90000"/>
+              </a:lnSpc>
+              <a:spcBef>
+                <a:spcPts val="500"/>
+              </a:spcBef>
+              <a:buFont typeface="Arial" panose="020B0604020202020204" pitchFamily="34" charset="0"/>
+              <a:buChar char="•"/>
+              <a:defRPr sz="2400" kern="1200">
+                <a:solidFill>
+                  <a:schemeClr val="tx1"/>
+                </a:solidFill>
+                <a:latin typeface="+mn-lt"/>
+                <a:ea typeface="+mn-ea"/>
+                <a:cs typeface="+mn-cs"/>
+              </a:defRPr>
+            </a:lvl2pPr>
+            <a:lvl3pPr marL="1143000" indent="-228600" algn="l" defTabSz="914400" rtl="0" eaLnBrk="1" latinLnBrk="0" hangingPunct="1">
+              <a:lnSpc>
+                <a:spcPct val="90000"/>
+              </a:lnSpc>
+              <a:spcBef>
+                <a:spcPts val="500"/>
+              </a:spcBef>
+              <a:buFont typeface="Arial" panose="020B0604020202020204" pitchFamily="34" charset="0"/>
+              <a:buChar char="•"/>
+              <a:defRPr sz="2000" kern="1200">
+                <a:solidFill>
+                  <a:schemeClr val="tx1"/>
+                </a:solidFill>
+                <a:latin typeface="+mn-lt"/>
+                <a:ea typeface="+mn-ea"/>
+                <a:cs typeface="+mn-cs"/>
+              </a:defRPr>
+            </a:lvl3pPr>
+            <a:lvl4pPr marL="1600200" indent="-228600" algn="l" defTabSz="914400" rtl="0" eaLnBrk="1" latinLnBrk="0" hangingPunct="1">
+              <a:lnSpc>
+                <a:spcPct val="90000"/>
+              </a:lnSpc>
+              <a:spcBef>
+                <a:spcPts val="500"/>
+              </a:spcBef>
+              <a:buFont typeface="Arial" panose="020B0604020202020204" pitchFamily="34" charset="0"/>
+              <a:buChar char="•"/>
+              <a:defRPr sz="1800" kern="1200">
+                <a:solidFill>
+                  <a:schemeClr val="tx1"/>
+                </a:solidFill>
+                <a:latin typeface="+mn-lt"/>
+                <a:ea typeface="+mn-ea"/>
+                <a:cs typeface="+mn-cs"/>
+              </a:defRPr>
+            </a:lvl4pPr>
+            <a:lvl5pPr marL="2057400" indent="-228600" algn="l" defTabSz="914400" rtl="0" eaLnBrk="1" latinLnBrk="0" hangingPunct="1">
+              <a:lnSpc>
+                <a:spcPct val="90000"/>
+              </a:lnSpc>
+              <a:spcBef>
+                <a:spcPts val="500"/>
+              </a:spcBef>
+              <a:buFont typeface="Arial" panose="020B0604020202020204" pitchFamily="34" charset="0"/>
+              <a:buChar char="•"/>
+              <a:defRPr sz="1800" kern="1200">
+                <a:solidFill>
+                  <a:schemeClr val="tx1"/>
+                </a:solidFill>
+                <a:latin typeface="+mn-lt"/>
+                <a:ea typeface="+mn-ea"/>
+                <a:cs typeface="+mn-cs"/>
+              </a:defRPr>
+            </a:lvl5pPr>
+            <a:lvl6pPr marL="2514600" indent="-228600" algn="l" defTabSz="914400" rtl="0" eaLnBrk="1" latinLnBrk="0" hangingPunct="1">
+              <a:lnSpc>
+                <a:spcPct val="90000"/>
+              </a:lnSpc>
+              <a:spcBef>
+                <a:spcPts val="500"/>
+              </a:spcBef>
+              <a:buFont typeface="Arial" panose="020B0604020202020204" pitchFamily="34" charset="0"/>
+              <a:buChar char="•"/>
+              <a:defRPr sz="1800" kern="1200">
+                <a:solidFill>
+                  <a:schemeClr val="tx1"/>
+                </a:solidFill>
+                <a:latin typeface="+mn-lt"/>
+                <a:ea typeface="+mn-ea"/>
+                <a:cs typeface="+mn-cs"/>
+              </a:defRPr>
+            </a:lvl6pPr>
+            <a:lvl7pPr marL="2971800" indent="-228600" algn="l" defTabSz="914400" rtl="0" eaLnBrk="1" latinLnBrk="0" hangingPunct="1">
+              <a:lnSpc>
+                <a:spcPct val="90000"/>
+              </a:lnSpc>
+              <a:spcBef>
+                <a:spcPts val="500"/>
+              </a:spcBef>
+              <a:buFont typeface="Arial" panose="020B0604020202020204" pitchFamily="34" charset="0"/>
+              <a:buChar char="•"/>
+              <a:defRPr sz="1800" kern="1200">
+                <a:solidFill>
+                  <a:schemeClr val="tx1"/>
+                </a:solidFill>
+                <a:latin typeface="+mn-lt"/>
+                <a:ea typeface="+mn-ea"/>
+                <a:cs typeface="+mn-cs"/>
+              </a:defRPr>
+            </a:lvl7pPr>
+            <a:lvl8pPr marL="3429000" indent="-228600" algn="l" defTabSz="914400" rtl="0" eaLnBrk="1" latinLnBrk="0" hangingPunct="1">
+              <a:lnSpc>
+                <a:spcPct val="90000"/>
+              </a:lnSpc>
+              <a:spcBef>
+                <a:spcPts val="500"/>
+              </a:spcBef>
+              <a:buFont typeface="Arial" panose="020B0604020202020204" pitchFamily="34" charset="0"/>
+              <a:buChar char="•"/>
+              <a:defRPr sz="1800" kern="1200">
+                <a:solidFill>
+                  <a:schemeClr val="tx1"/>
+                </a:solidFill>
+                <a:latin typeface="+mn-lt"/>
+                <a:ea typeface="+mn-ea"/>
+                <a:cs typeface="+mn-cs"/>
+              </a:defRPr>
+            </a:lvl8pPr>
+            <a:lvl9pPr marL="3886200" indent="-228600" algn="l" defTabSz="914400" rtl="0" eaLnBrk="1" latinLnBrk="0" hangingPunct="1">
+              <a:lnSpc>
+                <a:spcPct val="90000"/>
+              </a:lnSpc>
+              <a:spcBef>
+                <a:spcPts val="500"/>
+              </a:spcBef>
+              <a:buFont typeface="Arial" panose="020B0604020202020204" pitchFamily="34" charset="0"/>
+              <a:buChar char="•"/>
+              <a:defRPr sz="1800" kern="1200">
+                <a:solidFill>
+                  <a:schemeClr val="tx1"/>
+                </a:solidFill>
+                <a:latin typeface="+mn-lt"/>
+                <a:ea typeface="+mn-ea"/>
+                <a:cs typeface="+mn-cs"/>
+              </a:defRPr>
+            </a:lvl9pPr>
+          </a:lstStyle>
+          <a:p>
+            <a:pPr marL="0" indent="0">
+              <a:buNone/>
+            </a:pPr>
+            <a:r>
+              <a:rPr lang="en-US" altLang="zh-CN" sz="4000" b="1" dirty="0">
+                <a:solidFill>
+                  <a:schemeClr val="bg1">
+                    <a:lumMod val="65000"/>
+                  </a:schemeClr>
+                </a:solidFill>
+                <a:latin typeface="+mj-ea"/>
+                <a:ea typeface="+mj-ea"/>
+              </a:rPr>
+              <a:t>DESCRIPTION</a:t>
+            </a:r>
+            <a:endParaRPr lang="en-GB" sz="4000" b="1" dirty="0">
+              <a:solidFill>
+                <a:schemeClr val="bg1">
+                  <a:lumMod val="65000"/>
+                </a:schemeClr>
+              </a:solidFill>
+              <a:latin typeface="+mj-ea"/>
+              <a:ea typeface="+mj-ea"/>
+            </a:endParaRPr>
+          </a:p>
+        </p:txBody>
+      </p:sp>
+      <p:sp>
+        <p:nvSpPr>
+          <p:cNvPr id="6" name="文本框 5">
+            <a:extLst>
+              <a:ext uri="{FF2B5EF4-FFF2-40B4-BE49-F238E27FC236}">
+                <a16:creationId xmlns:a16="http://schemas.microsoft.com/office/drawing/2014/main" id="{1575EEEB-3536-68B6-E739-A319007DC7D1}"/>
+              </a:ext>
+            </a:extLst>
+          </p:cNvPr>
+          <p:cNvSpPr txBox="1"/>
+          <p:nvPr/>
+        </p:nvSpPr>
+        <p:spPr>
+          <a:xfrm flipH="1">
+            <a:off x="1655326" y="1335568"/>
+            <a:ext cx="8881347" cy="4987776"/>
+          </a:xfrm>
+          <a:prstGeom prst="rect">
+            <a:avLst/>
+          </a:prstGeom>
+          <a:noFill/>
+        </p:spPr>
+        <p:txBody>
+          <a:bodyPr wrap="square" rtlCol="0">
+            <a:spAutoFit/>
+          </a:bodyPr>
+          <a:lstStyle/>
+          <a:p>
+            <a:pPr algn="just" latinLnBrk="1">
+              <a:lnSpc>
+                <a:spcPct val="120000"/>
+              </a:lnSpc>
+            </a:pPr>
+            <a:r>
+              <a:rPr lang="en-US" altLang="zh-CN" sz="1400" dirty="0">
+                <a:latin typeface="+mn-ea"/>
+              </a:rPr>
+              <a:t>Our Trip Advisor application is an innovative, AI-driven travel planning tool designed to deliver personalized travel itineraries. The app integrates machine learning and weather data to optimize the user's travel experience by recommending suitable landmarks based on weather conditions and preferences.</a:t>
+            </a:r>
+          </a:p>
+          <a:p>
+            <a:pPr algn="just" latinLnBrk="1">
+              <a:lnSpc>
+                <a:spcPct val="120000"/>
+              </a:lnSpc>
+            </a:pPr>
+            <a:endParaRPr lang="en-US" altLang="zh-CN" sz="1400" dirty="0">
+              <a:latin typeface="+mn-ea"/>
+            </a:endParaRPr>
+          </a:p>
+          <a:p>
+            <a:pPr marL="285750" indent="-285750" algn="just" latinLnBrk="1">
+              <a:lnSpc>
+                <a:spcPct val="120000"/>
+              </a:lnSpc>
+              <a:buFont typeface="Arial" panose="020B0604020202020204" pitchFamily="34" charset="0"/>
+              <a:buChar char="•"/>
+            </a:pPr>
+            <a:r>
+              <a:rPr lang="en-US" altLang="zh-CN" sz="1400" dirty="0">
+                <a:latin typeface="+mn-ea"/>
+              </a:rPr>
+              <a:t>Personalized Itinerary Generation:</a:t>
+            </a:r>
+            <a:r>
+              <a:rPr lang="zh-CN" altLang="en-US" sz="1400" dirty="0">
+                <a:latin typeface="+mn-ea"/>
+              </a:rPr>
+              <a:t> </a:t>
+            </a:r>
+            <a:r>
+              <a:rPr lang="en-US" altLang="zh-CN" sz="1400" dirty="0">
+                <a:latin typeface="+mn-ea"/>
+              </a:rPr>
+              <a:t>By providing their desired travel country, city, and estimated daily travel time, users are presented with a customized itinerary. </a:t>
+            </a:r>
+          </a:p>
+          <a:p>
+            <a:pPr marL="285750" indent="-285750" algn="just" latinLnBrk="1">
+              <a:lnSpc>
+                <a:spcPct val="120000"/>
+              </a:lnSpc>
+              <a:buFont typeface="Arial" panose="020B0604020202020204" pitchFamily="34" charset="0"/>
+              <a:buChar char="•"/>
+            </a:pPr>
+            <a:endParaRPr lang="en-US" altLang="zh-CN" sz="1400" dirty="0">
+              <a:latin typeface="+mn-ea"/>
+            </a:endParaRPr>
+          </a:p>
+          <a:p>
+            <a:pPr marL="285750" indent="-285750" algn="just" latinLnBrk="1">
+              <a:lnSpc>
+                <a:spcPct val="120000"/>
+              </a:lnSpc>
+              <a:buFont typeface="Arial" panose="020B0604020202020204" pitchFamily="34" charset="0"/>
+              <a:buChar char="•"/>
+            </a:pPr>
+            <a:r>
+              <a:rPr lang="en-US" altLang="zh-CN" sz="1400" dirty="0">
+                <a:latin typeface="+mn-ea"/>
+              </a:rPr>
+              <a:t>AI-Driven Recommendations: The application utilizes machine learning models trained on landmark attributes such as total occurrence, neighbor occurrence, and transportation time. This ensures the application provides the most suitable travel suggestions tailored to the user's inputs.</a:t>
+            </a:r>
+          </a:p>
+          <a:p>
+            <a:pPr marL="285750" indent="-285750" algn="just" latinLnBrk="1">
+              <a:lnSpc>
+                <a:spcPct val="120000"/>
+              </a:lnSpc>
+              <a:buFont typeface="Arial" panose="020B0604020202020204" pitchFamily="34" charset="0"/>
+              <a:buChar char="•"/>
+            </a:pPr>
+            <a:endParaRPr lang="en-US" altLang="zh-CN" sz="1400" dirty="0">
+              <a:latin typeface="+mn-ea"/>
+            </a:endParaRPr>
+          </a:p>
+          <a:p>
+            <a:pPr marL="285750" indent="-285750" algn="just" latinLnBrk="1">
+              <a:lnSpc>
+                <a:spcPct val="120000"/>
+              </a:lnSpc>
+              <a:buFont typeface="Arial" panose="020B0604020202020204" pitchFamily="34" charset="0"/>
+              <a:buChar char="•"/>
+            </a:pPr>
+            <a:r>
+              <a:rPr lang="en-US" altLang="zh-CN" sz="1400" dirty="0">
+                <a:latin typeface="+mn-ea"/>
+              </a:rPr>
+              <a:t>Weather Integration: The app integrates with </a:t>
+            </a:r>
+            <a:r>
+              <a:rPr lang="en-US" altLang="zh-CN" sz="1400" dirty="0" err="1">
+                <a:latin typeface="+mn-ea"/>
+              </a:rPr>
+              <a:t>WeatherIO</a:t>
+            </a:r>
+            <a:r>
+              <a:rPr lang="en-US" altLang="zh-CN" sz="1400" dirty="0">
+                <a:latin typeface="+mn-ea"/>
+              </a:rPr>
+              <a:t> API to fetch real-time weather data, adjusting recommendations according to the weather conditions on each day of the planned itinerary.</a:t>
+            </a:r>
+          </a:p>
+          <a:p>
+            <a:pPr marL="285750" indent="-285750" algn="just" latinLnBrk="1">
+              <a:lnSpc>
+                <a:spcPct val="120000"/>
+              </a:lnSpc>
+              <a:buFont typeface="Arial" panose="020B0604020202020204" pitchFamily="34" charset="0"/>
+              <a:buChar char="•"/>
+            </a:pPr>
+            <a:endParaRPr lang="en-US" altLang="zh-CN" sz="1400" dirty="0">
+              <a:latin typeface="+mn-ea"/>
+            </a:endParaRPr>
+          </a:p>
+          <a:p>
+            <a:pPr marL="285750" indent="-285750" algn="just" latinLnBrk="1">
+              <a:lnSpc>
+                <a:spcPct val="120000"/>
+              </a:lnSpc>
+              <a:buFont typeface="Arial" panose="020B0604020202020204" pitchFamily="34" charset="0"/>
+              <a:buChar char="•"/>
+            </a:pPr>
+            <a:r>
+              <a:rPr lang="en-US" altLang="zh-CN" sz="1400" dirty="0">
+                <a:latin typeface="+mn-ea"/>
+              </a:rPr>
+              <a:t>Intuitive User Interface: The user-friendly design of application make users easily input their preferences and view their planned trip.</a:t>
+            </a:r>
+          </a:p>
+          <a:p>
+            <a:pPr marL="285750" indent="-285750" algn="just" latinLnBrk="1">
+              <a:lnSpc>
+                <a:spcPct val="120000"/>
+              </a:lnSpc>
+              <a:buFont typeface="Arial" panose="020B0604020202020204" pitchFamily="34" charset="0"/>
+              <a:buChar char="•"/>
+            </a:pPr>
+            <a:endParaRPr lang="en-US" altLang="zh-CN" sz="1400" dirty="0">
+              <a:latin typeface="+mn-ea"/>
+            </a:endParaRPr>
+          </a:p>
+          <a:p>
+            <a:pPr marL="285750" indent="-285750" algn="just" latinLnBrk="1">
+              <a:lnSpc>
+                <a:spcPct val="120000"/>
+              </a:lnSpc>
+              <a:buFont typeface="Arial" panose="020B0604020202020204" pitchFamily="34" charset="0"/>
+              <a:buChar char="•"/>
+            </a:pPr>
+            <a:r>
+              <a:rPr lang="en-US" altLang="zh-CN" sz="1400" dirty="0">
+                <a:latin typeface="+mn-ea"/>
+              </a:rPr>
+              <a:t>Global Accessibility: The application has been deployed on Heroku, making it accessible from anywhere around the world. Users can plan their trips on-the-go, right from their web browsers.</a:t>
+            </a:r>
+          </a:p>
+        </p:txBody>
+      </p:sp>
+    </p:spTree>
+    <p:extLst>
+      <p:ext uri="{BB962C8B-B14F-4D97-AF65-F5344CB8AC3E}">
+        <p14:creationId xmlns:p14="http://schemas.microsoft.com/office/powerpoint/2010/main" val="2533184631"/>
+      </p:ext>
+    </p:extLst>
+  </p:cSld>
+  <p:clrMapOvr>
+    <a:masterClrMapping/>
+  </p:clrMapOvr>
+</p:sld>
+</file>
+
+<file path=ppt/slides/slide20.xml><?xml version="1.0" encoding="utf-8"?>
 <p:sld xmlns:a="http://schemas.openxmlformats.org/drawingml/2006/main" xmlns:r="http://schemas.openxmlformats.org/officeDocument/2006/relationships" xmlns:p="http://schemas.openxmlformats.org/presentationml/2006/main">
   <p:cSld>
     <p:spTree>
@@ -10700,454 +12143,6 @@
     <p:extLst>
       <p:ext uri="{BB962C8B-B14F-4D97-AF65-F5344CB8AC3E}">
         <p14:creationId xmlns:p14="http://schemas.microsoft.com/office/powerpoint/2010/main" val="1762760511"/>
-      </p:ext>
-    </p:extLst>
-  </p:cSld>
-  <p:clrMapOvr>
-    <a:masterClrMapping/>
-  </p:clrMapOvr>
-</p:sld>
-</file>
-
-<file path=ppt/slides/slide2.xml><?xml version="1.0" encoding="utf-8"?>
-<p:sld xmlns:a="http://schemas.openxmlformats.org/drawingml/2006/main" xmlns:r="http://schemas.openxmlformats.org/officeDocument/2006/relationships" xmlns:p="http://schemas.openxmlformats.org/presentationml/2006/main">
-  <p:cSld>
-    <p:spTree>
-      <p:nvGrpSpPr>
-        <p:cNvPr id="1" name=""/>
-        <p:cNvGrpSpPr/>
-        <p:nvPr/>
-      </p:nvGrpSpPr>
-      <p:grpSpPr>
-        <a:xfrm>
-          <a:off x="0" y="0"/>
-          <a:ext cx="0" cy="0"/>
-          <a:chOff x="0" y="0"/>
-          <a:chExt cx="0" cy="0"/>
-        </a:xfrm>
-      </p:grpSpPr>
-      <p:sp>
-        <p:nvSpPr>
-          <p:cNvPr id="3" name="文本框 2">
-            <a:extLst>
-              <a:ext uri="{FF2B5EF4-FFF2-40B4-BE49-F238E27FC236}">
-                <a16:creationId xmlns:a16="http://schemas.microsoft.com/office/drawing/2014/main" id="{30641B6D-6F2A-4664-8B9F-E8138D98CC70}"/>
-              </a:ext>
-            </a:extLst>
-          </p:cNvPr>
-          <p:cNvSpPr txBox="1">
-            <a:spLocks/>
-          </p:cNvSpPr>
-          <p:nvPr/>
-        </p:nvSpPr>
-        <p:spPr>
-          <a:xfrm>
-            <a:off x="660400" y="780278"/>
-            <a:ext cx="3892550" cy="646331"/>
-          </a:xfrm>
-          <a:prstGeom prst="rect">
-            <a:avLst/>
-          </a:prstGeom>
-        </p:spPr>
-        <p:txBody>
-          <a:bodyPr wrap="square">
-            <a:spAutoFit/>
-          </a:bodyPr>
-          <a:lstStyle>
-            <a:lvl1pPr marL="228600" indent="-228600" algn="l" defTabSz="914400" rtl="0" eaLnBrk="1" latinLnBrk="0" hangingPunct="1">
-              <a:lnSpc>
-                <a:spcPct val="90000"/>
-              </a:lnSpc>
-              <a:spcBef>
-                <a:spcPts val="1000"/>
-              </a:spcBef>
-              <a:buFont typeface="Arial" panose="020B0604020202020204" pitchFamily="34" charset="0"/>
-              <a:buChar char="•"/>
-              <a:defRPr sz="2800" kern="1200">
-                <a:solidFill>
-                  <a:schemeClr val="tx1"/>
-                </a:solidFill>
-                <a:latin typeface="+mn-lt"/>
-                <a:ea typeface="+mn-ea"/>
-                <a:cs typeface="+mn-cs"/>
-              </a:defRPr>
-            </a:lvl1pPr>
-            <a:lvl2pPr marL="685800" indent="-228600" algn="l" defTabSz="914400" rtl="0" eaLnBrk="1" latinLnBrk="0" hangingPunct="1">
-              <a:lnSpc>
-                <a:spcPct val="90000"/>
-              </a:lnSpc>
-              <a:spcBef>
-                <a:spcPts val="500"/>
-              </a:spcBef>
-              <a:buFont typeface="Arial" panose="020B0604020202020204" pitchFamily="34" charset="0"/>
-              <a:buChar char="•"/>
-              <a:defRPr sz="2400" kern="1200">
-                <a:solidFill>
-                  <a:schemeClr val="tx1"/>
-                </a:solidFill>
-                <a:latin typeface="+mn-lt"/>
-                <a:ea typeface="+mn-ea"/>
-                <a:cs typeface="+mn-cs"/>
-              </a:defRPr>
-            </a:lvl2pPr>
-            <a:lvl3pPr marL="1143000" indent="-228600" algn="l" defTabSz="914400" rtl="0" eaLnBrk="1" latinLnBrk="0" hangingPunct="1">
-              <a:lnSpc>
-                <a:spcPct val="90000"/>
-              </a:lnSpc>
-              <a:spcBef>
-                <a:spcPts val="500"/>
-              </a:spcBef>
-              <a:buFont typeface="Arial" panose="020B0604020202020204" pitchFamily="34" charset="0"/>
-              <a:buChar char="•"/>
-              <a:defRPr sz="2000" kern="1200">
-                <a:solidFill>
-                  <a:schemeClr val="tx1"/>
-                </a:solidFill>
-                <a:latin typeface="+mn-lt"/>
-                <a:ea typeface="+mn-ea"/>
-                <a:cs typeface="+mn-cs"/>
-              </a:defRPr>
-            </a:lvl3pPr>
-            <a:lvl4pPr marL="1600200" indent="-228600" algn="l" defTabSz="914400" rtl="0" eaLnBrk="1" latinLnBrk="0" hangingPunct="1">
-              <a:lnSpc>
-                <a:spcPct val="90000"/>
-              </a:lnSpc>
-              <a:spcBef>
-                <a:spcPts val="500"/>
-              </a:spcBef>
-              <a:buFont typeface="Arial" panose="020B0604020202020204" pitchFamily="34" charset="0"/>
-              <a:buChar char="•"/>
-              <a:defRPr sz="1800" kern="1200">
-                <a:solidFill>
-                  <a:schemeClr val="tx1"/>
-                </a:solidFill>
-                <a:latin typeface="+mn-lt"/>
-                <a:ea typeface="+mn-ea"/>
-                <a:cs typeface="+mn-cs"/>
-              </a:defRPr>
-            </a:lvl4pPr>
-            <a:lvl5pPr marL="2057400" indent="-228600" algn="l" defTabSz="914400" rtl="0" eaLnBrk="1" latinLnBrk="0" hangingPunct="1">
-              <a:lnSpc>
-                <a:spcPct val="90000"/>
-              </a:lnSpc>
-              <a:spcBef>
-                <a:spcPts val="500"/>
-              </a:spcBef>
-              <a:buFont typeface="Arial" panose="020B0604020202020204" pitchFamily="34" charset="0"/>
-              <a:buChar char="•"/>
-              <a:defRPr sz="1800" kern="1200">
-                <a:solidFill>
-                  <a:schemeClr val="tx1"/>
-                </a:solidFill>
-                <a:latin typeface="+mn-lt"/>
-                <a:ea typeface="+mn-ea"/>
-                <a:cs typeface="+mn-cs"/>
-              </a:defRPr>
-            </a:lvl5pPr>
-            <a:lvl6pPr marL="2514600" indent="-228600" algn="l" defTabSz="914400" rtl="0" eaLnBrk="1" latinLnBrk="0" hangingPunct="1">
-              <a:lnSpc>
-                <a:spcPct val="90000"/>
-              </a:lnSpc>
-              <a:spcBef>
-                <a:spcPts val="500"/>
-              </a:spcBef>
-              <a:buFont typeface="Arial" panose="020B0604020202020204" pitchFamily="34" charset="0"/>
-              <a:buChar char="•"/>
-              <a:defRPr sz="1800" kern="1200">
-                <a:solidFill>
-                  <a:schemeClr val="tx1"/>
-                </a:solidFill>
-                <a:latin typeface="+mn-lt"/>
-                <a:ea typeface="+mn-ea"/>
-                <a:cs typeface="+mn-cs"/>
-              </a:defRPr>
-            </a:lvl6pPr>
-            <a:lvl7pPr marL="2971800" indent="-228600" algn="l" defTabSz="914400" rtl="0" eaLnBrk="1" latinLnBrk="0" hangingPunct="1">
-              <a:lnSpc>
-                <a:spcPct val="90000"/>
-              </a:lnSpc>
-              <a:spcBef>
-                <a:spcPts val="500"/>
-              </a:spcBef>
-              <a:buFont typeface="Arial" panose="020B0604020202020204" pitchFamily="34" charset="0"/>
-              <a:buChar char="•"/>
-              <a:defRPr sz="1800" kern="1200">
-                <a:solidFill>
-                  <a:schemeClr val="tx1"/>
-                </a:solidFill>
-                <a:latin typeface="+mn-lt"/>
-                <a:ea typeface="+mn-ea"/>
-                <a:cs typeface="+mn-cs"/>
-              </a:defRPr>
-            </a:lvl7pPr>
-            <a:lvl8pPr marL="3429000" indent="-228600" algn="l" defTabSz="914400" rtl="0" eaLnBrk="1" latinLnBrk="0" hangingPunct="1">
-              <a:lnSpc>
-                <a:spcPct val="90000"/>
-              </a:lnSpc>
-              <a:spcBef>
-                <a:spcPts val="500"/>
-              </a:spcBef>
-              <a:buFont typeface="Arial" panose="020B0604020202020204" pitchFamily="34" charset="0"/>
-              <a:buChar char="•"/>
-              <a:defRPr sz="1800" kern="1200">
-                <a:solidFill>
-                  <a:schemeClr val="tx1"/>
-                </a:solidFill>
-                <a:latin typeface="+mn-lt"/>
-                <a:ea typeface="+mn-ea"/>
-                <a:cs typeface="+mn-cs"/>
-              </a:defRPr>
-            </a:lvl8pPr>
-            <a:lvl9pPr marL="3886200" indent="-228600" algn="l" defTabSz="914400" rtl="0" eaLnBrk="1" latinLnBrk="0" hangingPunct="1">
-              <a:lnSpc>
-                <a:spcPct val="90000"/>
-              </a:lnSpc>
-              <a:spcBef>
-                <a:spcPts val="500"/>
-              </a:spcBef>
-              <a:buFont typeface="Arial" panose="020B0604020202020204" pitchFamily="34" charset="0"/>
-              <a:buChar char="•"/>
-              <a:defRPr sz="1800" kern="1200">
-                <a:solidFill>
-                  <a:schemeClr val="tx1"/>
-                </a:solidFill>
-                <a:latin typeface="+mn-lt"/>
-                <a:ea typeface="+mn-ea"/>
-                <a:cs typeface="+mn-cs"/>
-              </a:defRPr>
-            </a:lvl9pPr>
-          </a:lstStyle>
-          <a:p>
-            <a:pPr marL="0" indent="0">
-              <a:buNone/>
-            </a:pPr>
-            <a:r>
-              <a:rPr lang="en-US" altLang="zh-CN" sz="4000" b="1" dirty="0">
-                <a:solidFill>
-                  <a:schemeClr val="bg1">
-                    <a:lumMod val="65000"/>
-                  </a:schemeClr>
-                </a:solidFill>
-                <a:latin typeface="+mj-ea"/>
-                <a:ea typeface="+mj-ea"/>
-              </a:rPr>
-              <a:t>DESCRIPTION</a:t>
-            </a:r>
-            <a:endParaRPr lang="en-GB" sz="4000" b="1" dirty="0">
-              <a:solidFill>
-                <a:schemeClr val="bg1">
-                  <a:lumMod val="65000"/>
-                </a:schemeClr>
-              </a:solidFill>
-              <a:latin typeface="+mj-ea"/>
-              <a:ea typeface="+mj-ea"/>
-            </a:endParaRPr>
-          </a:p>
-        </p:txBody>
-      </p:sp>
-      <p:sp>
-        <p:nvSpPr>
-          <p:cNvPr id="6" name="文本框 5">
-            <a:extLst>
-              <a:ext uri="{FF2B5EF4-FFF2-40B4-BE49-F238E27FC236}">
-                <a16:creationId xmlns:a16="http://schemas.microsoft.com/office/drawing/2014/main" id="{1575EEEB-3536-68B6-E739-A319007DC7D1}"/>
-              </a:ext>
-            </a:extLst>
-          </p:cNvPr>
-          <p:cNvSpPr txBox="1"/>
-          <p:nvPr/>
-        </p:nvSpPr>
-        <p:spPr>
-          <a:xfrm flipH="1">
-            <a:off x="1655326" y="1335568"/>
-            <a:ext cx="8881347" cy="4987776"/>
-          </a:xfrm>
-          <a:prstGeom prst="rect">
-            <a:avLst/>
-          </a:prstGeom>
-          <a:noFill/>
-        </p:spPr>
-        <p:txBody>
-          <a:bodyPr wrap="square" rtlCol="0">
-            <a:spAutoFit/>
-          </a:bodyPr>
-          <a:lstStyle/>
-          <a:p>
-            <a:pPr algn="just" latinLnBrk="1">
-              <a:lnSpc>
-                <a:spcPct val="120000"/>
-              </a:lnSpc>
-            </a:pPr>
-            <a:r>
-              <a:rPr lang="en-US" altLang="zh-CN" sz="1400" dirty="0">
-                <a:latin typeface="+mn-ea"/>
-              </a:rPr>
-              <a:t>Our Trip Advisor application is an innovative, AI-driven travel planning tool designed to deliver personalized travel itineraries. The app integrates machine learning and weather data to optimize the user's travel experience by recommending suitable landmarks based on weather conditions and preferences.</a:t>
-            </a:r>
-          </a:p>
-          <a:p>
-            <a:pPr algn="just" latinLnBrk="1">
-              <a:lnSpc>
-                <a:spcPct val="120000"/>
-              </a:lnSpc>
-            </a:pPr>
-            <a:endParaRPr lang="en-US" altLang="zh-CN" sz="1400" dirty="0">
-              <a:latin typeface="+mn-ea"/>
-            </a:endParaRPr>
-          </a:p>
-          <a:p>
-            <a:pPr marL="285750" indent="-285750" algn="just" latinLnBrk="1">
-              <a:lnSpc>
-                <a:spcPct val="120000"/>
-              </a:lnSpc>
-              <a:buFont typeface="Arial" panose="020B0604020202020204" pitchFamily="34" charset="0"/>
-              <a:buChar char="•"/>
-            </a:pPr>
-            <a:r>
-              <a:rPr lang="en-US" altLang="zh-CN" sz="1400" dirty="0">
-                <a:latin typeface="+mn-ea"/>
-              </a:rPr>
-              <a:t>Personalized Itinerary Generation:</a:t>
-            </a:r>
-            <a:r>
-              <a:rPr lang="zh-CN" altLang="en-US" sz="1400" dirty="0">
-                <a:latin typeface="+mn-ea"/>
-              </a:rPr>
-              <a:t> </a:t>
-            </a:r>
-            <a:r>
-              <a:rPr lang="en-US" altLang="zh-CN" sz="1400" dirty="0">
-                <a:latin typeface="+mn-ea"/>
-              </a:rPr>
-              <a:t>By providing their desired travel country, city, and estimated daily travel time, users are presented with a customized itinerary. </a:t>
-            </a:r>
-          </a:p>
-          <a:p>
-            <a:pPr marL="285750" indent="-285750" algn="just" latinLnBrk="1">
-              <a:lnSpc>
-                <a:spcPct val="120000"/>
-              </a:lnSpc>
-              <a:buFont typeface="Arial" panose="020B0604020202020204" pitchFamily="34" charset="0"/>
-              <a:buChar char="•"/>
-            </a:pPr>
-            <a:endParaRPr lang="en-US" altLang="zh-CN" sz="1400" dirty="0">
-              <a:latin typeface="+mn-ea"/>
-            </a:endParaRPr>
-          </a:p>
-          <a:p>
-            <a:pPr marL="285750" indent="-285750" algn="just" latinLnBrk="1">
-              <a:lnSpc>
-                <a:spcPct val="120000"/>
-              </a:lnSpc>
-              <a:buFont typeface="Arial" panose="020B0604020202020204" pitchFamily="34" charset="0"/>
-              <a:buChar char="•"/>
-            </a:pPr>
-            <a:r>
-              <a:rPr lang="en-US" altLang="zh-CN" sz="1400" dirty="0">
-                <a:latin typeface="+mn-ea"/>
-              </a:rPr>
-              <a:t>AI-Driven Recommendations: The application utilizes machine learning models trained on landmark attributes such as total occurrence, neighbor occurrence, and transportation time. This ensures the application provides the most suitable travel suggestions tailored to the user's inputs.</a:t>
-            </a:r>
-          </a:p>
-          <a:p>
-            <a:pPr marL="285750" indent="-285750" algn="just" latinLnBrk="1">
-              <a:lnSpc>
-                <a:spcPct val="120000"/>
-              </a:lnSpc>
-              <a:buFont typeface="Arial" panose="020B0604020202020204" pitchFamily="34" charset="0"/>
-              <a:buChar char="•"/>
-            </a:pPr>
-            <a:endParaRPr lang="en-US" altLang="zh-CN" sz="1400" dirty="0">
-              <a:latin typeface="+mn-ea"/>
-            </a:endParaRPr>
-          </a:p>
-          <a:p>
-            <a:pPr marL="285750" indent="-285750" algn="just" latinLnBrk="1">
-              <a:lnSpc>
-                <a:spcPct val="120000"/>
-              </a:lnSpc>
-              <a:buFont typeface="Arial" panose="020B0604020202020204" pitchFamily="34" charset="0"/>
-              <a:buChar char="•"/>
-            </a:pPr>
-            <a:r>
-              <a:rPr lang="en-US" altLang="zh-CN" sz="1400" dirty="0">
-                <a:latin typeface="+mn-ea"/>
-              </a:rPr>
-              <a:t>Weather Integration: The app integrates with </a:t>
-            </a:r>
-            <a:r>
-              <a:rPr lang="en-US" altLang="zh-CN" sz="1400" dirty="0" err="1">
-                <a:latin typeface="+mn-ea"/>
-              </a:rPr>
-              <a:t>WeatherIO</a:t>
-            </a:r>
-            <a:r>
-              <a:rPr lang="en-US" altLang="zh-CN" sz="1400" dirty="0">
-                <a:latin typeface="+mn-ea"/>
-              </a:rPr>
-              <a:t> API to fetch real-time weather data, adjusting recommendations according to the weather conditions on each day of the planned itinerary.</a:t>
-            </a:r>
-          </a:p>
-          <a:p>
-            <a:pPr marL="285750" indent="-285750" algn="just" latinLnBrk="1">
-              <a:lnSpc>
-                <a:spcPct val="120000"/>
-              </a:lnSpc>
-              <a:buFont typeface="Arial" panose="020B0604020202020204" pitchFamily="34" charset="0"/>
-              <a:buChar char="•"/>
-            </a:pPr>
-            <a:endParaRPr lang="en-US" altLang="zh-CN" sz="1400" dirty="0">
-              <a:latin typeface="+mn-ea"/>
-            </a:endParaRPr>
-          </a:p>
-          <a:p>
-            <a:pPr marL="285750" indent="-285750" algn="just" latinLnBrk="1">
-              <a:lnSpc>
-                <a:spcPct val="120000"/>
-              </a:lnSpc>
-              <a:buFont typeface="Arial" panose="020B0604020202020204" pitchFamily="34" charset="0"/>
-              <a:buChar char="•"/>
-            </a:pPr>
-            <a:r>
-              <a:rPr lang="en-US" altLang="zh-CN" sz="1400" dirty="0">
-                <a:latin typeface="+mn-ea"/>
-              </a:rPr>
-              <a:t>Intuitive User Interface: The user-friendly design of application make users easily input their preferences and view their planned trip.</a:t>
-            </a:r>
-          </a:p>
-          <a:p>
-            <a:pPr marL="285750" indent="-285750" algn="just" latinLnBrk="1">
-              <a:lnSpc>
-                <a:spcPct val="120000"/>
-              </a:lnSpc>
-              <a:buFont typeface="Arial" panose="020B0604020202020204" pitchFamily="34" charset="0"/>
-              <a:buChar char="•"/>
-            </a:pPr>
-            <a:endParaRPr lang="en-US" altLang="zh-CN" sz="1400" dirty="0">
-              <a:latin typeface="+mn-ea"/>
-            </a:endParaRPr>
-          </a:p>
-          <a:p>
-            <a:pPr marL="285750" indent="-285750" algn="just" latinLnBrk="1">
-              <a:lnSpc>
-                <a:spcPct val="120000"/>
-              </a:lnSpc>
-              <a:buFont typeface="Arial" panose="020B0604020202020204" pitchFamily="34" charset="0"/>
-              <a:buChar char="•"/>
-            </a:pPr>
-            <a:r>
-              <a:rPr lang="en-US" altLang="zh-CN" sz="1400" dirty="0">
-                <a:latin typeface="+mn-ea"/>
-              </a:rPr>
-              <a:t>Global Accessibility: The application has been deployed on Heroku, making it accessible from anywhere around the world. Users can plan their trips on-the-go, right from their web browsers.</a:t>
-            </a:r>
-          </a:p>
-        </p:txBody>
-      </p:sp>
-    </p:spTree>
-    <p:extLst>
-      <p:ext uri="{BB962C8B-B14F-4D97-AF65-F5344CB8AC3E}">
-        <p14:creationId xmlns:p14="http://schemas.microsoft.com/office/powerpoint/2010/main" val="2533184631"/>
       </p:ext>
     </p:extLst>
   </p:cSld>
